--- a/lecture-materials/Network&ContentDelivery/vpc/vpc-peering.pptx
+++ b/lecture-materials/Network&ContentDelivery/vpc/vpc-peering.pptx
@@ -5,15 +5,16 @@
     <p:sldMasterId id="2147483648" r:id="rId1"/>
   </p:sldMasterIdLst>
   <p:notesMasterIdLst>
-    <p:notesMasterId r:id="rId8"/>
+    <p:notesMasterId r:id="rId9"/>
   </p:notesMasterIdLst>
   <p:sldIdLst>
     <p:sldId id="380" r:id="rId2"/>
     <p:sldId id="335" r:id="rId3"/>
-    <p:sldId id="336" r:id="rId4"/>
-    <p:sldId id="337" r:id="rId5"/>
-    <p:sldId id="338" r:id="rId6"/>
-    <p:sldId id="339" r:id="rId7"/>
+    <p:sldId id="381" r:id="rId4"/>
+    <p:sldId id="336" r:id="rId5"/>
+    <p:sldId id="337" r:id="rId6"/>
+    <p:sldId id="338" r:id="rId7"/>
+    <p:sldId id="339" r:id="rId8"/>
   </p:sldIdLst>
   <p:sldSz cx="12192000" cy="6858000"/>
   <p:notesSz cx="6858000" cy="9144000"/>
@@ -112,6 +113,11 @@
       </a:defRPr>
     </a:lvl9pPr>
   </p:defaultTextStyle>
+  <p:extLst>
+    <p:ext uri="{EFAFB233-063F-42B5-8137-9DF3F51BA10A}">
+      <p15:sldGuideLst xmlns:p15="http://schemas.microsoft.com/office/powerpoint/2012/main"/>
+    </p:ext>
+  </p:extLst>
 </p:presentation>
 </file>
 
@@ -197,7 +203,7 @@
           <a:p>
             <a:fld id="{4E8427F9-26BE-9341-83C4-73833A21750C}" type="datetimeFigureOut">
               <a:rPr lang="en-CH" smtClean="0"/>
-              <a:t>03.01.2024</a:t>
+              <a:t>09.01.2024</a:t>
             </a:fld>
             <a:endParaRPr lang="en-CH"/>
           </a:p>
@@ -1134,7 +1140,7 @@
           <a:p>
             <a:fld id="{06AF9681-571F-4E46-8877-36E42BF4C4EB}" type="datetimeFigureOut">
               <a:rPr lang="en-CH" smtClean="0"/>
-              <a:t>03.01.2024</a:t>
+              <a:t>09.01.2024</a:t>
             </a:fld>
             <a:endParaRPr lang="en-CH"/>
           </a:p>
@@ -1334,7 +1340,7 @@
           <a:p>
             <a:fld id="{06AF9681-571F-4E46-8877-36E42BF4C4EB}" type="datetimeFigureOut">
               <a:rPr lang="en-CH" smtClean="0"/>
-              <a:t>03.01.2024</a:t>
+              <a:t>09.01.2024</a:t>
             </a:fld>
             <a:endParaRPr lang="en-CH"/>
           </a:p>
@@ -1544,7 +1550,7 @@
           <a:p>
             <a:fld id="{06AF9681-571F-4E46-8877-36E42BF4C4EB}" type="datetimeFigureOut">
               <a:rPr lang="en-CH" smtClean="0"/>
-              <a:t>03.01.2024</a:t>
+              <a:t>09.01.2024</a:t>
             </a:fld>
             <a:endParaRPr lang="en-CH"/>
           </a:p>
@@ -1744,7 +1750,7 @@
           <a:p>
             <a:fld id="{06AF9681-571F-4E46-8877-36E42BF4C4EB}" type="datetimeFigureOut">
               <a:rPr lang="en-CH" smtClean="0"/>
-              <a:t>03.01.2024</a:t>
+              <a:t>09.01.2024</a:t>
             </a:fld>
             <a:endParaRPr lang="en-CH"/>
           </a:p>
@@ -2020,7 +2026,7 @@
           <a:p>
             <a:fld id="{06AF9681-571F-4E46-8877-36E42BF4C4EB}" type="datetimeFigureOut">
               <a:rPr lang="en-CH" smtClean="0"/>
-              <a:t>03.01.2024</a:t>
+              <a:t>09.01.2024</a:t>
             </a:fld>
             <a:endParaRPr lang="en-CH"/>
           </a:p>
@@ -2288,7 +2294,7 @@
           <a:p>
             <a:fld id="{06AF9681-571F-4E46-8877-36E42BF4C4EB}" type="datetimeFigureOut">
               <a:rPr lang="en-CH" smtClean="0"/>
-              <a:t>03.01.2024</a:t>
+              <a:t>09.01.2024</a:t>
             </a:fld>
             <a:endParaRPr lang="en-CH"/>
           </a:p>
@@ -2703,7 +2709,7 @@
           <a:p>
             <a:fld id="{06AF9681-571F-4E46-8877-36E42BF4C4EB}" type="datetimeFigureOut">
               <a:rPr lang="en-CH" smtClean="0"/>
-              <a:t>03.01.2024</a:t>
+              <a:t>09.01.2024</a:t>
             </a:fld>
             <a:endParaRPr lang="en-CH"/>
           </a:p>
@@ -2845,7 +2851,7 @@
           <a:p>
             <a:fld id="{06AF9681-571F-4E46-8877-36E42BF4C4EB}" type="datetimeFigureOut">
               <a:rPr lang="en-CH" smtClean="0"/>
-              <a:t>03.01.2024</a:t>
+              <a:t>09.01.2024</a:t>
             </a:fld>
             <a:endParaRPr lang="en-CH"/>
           </a:p>
@@ -2958,7 +2964,7 @@
           <a:p>
             <a:fld id="{06AF9681-571F-4E46-8877-36E42BF4C4EB}" type="datetimeFigureOut">
               <a:rPr lang="en-CH" smtClean="0"/>
-              <a:t>03.01.2024</a:t>
+              <a:t>09.01.2024</a:t>
             </a:fld>
             <a:endParaRPr lang="en-CH"/>
           </a:p>
@@ -3271,7 +3277,7 @@
           <a:p>
             <a:fld id="{06AF9681-571F-4E46-8877-36E42BF4C4EB}" type="datetimeFigureOut">
               <a:rPr lang="en-CH" smtClean="0"/>
-              <a:t>03.01.2024</a:t>
+              <a:t>09.01.2024</a:t>
             </a:fld>
             <a:endParaRPr lang="en-CH"/>
           </a:p>
@@ -3560,7 +3566,7 @@
           <a:p>
             <a:fld id="{06AF9681-571F-4E46-8877-36E42BF4C4EB}" type="datetimeFigureOut">
               <a:rPr lang="en-CH" smtClean="0"/>
-              <a:t>03.01.2024</a:t>
+              <a:t>09.01.2024</a:t>
             </a:fld>
             <a:endParaRPr lang="en-CH"/>
           </a:p>
@@ -3803,7 +3809,7 @@
           <a:p>
             <a:fld id="{06AF9681-571F-4E46-8877-36E42BF4C4EB}" type="datetimeFigureOut">
               <a:rPr lang="en-CH" smtClean="0"/>
-              <a:t>03.01.2024</a:t>
+              <a:t>09.01.2024</a:t>
             </a:fld>
             <a:endParaRPr lang="en-CH"/>
           </a:p>
@@ -5236,7 +5242,7 @@
         <p:spPr>
           <a:xfrm>
             <a:off x="630936" y="2660904"/>
-            <a:ext cx="4818888" cy="3547872"/>
+            <a:ext cx="5739586" cy="3872878"/>
           </a:xfrm>
           <a:prstGeom prst="rect">
             <a:avLst/>
@@ -5244,7 +5250,7 @@
         </p:spPr>
         <p:txBody>
           <a:bodyPr spcFirstLastPara="1" vert="horz" lIns="91440" tIns="45720" rIns="91440" bIns="45720" rtlCol="0" anchor="t" anchorCtr="0">
-            <a:normAutofit/>
+            <a:noAutofit/>
           </a:bodyPr>
           <a:lstStyle/>
           <a:p>
@@ -5261,7 +5267,7 @@
               <a:buSzPts val="1100"/>
             </a:pPr>
             <a:r>
-              <a:rPr lang="en-US" sz="1200" b="1" dirty="0">
+              <a:rPr lang="en-US" sz="1050" b="1" dirty="0">
                 <a:highlight>
                   <a:srgbClr val="FFFF00"/>
                 </a:highlight>
@@ -5269,12 +5275,6 @@
               </a:rPr>
               <a:t>A VPC peering connection is a networking connection between two VPCs that enables you to route traffic between them using private IPv4 addresses or IPv6 addresses. </a:t>
             </a:r>
-            <a:endParaRPr lang="en-US" sz="1200" b="1">
-              <a:highlight>
-                <a:srgbClr val="FFFF00"/>
-              </a:highlight>
-              <a:sym typeface="Arial"/>
-            </a:endParaRPr>
           </a:p>
           <a:p>
             <a:pPr marL="0">
@@ -5290,14 +5290,11 @@
               <a:buSzPts val="1100"/>
             </a:pPr>
             <a:r>
-              <a:rPr lang="en-US" sz="1200" dirty="0">
+              <a:rPr lang="en-US" sz="1050" dirty="0">
                 <a:sym typeface="Arial"/>
               </a:rPr>
               <a:t>Instances in either VPC can communicate with each other as if they are within the same network. </a:t>
             </a:r>
-            <a:endParaRPr lang="en-US" sz="1200">
-              <a:sym typeface="Arial"/>
-            </a:endParaRPr>
           </a:p>
           <a:p>
             <a:pPr marL="0">
@@ -5313,14 +5310,11 @@
               <a:buSzPts val="1100"/>
             </a:pPr>
             <a:r>
-              <a:rPr lang="en-US" sz="1200" dirty="0">
+              <a:rPr lang="en-US" sz="1050" dirty="0">
                 <a:sym typeface="Arial"/>
               </a:rPr>
               <a:t>You can create a VPC peering connection between your own VPCs, or with a VPC in another AWS account. The VPCs can be in different Regions (also known as an inter-Region VPC peering connection).</a:t>
             </a:r>
-            <a:endParaRPr lang="en-US" sz="1200">
-              <a:sym typeface="Arial"/>
-            </a:endParaRPr>
           </a:p>
           <a:p>
             <a:pPr marL="0">
@@ -5336,14 +5330,11 @@
               <a:buSzPts val="1100"/>
             </a:pPr>
             <a:r>
-              <a:rPr lang="en-US" sz="1200" dirty="0">
+              <a:rPr lang="en-US" sz="1050" dirty="0">
                 <a:sym typeface="Arial"/>
               </a:rPr>
               <a:t>A VPC peering connection helps you to facilitate the transfer of data. </a:t>
             </a:r>
-            <a:endParaRPr lang="en-US" sz="1200">
-              <a:sym typeface="Arial"/>
-            </a:endParaRPr>
           </a:p>
           <a:p>
             <a:pPr marL="0">
@@ -5359,14 +5350,11 @@
               <a:buSzPts val="1100"/>
             </a:pPr>
             <a:r>
-              <a:rPr lang="en-US" sz="1200" dirty="0">
+              <a:rPr lang="en-US" sz="1050" dirty="0">
                 <a:sym typeface="Arial"/>
               </a:rPr>
               <a:t>For example, if you have more than one AWS account, you can peer the VPCs across those accounts to create a file sharing network. </a:t>
             </a:r>
-            <a:endParaRPr lang="en-US" sz="1200">
-              <a:sym typeface="Arial"/>
-            </a:endParaRPr>
           </a:p>
           <a:p>
             <a:pPr marL="0">
@@ -5382,12 +5370,72 @@
               <a:buSzPts val="1100"/>
             </a:pPr>
             <a:r>
-              <a:rPr lang="en-US" sz="1200" dirty="0">
+              <a:rPr lang="en-US" sz="1050" dirty="0">
                 <a:sym typeface="Arial"/>
               </a:rPr>
               <a:t>You can also use a VPC peering connection to allow other VPCs to access resources you have in one of your VPCs.</a:t>
             </a:r>
-            <a:endParaRPr lang="en-US" sz="1200">
+          </a:p>
+          <a:p>
+            <a:r>
+              <a:rPr lang="en-GB" sz="1050" b="1" i="0" dirty="0">
+                <a:effectLst/>
+              </a:rPr>
+              <a:t>No Overlapping CIDR Blocks</a:t>
+            </a:r>
+            <a:r>
+              <a:rPr lang="en-GB" sz="1050" b="0" i="0" dirty="0">
+                <a:effectLst/>
+              </a:rPr>
+              <a:t>:</a:t>
+            </a:r>
+          </a:p>
+          <a:p>
+            <a:pPr lvl="1"/>
+            <a:r>
+              <a:rPr lang="en-GB" sz="1050" b="0" i="0" dirty="0">
+                <a:effectLst/>
+              </a:rPr>
+              <a:t>Each VPC in a peering relationship must have a non-overlapping CIDR block. AWS does not support overlapping IP address ranges for peered VPCs.</a:t>
+            </a:r>
+          </a:p>
+          <a:p>
+            <a:r>
+              <a:rPr lang="en-GB" sz="1050" b="1" i="0" dirty="0">
+                <a:effectLst/>
+              </a:rPr>
+              <a:t>No Transitive Peering</a:t>
+            </a:r>
+            <a:r>
+              <a:rPr lang="en-GB" sz="1050" b="0" i="0" dirty="0">
+                <a:effectLst/>
+              </a:rPr>
+              <a:t>:</a:t>
+            </a:r>
+          </a:p>
+          <a:p>
+            <a:pPr lvl="1"/>
+            <a:r>
+              <a:rPr lang="en-GB" sz="1050" b="0" i="0" dirty="0">
+                <a:effectLst/>
+              </a:rPr>
+              <a:t>VPC peering is not transitive; to route traffic between multiple VPCs, each VPC must be directly peered with every other VPC in the network.</a:t>
+            </a:r>
+          </a:p>
+          <a:p>
+            <a:pPr marL="0">
+              <a:spcBef>
+                <a:spcPts val="533"/>
+              </a:spcBef>
+              <a:spcAft>
+                <a:spcPts val="533"/>
+              </a:spcAft>
+              <a:buClr>
+                <a:schemeClr val="dk1"/>
+              </a:buClr>
+              <a:buSzPts val="1100"/>
+            </a:pPr>
+            <a:endParaRPr lang="en-US" sz="1050" dirty="0">
               <a:sym typeface="Arial"/>
             </a:endParaRPr>
           </a:p>
@@ -5409,7 +5457,7 @@
         </p:blipFill>
         <p:spPr>
           <a:xfrm>
-            <a:off x="6099048" y="2494152"/>
+            <a:off x="6656166" y="2494152"/>
             <a:ext cx="5458968" cy="1869695"/>
           </a:xfrm>
           <a:prstGeom prst="rect">
@@ -5427,6 +5475,922 @@
 </file>
 
 <file path=ppt/slides/slide3.xml><?xml version="1.0" encoding="utf-8"?>
+<p:sld xmlns:a="http://schemas.openxmlformats.org/drawingml/2006/main" xmlns:r="http://schemas.openxmlformats.org/officeDocument/2006/relationships" xmlns:p="http://schemas.openxmlformats.org/presentationml/2006/main">
+  <p:cSld>
+    <p:bg>
+      <p:bgPr>
+        <a:solidFill>
+          <a:schemeClr val="bg1"/>
+        </a:solidFill>
+        <a:effectLst/>
+      </p:bgPr>
+    </p:bg>
+    <p:spTree>
+      <p:nvGrpSpPr>
+        <p:cNvPr id="1" name=""/>
+        <p:cNvGrpSpPr/>
+        <p:nvPr/>
+      </p:nvGrpSpPr>
+      <p:grpSpPr>
+        <a:xfrm>
+          <a:off x="0" y="0"/>
+          <a:ext cx="0" cy="0"/>
+          <a:chOff x="0" y="0"/>
+          <a:chExt cx="0" cy="0"/>
+        </a:xfrm>
+      </p:grpSpPr>
+      <p:sp useBgFill="1">
+        <p:nvSpPr>
+          <p:cNvPr id="8" name="Rectangle 7">
+            <a:extLst>
+              <a:ext uri="{FF2B5EF4-FFF2-40B4-BE49-F238E27FC236}">
+                <a16:creationId xmlns:a16="http://schemas.microsoft.com/office/drawing/2014/main" id="{100EDD19-6802-4EC3-95CE-CFFAB042CFD6}"/>
+              </a:ext>
+              <a:ext uri="{C183D7F6-B498-43B3-948B-1728B52AA6E4}">
+                <adec:decorative xmlns:adec="http://schemas.microsoft.com/office/drawing/2017/decorative" val="1"/>
+              </a:ext>
+            </a:extLst>
+          </p:cNvPr>
+          <p:cNvSpPr>
+            <a:spLocks noGrp="1" noRot="1" noChangeAspect="1" noMove="1" noResize="1" noEditPoints="1" noAdjustHandles="1" noChangeArrowheads="1" noChangeShapeType="1" noTextEdit="1"/>
+          </p:cNvSpPr>
+          <p:nvPr>
+            <p:extLst>
+              <p:ext uri="{386F3935-93C4-4BCD-93E2-E3B085C9AB24}">
+                <p16:designElem xmlns:p16="http://schemas.microsoft.com/office/powerpoint/2015/main" val="1"/>
+              </p:ext>
+            </p:extLst>
+          </p:nvPr>
+        </p:nvSpPr>
+        <p:spPr>
+          <a:xfrm>
+            <a:off x="0" y="0"/>
+            <a:ext cx="12188952" cy="6858000"/>
+          </a:xfrm>
+          <a:prstGeom prst="rect">
+            <a:avLst/>
+          </a:prstGeom>
+          <a:ln>
+            <a:noFill/>
+          </a:ln>
+        </p:spPr>
+        <p:style>
+          <a:lnRef idx="2">
+            <a:schemeClr val="accent1">
+              <a:shade val="50000"/>
+            </a:schemeClr>
+          </a:lnRef>
+          <a:fillRef idx="1">
+            <a:schemeClr val="accent1"/>
+          </a:fillRef>
+          <a:effectRef idx="0">
+            <a:schemeClr val="accent1"/>
+          </a:effectRef>
+          <a:fontRef idx="minor">
+            <a:schemeClr val="lt1"/>
+          </a:fontRef>
+        </p:style>
+        <p:txBody>
+          <a:bodyPr rtlCol="0" anchor="ctr"/>
+          <a:lstStyle/>
+          <a:p>
+            <a:pPr algn="ctr"/>
+            <a:endParaRPr lang="en-US"/>
+          </a:p>
+        </p:txBody>
+      </p:sp>
+      <p:sp>
+        <p:nvSpPr>
+          <p:cNvPr id="2" name="Title 1">
+            <a:extLst>
+              <a:ext uri="{FF2B5EF4-FFF2-40B4-BE49-F238E27FC236}">
+                <a16:creationId xmlns:a16="http://schemas.microsoft.com/office/drawing/2014/main" id="{3A44F59F-FE6B-41BF-8377-1FC0B2887743}"/>
+              </a:ext>
+            </a:extLst>
+          </p:cNvPr>
+          <p:cNvSpPr>
+            <a:spLocks noGrp="1"/>
+          </p:cNvSpPr>
+          <p:nvPr>
+            <p:ph type="title"/>
+          </p:nvPr>
+        </p:nvSpPr>
+        <p:spPr>
+          <a:xfrm>
+            <a:off x="838200" y="365125"/>
+            <a:ext cx="10515600" cy="1325563"/>
+          </a:xfrm>
+        </p:spPr>
+        <p:txBody>
+          <a:bodyPr vert="horz" lIns="91440" tIns="45720" rIns="91440" bIns="45720" rtlCol="0" anchor="ctr">
+            <a:normAutofit/>
+          </a:bodyPr>
+          <a:lstStyle/>
+          <a:p>
+            <a:r>
+              <a:rPr lang="en-US" sz="5000" kern="1200">
+                <a:solidFill>
+                  <a:schemeClr val="tx1"/>
+                </a:solidFill>
+                <a:latin typeface="+mj-lt"/>
+                <a:ea typeface="+mj-ea"/>
+                <a:cs typeface="+mj-cs"/>
+              </a:rPr>
+              <a:t>VPC Peering Security Group Referencing</a:t>
+            </a:r>
+          </a:p>
+        </p:txBody>
+      </p:sp>
+      <p:sp>
+        <p:nvSpPr>
+          <p:cNvPr id="10" name="sketch line">
+            <a:extLst>
+              <a:ext uri="{FF2B5EF4-FFF2-40B4-BE49-F238E27FC236}">
+                <a16:creationId xmlns:a16="http://schemas.microsoft.com/office/drawing/2014/main" id="{DB17E863-922E-4C26-BD64-E8FD41D28661}"/>
+              </a:ext>
+              <a:ext uri="{C183D7F6-B498-43B3-948B-1728B52AA6E4}">
+                <adec:decorative xmlns:adec="http://schemas.microsoft.com/office/drawing/2017/decorative" val="1"/>
+              </a:ext>
+            </a:extLst>
+          </p:cNvPr>
+          <p:cNvSpPr>
+            <a:spLocks noGrp="1" noRot="1" noChangeAspect="1" noMove="1" noResize="1" noEditPoints="1" noAdjustHandles="1" noChangeArrowheads="1" noChangeShapeType="1" noTextEdit="1"/>
+          </p:cNvSpPr>
+          <p:nvPr>
+            <p:extLst>
+              <p:ext uri="{386F3935-93C4-4BCD-93E2-E3B085C9AB24}">
+                <p16:designElem xmlns:p16="http://schemas.microsoft.com/office/powerpoint/2015/main" val="1"/>
+              </p:ext>
+            </p:extLst>
+          </p:nvPr>
+        </p:nvSpPr>
+        <p:spPr>
+          <a:xfrm>
+            <a:off x="669036" y="1677373"/>
+            <a:ext cx="10853928" cy="18288"/>
+          </a:xfrm>
+          <a:custGeom>
+            <a:avLst/>
+            <a:gdLst>
+              <a:gd name="connsiteX0" fmla="*/ 0 w 10853928"/>
+              <a:gd name="connsiteY0" fmla="*/ 0 h 18288"/>
+              <a:gd name="connsiteX1" fmla="*/ 461292 w 10853928"/>
+              <a:gd name="connsiteY1" fmla="*/ 0 h 18288"/>
+              <a:gd name="connsiteX2" fmla="*/ 1139662 w 10853928"/>
+              <a:gd name="connsiteY2" fmla="*/ 0 h 18288"/>
+              <a:gd name="connsiteX3" fmla="*/ 1926572 w 10853928"/>
+              <a:gd name="connsiteY3" fmla="*/ 0 h 18288"/>
+              <a:gd name="connsiteX4" fmla="*/ 2279325 w 10853928"/>
+              <a:gd name="connsiteY4" fmla="*/ 0 h 18288"/>
+              <a:gd name="connsiteX5" fmla="*/ 2632078 w 10853928"/>
+              <a:gd name="connsiteY5" fmla="*/ 0 h 18288"/>
+              <a:gd name="connsiteX6" fmla="*/ 3527527 w 10853928"/>
+              <a:gd name="connsiteY6" fmla="*/ 0 h 18288"/>
+              <a:gd name="connsiteX7" fmla="*/ 4205897 w 10853928"/>
+              <a:gd name="connsiteY7" fmla="*/ 0 h 18288"/>
+              <a:gd name="connsiteX8" fmla="*/ 4558650 w 10853928"/>
+              <a:gd name="connsiteY8" fmla="*/ 0 h 18288"/>
+              <a:gd name="connsiteX9" fmla="*/ 5237020 w 10853928"/>
+              <a:gd name="connsiteY9" fmla="*/ 0 h 18288"/>
+              <a:gd name="connsiteX10" fmla="*/ 6132469 w 10853928"/>
+              <a:gd name="connsiteY10" fmla="*/ 0 h 18288"/>
+              <a:gd name="connsiteX11" fmla="*/ 6702301 w 10853928"/>
+              <a:gd name="connsiteY11" fmla="*/ 0 h 18288"/>
+              <a:gd name="connsiteX12" fmla="*/ 7272132 w 10853928"/>
+              <a:gd name="connsiteY12" fmla="*/ 0 h 18288"/>
+              <a:gd name="connsiteX13" fmla="*/ 7950502 w 10853928"/>
+              <a:gd name="connsiteY13" fmla="*/ 0 h 18288"/>
+              <a:gd name="connsiteX14" fmla="*/ 8737412 w 10853928"/>
+              <a:gd name="connsiteY14" fmla="*/ 0 h 18288"/>
+              <a:gd name="connsiteX15" fmla="*/ 9524322 w 10853928"/>
+              <a:gd name="connsiteY15" fmla="*/ 0 h 18288"/>
+              <a:gd name="connsiteX16" fmla="*/ 10853928 w 10853928"/>
+              <a:gd name="connsiteY16" fmla="*/ 0 h 18288"/>
+              <a:gd name="connsiteX17" fmla="*/ 10853928 w 10853928"/>
+              <a:gd name="connsiteY17" fmla="*/ 18288 h 18288"/>
+              <a:gd name="connsiteX18" fmla="*/ 10392636 w 10853928"/>
+              <a:gd name="connsiteY18" fmla="*/ 18288 h 18288"/>
+              <a:gd name="connsiteX19" fmla="*/ 9497187 w 10853928"/>
+              <a:gd name="connsiteY19" fmla="*/ 18288 h 18288"/>
+              <a:gd name="connsiteX20" fmla="*/ 8818817 w 10853928"/>
+              <a:gd name="connsiteY20" fmla="*/ 18288 h 18288"/>
+              <a:gd name="connsiteX21" fmla="*/ 8466064 w 10853928"/>
+              <a:gd name="connsiteY21" fmla="*/ 18288 h 18288"/>
+              <a:gd name="connsiteX22" fmla="*/ 7787693 w 10853928"/>
+              <a:gd name="connsiteY22" fmla="*/ 18288 h 18288"/>
+              <a:gd name="connsiteX23" fmla="*/ 7217862 w 10853928"/>
+              <a:gd name="connsiteY23" fmla="*/ 18288 h 18288"/>
+              <a:gd name="connsiteX24" fmla="*/ 6648031 w 10853928"/>
+              <a:gd name="connsiteY24" fmla="*/ 18288 h 18288"/>
+              <a:gd name="connsiteX25" fmla="*/ 6078200 w 10853928"/>
+              <a:gd name="connsiteY25" fmla="*/ 18288 h 18288"/>
+              <a:gd name="connsiteX26" fmla="*/ 5508368 w 10853928"/>
+              <a:gd name="connsiteY26" fmla="*/ 18288 h 18288"/>
+              <a:gd name="connsiteX27" fmla="*/ 4721459 w 10853928"/>
+              <a:gd name="connsiteY27" fmla="*/ 18288 h 18288"/>
+              <a:gd name="connsiteX28" fmla="*/ 4043088 w 10853928"/>
+              <a:gd name="connsiteY28" fmla="*/ 18288 h 18288"/>
+              <a:gd name="connsiteX29" fmla="*/ 3690336 w 10853928"/>
+              <a:gd name="connsiteY29" fmla="*/ 18288 h 18288"/>
+              <a:gd name="connsiteX30" fmla="*/ 3120504 w 10853928"/>
+              <a:gd name="connsiteY30" fmla="*/ 18288 h 18288"/>
+              <a:gd name="connsiteX31" fmla="*/ 2333595 w 10853928"/>
+              <a:gd name="connsiteY31" fmla="*/ 18288 h 18288"/>
+              <a:gd name="connsiteX32" fmla="*/ 1872303 w 10853928"/>
+              <a:gd name="connsiteY32" fmla="*/ 18288 h 18288"/>
+              <a:gd name="connsiteX33" fmla="*/ 976854 w 10853928"/>
+              <a:gd name="connsiteY33" fmla="*/ 18288 h 18288"/>
+              <a:gd name="connsiteX34" fmla="*/ 0 w 10853928"/>
+              <a:gd name="connsiteY34" fmla="*/ 18288 h 18288"/>
+              <a:gd name="connsiteX35" fmla="*/ 0 w 10853928"/>
+              <a:gd name="connsiteY35" fmla="*/ 0 h 18288"/>
+            </a:gdLst>
+            <a:ahLst/>
+            <a:cxnLst>
+              <a:cxn ang="0">
+                <a:pos x="connsiteX0" y="connsiteY0"/>
+              </a:cxn>
+              <a:cxn ang="0">
+                <a:pos x="connsiteX1" y="connsiteY1"/>
+              </a:cxn>
+              <a:cxn ang="0">
+                <a:pos x="connsiteX2" y="connsiteY2"/>
+              </a:cxn>
+              <a:cxn ang="0">
+                <a:pos x="connsiteX3" y="connsiteY3"/>
+              </a:cxn>
+              <a:cxn ang="0">
+                <a:pos x="connsiteX4" y="connsiteY4"/>
+              </a:cxn>
+              <a:cxn ang="0">
+                <a:pos x="connsiteX5" y="connsiteY5"/>
+              </a:cxn>
+              <a:cxn ang="0">
+                <a:pos x="connsiteX6" y="connsiteY6"/>
+              </a:cxn>
+              <a:cxn ang="0">
+                <a:pos x="connsiteX7" y="connsiteY7"/>
+              </a:cxn>
+              <a:cxn ang="0">
+                <a:pos x="connsiteX8" y="connsiteY8"/>
+              </a:cxn>
+              <a:cxn ang="0">
+                <a:pos x="connsiteX9" y="connsiteY9"/>
+              </a:cxn>
+              <a:cxn ang="0">
+                <a:pos x="connsiteX10" y="connsiteY10"/>
+              </a:cxn>
+              <a:cxn ang="0">
+                <a:pos x="connsiteX11" y="connsiteY11"/>
+              </a:cxn>
+              <a:cxn ang="0">
+                <a:pos x="connsiteX12" y="connsiteY12"/>
+              </a:cxn>
+              <a:cxn ang="0">
+                <a:pos x="connsiteX13" y="connsiteY13"/>
+              </a:cxn>
+              <a:cxn ang="0">
+                <a:pos x="connsiteX14" y="connsiteY14"/>
+              </a:cxn>
+              <a:cxn ang="0">
+                <a:pos x="connsiteX15" y="connsiteY15"/>
+              </a:cxn>
+              <a:cxn ang="0">
+                <a:pos x="connsiteX16" y="connsiteY16"/>
+              </a:cxn>
+              <a:cxn ang="0">
+                <a:pos x="connsiteX17" y="connsiteY17"/>
+              </a:cxn>
+              <a:cxn ang="0">
+                <a:pos x="connsiteX18" y="connsiteY18"/>
+              </a:cxn>
+              <a:cxn ang="0">
+                <a:pos x="connsiteX19" y="connsiteY19"/>
+              </a:cxn>
+              <a:cxn ang="0">
+                <a:pos x="connsiteX20" y="connsiteY20"/>
+              </a:cxn>
+              <a:cxn ang="0">
+                <a:pos x="connsiteX21" y="connsiteY21"/>
+              </a:cxn>
+              <a:cxn ang="0">
+                <a:pos x="connsiteX22" y="connsiteY22"/>
+              </a:cxn>
+              <a:cxn ang="0">
+                <a:pos x="connsiteX23" y="connsiteY23"/>
+              </a:cxn>
+              <a:cxn ang="0">
+                <a:pos x="connsiteX24" y="connsiteY24"/>
+              </a:cxn>
+              <a:cxn ang="0">
+                <a:pos x="connsiteX25" y="connsiteY25"/>
+              </a:cxn>
+              <a:cxn ang="0">
+                <a:pos x="connsiteX26" y="connsiteY26"/>
+              </a:cxn>
+              <a:cxn ang="0">
+                <a:pos x="connsiteX27" y="connsiteY27"/>
+              </a:cxn>
+              <a:cxn ang="0">
+                <a:pos x="connsiteX28" y="connsiteY28"/>
+              </a:cxn>
+              <a:cxn ang="0">
+                <a:pos x="connsiteX29" y="connsiteY29"/>
+              </a:cxn>
+              <a:cxn ang="0">
+                <a:pos x="connsiteX30" y="connsiteY30"/>
+              </a:cxn>
+              <a:cxn ang="0">
+                <a:pos x="connsiteX31" y="connsiteY31"/>
+              </a:cxn>
+              <a:cxn ang="0">
+                <a:pos x="connsiteX32" y="connsiteY32"/>
+              </a:cxn>
+              <a:cxn ang="0">
+                <a:pos x="connsiteX33" y="connsiteY33"/>
+              </a:cxn>
+              <a:cxn ang="0">
+                <a:pos x="connsiteX34" y="connsiteY34"/>
+              </a:cxn>
+              <a:cxn ang="0">
+                <a:pos x="connsiteX35" y="connsiteY35"/>
+              </a:cxn>
+            </a:cxnLst>
+            <a:rect l="l" t="t" r="r" b="b"/>
+            <a:pathLst>
+              <a:path w="10853928" h="18288" fill="none" extrusionOk="0">
+                <a:moveTo>
+                  <a:pt x="0" y="0"/>
+                </a:moveTo>
+                <a:cubicBezTo>
+                  <a:pt x="146993" y="-19076"/>
+                  <a:pt x="347684" y="-4790"/>
+                  <a:pt x="461292" y="0"/>
+                </a:cubicBezTo>
+                <a:cubicBezTo>
+                  <a:pt x="574900" y="4790"/>
+                  <a:pt x="808367" y="19821"/>
+                  <a:pt x="1139662" y="0"/>
+                </a:cubicBezTo>
+                <a:cubicBezTo>
+                  <a:pt x="1470957" y="-19821"/>
+                  <a:pt x="1627405" y="5721"/>
+                  <a:pt x="1926572" y="0"/>
+                </a:cubicBezTo>
+                <a:cubicBezTo>
+                  <a:pt x="2225739" y="-5721"/>
+                  <a:pt x="2137730" y="-3235"/>
+                  <a:pt x="2279325" y="0"/>
+                </a:cubicBezTo>
+                <a:cubicBezTo>
+                  <a:pt x="2420920" y="3235"/>
+                  <a:pt x="2456518" y="9685"/>
+                  <a:pt x="2632078" y="0"/>
+                </a:cubicBezTo>
+                <a:cubicBezTo>
+                  <a:pt x="2807638" y="-9685"/>
+                  <a:pt x="3211516" y="-43007"/>
+                  <a:pt x="3527527" y="0"/>
+                </a:cubicBezTo>
+                <a:cubicBezTo>
+                  <a:pt x="3843538" y="43007"/>
+                  <a:pt x="4058833" y="22042"/>
+                  <a:pt x="4205897" y="0"/>
+                </a:cubicBezTo>
+                <a:cubicBezTo>
+                  <a:pt x="4352961" y="-22042"/>
+                  <a:pt x="4474805" y="-11846"/>
+                  <a:pt x="4558650" y="0"/>
+                </a:cubicBezTo>
+                <a:cubicBezTo>
+                  <a:pt x="4642495" y="11846"/>
+                  <a:pt x="5041928" y="-6069"/>
+                  <a:pt x="5237020" y="0"/>
+                </a:cubicBezTo>
+                <a:cubicBezTo>
+                  <a:pt x="5432112" y="6069"/>
+                  <a:pt x="5943266" y="-17479"/>
+                  <a:pt x="6132469" y="0"/>
+                </a:cubicBezTo>
+                <a:cubicBezTo>
+                  <a:pt x="6321672" y="17479"/>
+                  <a:pt x="6483872" y="26234"/>
+                  <a:pt x="6702301" y="0"/>
+                </a:cubicBezTo>
+                <a:cubicBezTo>
+                  <a:pt x="6920730" y="-26234"/>
+                  <a:pt x="6991194" y="-15156"/>
+                  <a:pt x="7272132" y="0"/>
+                </a:cubicBezTo>
+                <a:cubicBezTo>
+                  <a:pt x="7553070" y="15156"/>
+                  <a:pt x="7684444" y="-32961"/>
+                  <a:pt x="7950502" y="0"/>
+                </a:cubicBezTo>
+                <a:cubicBezTo>
+                  <a:pt x="8216560" y="32961"/>
+                  <a:pt x="8493290" y="-10491"/>
+                  <a:pt x="8737412" y="0"/>
+                </a:cubicBezTo>
+                <a:cubicBezTo>
+                  <a:pt x="8981534" y="10491"/>
+                  <a:pt x="9191586" y="-13899"/>
+                  <a:pt x="9524322" y="0"/>
+                </a:cubicBezTo>
+                <a:cubicBezTo>
+                  <a:pt x="9857058" y="13899"/>
+                  <a:pt x="10297509" y="7485"/>
+                  <a:pt x="10853928" y="0"/>
+                </a:cubicBezTo>
+                <a:cubicBezTo>
+                  <a:pt x="10854574" y="4451"/>
+                  <a:pt x="10854418" y="9226"/>
+                  <a:pt x="10853928" y="18288"/>
+                </a:cubicBezTo>
+                <a:cubicBezTo>
+                  <a:pt x="10691638" y="28522"/>
+                  <a:pt x="10574319" y="29578"/>
+                  <a:pt x="10392636" y="18288"/>
+                </a:cubicBezTo>
+                <a:cubicBezTo>
+                  <a:pt x="10210953" y="6998"/>
+                  <a:pt x="9836277" y="-16742"/>
+                  <a:pt x="9497187" y="18288"/>
+                </a:cubicBezTo>
+                <a:cubicBezTo>
+                  <a:pt x="9158097" y="53318"/>
+                  <a:pt x="9119479" y="30714"/>
+                  <a:pt x="8818817" y="18288"/>
+                </a:cubicBezTo>
+                <a:cubicBezTo>
+                  <a:pt x="8518155" y="5863"/>
+                  <a:pt x="8640037" y="6483"/>
+                  <a:pt x="8466064" y="18288"/>
+                </a:cubicBezTo>
+                <a:cubicBezTo>
+                  <a:pt x="8292091" y="30093"/>
+                  <a:pt x="7997656" y="18914"/>
+                  <a:pt x="7787693" y="18288"/>
+                </a:cubicBezTo>
+                <a:cubicBezTo>
+                  <a:pt x="7577730" y="17662"/>
+                  <a:pt x="7412468" y="21416"/>
+                  <a:pt x="7217862" y="18288"/>
+                </a:cubicBezTo>
+                <a:cubicBezTo>
+                  <a:pt x="7023256" y="15160"/>
+                  <a:pt x="6898018" y="14824"/>
+                  <a:pt x="6648031" y="18288"/>
+                </a:cubicBezTo>
+                <a:cubicBezTo>
+                  <a:pt x="6398044" y="21752"/>
+                  <a:pt x="6254402" y="38625"/>
+                  <a:pt x="6078200" y="18288"/>
+                </a:cubicBezTo>
+                <a:cubicBezTo>
+                  <a:pt x="5901998" y="-2049"/>
+                  <a:pt x="5622886" y="3213"/>
+                  <a:pt x="5508368" y="18288"/>
+                </a:cubicBezTo>
+                <a:cubicBezTo>
+                  <a:pt x="5393850" y="33363"/>
+                  <a:pt x="5036260" y="26830"/>
+                  <a:pt x="4721459" y="18288"/>
+                </a:cubicBezTo>
+                <a:cubicBezTo>
+                  <a:pt x="4406658" y="9746"/>
+                  <a:pt x="4239221" y="41551"/>
+                  <a:pt x="4043088" y="18288"/>
+                </a:cubicBezTo>
+                <a:cubicBezTo>
+                  <a:pt x="3846955" y="-4975"/>
+                  <a:pt x="3818802" y="34658"/>
+                  <a:pt x="3690336" y="18288"/>
+                </a:cubicBezTo>
+                <a:cubicBezTo>
+                  <a:pt x="3561870" y="1918"/>
+                  <a:pt x="3265491" y="42194"/>
+                  <a:pt x="3120504" y="18288"/>
+                </a:cubicBezTo>
+                <a:cubicBezTo>
+                  <a:pt x="2975517" y="-5618"/>
+                  <a:pt x="2720254" y="36673"/>
+                  <a:pt x="2333595" y="18288"/>
+                </a:cubicBezTo>
+                <a:cubicBezTo>
+                  <a:pt x="1946936" y="-97"/>
+                  <a:pt x="2097241" y="5776"/>
+                  <a:pt x="1872303" y="18288"/>
+                </a:cubicBezTo>
+                <a:cubicBezTo>
+                  <a:pt x="1647365" y="30800"/>
+                  <a:pt x="1282708" y="45380"/>
+                  <a:pt x="976854" y="18288"/>
+                </a:cubicBezTo>
+                <a:cubicBezTo>
+                  <a:pt x="671000" y="-8804"/>
+                  <a:pt x="408401" y="-12775"/>
+                  <a:pt x="0" y="18288"/>
+                </a:cubicBezTo>
+                <a:cubicBezTo>
+                  <a:pt x="-213" y="9468"/>
+                  <a:pt x="187" y="4459"/>
+                  <a:pt x="0" y="0"/>
+                </a:cubicBezTo>
+                <a:close/>
+              </a:path>
+              <a:path w="10853928" h="18288" stroke="0" extrusionOk="0">
+                <a:moveTo>
+                  <a:pt x="0" y="0"/>
+                </a:moveTo>
+                <a:cubicBezTo>
+                  <a:pt x="267322" y="15284"/>
+                  <a:pt x="415388" y="-21048"/>
+                  <a:pt x="569831" y="0"/>
+                </a:cubicBezTo>
+                <a:cubicBezTo>
+                  <a:pt x="724274" y="21048"/>
+                  <a:pt x="769333" y="-2353"/>
+                  <a:pt x="922584" y="0"/>
+                </a:cubicBezTo>
+                <a:cubicBezTo>
+                  <a:pt x="1075835" y="2353"/>
+                  <a:pt x="1399490" y="-145"/>
+                  <a:pt x="1818033" y="0"/>
+                </a:cubicBezTo>
+                <a:cubicBezTo>
+                  <a:pt x="2236576" y="145"/>
+                  <a:pt x="2145330" y="5482"/>
+                  <a:pt x="2387864" y="0"/>
+                </a:cubicBezTo>
+                <a:cubicBezTo>
+                  <a:pt x="2630398" y="-5482"/>
+                  <a:pt x="2793207" y="18487"/>
+                  <a:pt x="2957695" y="0"/>
+                </a:cubicBezTo>
+                <a:cubicBezTo>
+                  <a:pt x="3122183" y="-18487"/>
+                  <a:pt x="3579141" y="19003"/>
+                  <a:pt x="3853144" y="0"/>
+                </a:cubicBezTo>
+                <a:cubicBezTo>
+                  <a:pt x="4127147" y="-19003"/>
+                  <a:pt x="4209857" y="12211"/>
+                  <a:pt x="4314436" y="0"/>
+                </a:cubicBezTo>
+                <a:cubicBezTo>
+                  <a:pt x="4419015" y="-12211"/>
+                  <a:pt x="4762459" y="-17220"/>
+                  <a:pt x="5209885" y="0"/>
+                </a:cubicBezTo>
+                <a:cubicBezTo>
+                  <a:pt x="5657311" y="17220"/>
+                  <a:pt x="5692663" y="-3290"/>
+                  <a:pt x="6105335" y="0"/>
+                </a:cubicBezTo>
+                <a:cubicBezTo>
+                  <a:pt x="6518007" y="3290"/>
+                  <a:pt x="6455516" y="-5124"/>
+                  <a:pt x="6783705" y="0"/>
+                </a:cubicBezTo>
+                <a:cubicBezTo>
+                  <a:pt x="7111894" y="5124"/>
+                  <a:pt x="7441941" y="-17829"/>
+                  <a:pt x="7679154" y="0"/>
+                </a:cubicBezTo>
+                <a:cubicBezTo>
+                  <a:pt x="7916367" y="17829"/>
+                  <a:pt x="8102967" y="-24363"/>
+                  <a:pt x="8248985" y="0"/>
+                </a:cubicBezTo>
+                <a:cubicBezTo>
+                  <a:pt x="8395003" y="24363"/>
+                  <a:pt x="8552393" y="25505"/>
+                  <a:pt x="8818817" y="0"/>
+                </a:cubicBezTo>
+                <a:cubicBezTo>
+                  <a:pt x="9085241" y="-25505"/>
+                  <a:pt x="9411308" y="38000"/>
+                  <a:pt x="9605726" y="0"/>
+                </a:cubicBezTo>
+                <a:cubicBezTo>
+                  <a:pt x="9800144" y="-38000"/>
+                  <a:pt x="10006468" y="-25741"/>
+                  <a:pt x="10175558" y="0"/>
+                </a:cubicBezTo>
+                <a:cubicBezTo>
+                  <a:pt x="10344648" y="25741"/>
+                  <a:pt x="10696282" y="695"/>
+                  <a:pt x="10853928" y="0"/>
+                </a:cubicBezTo>
+                <a:cubicBezTo>
+                  <a:pt x="10853521" y="8690"/>
+                  <a:pt x="10853774" y="14141"/>
+                  <a:pt x="10853928" y="18288"/>
+                </a:cubicBezTo>
+                <a:cubicBezTo>
+                  <a:pt x="10608124" y="24255"/>
+                  <a:pt x="10343415" y="22307"/>
+                  <a:pt x="10067018" y="18288"/>
+                </a:cubicBezTo>
+                <a:cubicBezTo>
+                  <a:pt x="9790621" y="14270"/>
+                  <a:pt x="9843266" y="3564"/>
+                  <a:pt x="9714266" y="18288"/>
+                </a:cubicBezTo>
+                <a:cubicBezTo>
+                  <a:pt x="9585266" y="33012"/>
+                  <a:pt x="9379484" y="1875"/>
+                  <a:pt x="9252974" y="18288"/>
+                </a:cubicBezTo>
+                <a:cubicBezTo>
+                  <a:pt x="9126464" y="34701"/>
+                  <a:pt x="8580678" y="-4904"/>
+                  <a:pt x="8357525" y="18288"/>
+                </a:cubicBezTo>
+                <a:cubicBezTo>
+                  <a:pt x="8134372" y="41480"/>
+                  <a:pt x="7903199" y="26458"/>
+                  <a:pt x="7679154" y="18288"/>
+                </a:cubicBezTo>
+                <a:cubicBezTo>
+                  <a:pt x="7455109" y="10118"/>
+                  <a:pt x="7435944" y="27109"/>
+                  <a:pt x="7217862" y="18288"/>
+                </a:cubicBezTo>
+                <a:cubicBezTo>
+                  <a:pt x="6999780" y="9467"/>
+                  <a:pt x="6680409" y="18985"/>
+                  <a:pt x="6539492" y="18288"/>
+                </a:cubicBezTo>
+                <a:cubicBezTo>
+                  <a:pt x="6398575" y="17592"/>
+                  <a:pt x="6312077" y="33018"/>
+                  <a:pt x="6186739" y="18288"/>
+                </a:cubicBezTo>
+                <a:cubicBezTo>
+                  <a:pt x="6061401" y="3558"/>
+                  <a:pt x="5947033" y="12075"/>
+                  <a:pt x="5833986" y="18288"/>
+                </a:cubicBezTo>
+                <a:cubicBezTo>
+                  <a:pt x="5720939" y="24501"/>
+                  <a:pt x="5482226" y="8586"/>
+                  <a:pt x="5155616" y="18288"/>
+                </a:cubicBezTo>
+                <a:cubicBezTo>
+                  <a:pt x="4829006" y="27991"/>
+                  <a:pt x="4841274" y="29316"/>
+                  <a:pt x="4694324" y="18288"/>
+                </a:cubicBezTo>
+                <a:cubicBezTo>
+                  <a:pt x="4547374" y="7260"/>
+                  <a:pt x="4077675" y="7013"/>
+                  <a:pt x="3907414" y="18288"/>
+                </a:cubicBezTo>
+                <a:cubicBezTo>
+                  <a:pt x="3737153" y="29564"/>
+                  <a:pt x="3538393" y="21630"/>
+                  <a:pt x="3446122" y="18288"/>
+                </a:cubicBezTo>
+                <a:cubicBezTo>
+                  <a:pt x="3353851" y="14946"/>
+                  <a:pt x="2990320" y="-8091"/>
+                  <a:pt x="2659212" y="18288"/>
+                </a:cubicBezTo>
+                <a:cubicBezTo>
+                  <a:pt x="2328104" y="44667"/>
+                  <a:pt x="2427653" y="9607"/>
+                  <a:pt x="2306460" y="18288"/>
+                </a:cubicBezTo>
+                <a:cubicBezTo>
+                  <a:pt x="2185267" y="26969"/>
+                  <a:pt x="1719763" y="3717"/>
+                  <a:pt x="1519550" y="18288"/>
+                </a:cubicBezTo>
+                <a:cubicBezTo>
+                  <a:pt x="1319337" y="32860"/>
+                  <a:pt x="1167371" y="17040"/>
+                  <a:pt x="1058258" y="18288"/>
+                </a:cubicBezTo>
+                <a:cubicBezTo>
+                  <a:pt x="949145" y="19536"/>
+                  <a:pt x="780234" y="31447"/>
+                  <a:pt x="705505" y="18288"/>
+                </a:cubicBezTo>
+                <a:cubicBezTo>
+                  <a:pt x="630776" y="5129"/>
+                  <a:pt x="215796" y="30056"/>
+                  <a:pt x="0" y="18288"/>
+                </a:cubicBezTo>
+                <a:cubicBezTo>
+                  <a:pt x="-53" y="11301"/>
+                  <a:pt x="-649" y="7756"/>
+                  <a:pt x="0" y="0"/>
+                </a:cubicBezTo>
+                <a:close/>
+              </a:path>
+            </a:pathLst>
+          </a:custGeom>
+          <a:solidFill>
+            <a:schemeClr val="accent2"/>
+          </a:solidFill>
+          <a:ln w="41275" cap="rnd">
+            <a:solidFill>
+              <a:schemeClr val="accent2"/>
+            </a:solidFill>
+            <a:round/>
+            <a:extLst>
+              <a:ext uri="{C807C97D-BFC1-408E-A445-0C87EB9F89A2}">
+                <ask:lineSketchStyleProps xmlns:ask="http://schemas.microsoft.com/office/drawing/2018/sketchyshapes" sd="1219033472">
+                  <a:prstGeom prst="rect">
+                    <a:avLst/>
+                  </a:prstGeom>
+                  <ask:type>
+                    <ask:lineSketchFreehand/>
+                  </ask:type>
+                </ask:lineSketchStyleProps>
+              </a:ext>
+            </a:extLst>
+          </a:ln>
+        </p:spPr>
+        <p:style>
+          <a:lnRef idx="2">
+            <a:schemeClr val="accent1">
+              <a:shade val="50000"/>
+            </a:schemeClr>
+          </a:lnRef>
+          <a:fillRef idx="1">
+            <a:schemeClr val="accent1"/>
+          </a:fillRef>
+          <a:effectRef idx="0">
+            <a:schemeClr val="accent1"/>
+          </a:effectRef>
+          <a:fontRef idx="minor">
+            <a:schemeClr val="lt1"/>
+          </a:fontRef>
+        </p:style>
+        <p:txBody>
+          <a:bodyPr rtlCol="0" anchor="ctr"/>
+          <a:lstStyle/>
+          <a:p>
+            <a:pPr algn="ctr"/>
+            <a:endParaRPr lang="en-US"/>
+          </a:p>
+        </p:txBody>
+      </p:sp>
+      <p:sp>
+        <p:nvSpPr>
+          <p:cNvPr id="3" name="Content Placeholder 2">
+            <a:extLst>
+              <a:ext uri="{FF2B5EF4-FFF2-40B4-BE49-F238E27FC236}">
+                <a16:creationId xmlns:a16="http://schemas.microsoft.com/office/drawing/2014/main" id="{070036C5-5903-62F5-1BA1-07E276E94D55}"/>
+              </a:ext>
+            </a:extLst>
+          </p:cNvPr>
+          <p:cNvSpPr>
+            <a:spLocks noGrp="1"/>
+          </p:cNvSpPr>
+          <p:nvPr>
+            <p:ph sz="half" idx="1"/>
+          </p:nvPr>
+        </p:nvSpPr>
+        <p:spPr>
+          <a:xfrm>
+            <a:off x="838200" y="1929384"/>
+            <a:ext cx="10515600" cy="4251960"/>
+          </a:xfrm>
+        </p:spPr>
+        <p:txBody>
+          <a:bodyPr vert="horz" lIns="91440" tIns="45720" rIns="91440" bIns="45720" rtlCol="0">
+            <a:normAutofit/>
+          </a:bodyPr>
+          <a:lstStyle/>
+          <a:p>
+            <a:r>
+              <a:rPr lang="en-US" sz="1050" b="0" i="0" dirty="0" err="1">
+                <a:effectLst/>
+              </a:rPr>
+              <a:t>VSecurity</a:t>
+            </a:r>
+            <a:r>
+              <a:rPr lang="en-US" sz="1050" b="0" i="0" dirty="0">
+                <a:effectLst/>
+              </a:rPr>
+              <a:t> groups in a VPC can be used to control the traffic that is allowed to and from instances within that VPC. </a:t>
+            </a:r>
+          </a:p>
+          <a:p>
+            <a:r>
+              <a:rPr lang="en-US" sz="1050" b="0" i="0" dirty="0">
+                <a:effectLst/>
+              </a:rPr>
+              <a:t>When your VPC is peered with another VPC, you can reference security groups from the peered VPC in your security group rules, which allows for a more granular control over the traffic between the two VPCs. </a:t>
+            </a:r>
+          </a:p>
+          <a:p>
+            <a:r>
+              <a:rPr lang="en-US" sz="1050" b="1" i="0" dirty="0">
+                <a:effectLst/>
+              </a:rPr>
+              <a:t>Cross-account Permissions</a:t>
+            </a:r>
+            <a:r>
+              <a:rPr lang="en-US" sz="1050" b="0" i="0" dirty="0">
+                <a:effectLst/>
+              </a:rPr>
+              <a:t>: You can reference security groups from the peered VPC in your security group rules, even if the VPCs are in different AWS accounts.</a:t>
+            </a:r>
+          </a:p>
+          <a:p>
+            <a:r>
+              <a:rPr lang="en-US" sz="1050" b="1" i="0" dirty="0">
+                <a:effectLst/>
+              </a:rPr>
+              <a:t>Ingress and Egress Rules</a:t>
+            </a:r>
+            <a:r>
+              <a:rPr lang="en-US" sz="1050" b="0" i="0" dirty="0">
+                <a:effectLst/>
+              </a:rPr>
+              <a:t>: When setting up security group rules, you can specify inbound (ingress) and outbound (egress) rules that reference the security group ID of the peered VPC's security group.</a:t>
+            </a:r>
+          </a:p>
+          <a:p>
+            <a:r>
+              <a:rPr lang="en-US" sz="1050" b="1" i="0" dirty="0">
+                <a:effectLst/>
+              </a:rPr>
+              <a:t>Security Group Membership</a:t>
+            </a:r>
+            <a:r>
+              <a:rPr lang="en-US" sz="1050" b="0" i="0" dirty="0">
+                <a:effectLst/>
+              </a:rPr>
+              <a:t>: The instances associated with the referenced security group in the peered VPC are automatically allowed or denied as specified by the rules.</a:t>
+            </a:r>
+          </a:p>
+          <a:p>
+            <a:r>
+              <a:rPr lang="en-US" sz="1050" b="1" i="0" dirty="0">
+                <a:effectLst/>
+              </a:rPr>
+              <a:t>Fine-grained Control</a:t>
+            </a:r>
+            <a:r>
+              <a:rPr lang="en-US" sz="1050" b="0" i="0" dirty="0">
+                <a:effectLst/>
+              </a:rPr>
+              <a:t>: Referencing a security group from a peered VPC is often more convenient and offers finer-grained control than using CIDR blocks because it automatically adapts to changes in the instances' IP addresses.</a:t>
+            </a:r>
+          </a:p>
+          <a:p>
+            <a:r>
+              <a:rPr lang="en-US" sz="1050" b="1" i="0" dirty="0">
+                <a:effectLst/>
+              </a:rPr>
+              <a:t>Update on Membership Changes</a:t>
+            </a:r>
+            <a:r>
+              <a:rPr lang="en-US" sz="1050" b="0" i="0" dirty="0">
+                <a:effectLst/>
+              </a:rPr>
+              <a:t>: When an instance is added to or removed from a referenced security group in a peered VPC, the changes are automatically reflected in the rules. This dynamic membership update avoids the need for manual intervention every time there’s a change in the network configuration.</a:t>
+            </a:r>
+          </a:p>
+          <a:p>
+            <a:r>
+              <a:rPr lang="en-US" sz="1050" b="1" i="0" dirty="0">
+                <a:effectLst/>
+              </a:rPr>
+              <a:t>Security groups for your VPC peering connection must be within the same region</a:t>
+            </a:r>
+            <a:r>
+              <a:rPr lang="en-US" sz="1050" b="0" i="0" dirty="0">
+                <a:effectLst/>
+              </a:rPr>
+              <a:t>: The ability to reference a security group from a peered VPC is limited to peering connections in the same region.</a:t>
+            </a:r>
+          </a:p>
+          <a:p>
+            <a:endParaRPr lang="en-US" sz="1050" dirty="0"/>
+          </a:p>
+        </p:txBody>
+      </p:sp>
+    </p:spTree>
+    <p:extLst>
+      <p:ext uri="{BB962C8B-B14F-4D97-AF65-F5344CB8AC3E}">
+        <p14:creationId xmlns:p14="http://schemas.microsoft.com/office/powerpoint/2010/main" val="1571124661"/>
+      </p:ext>
+    </p:extLst>
+  </p:cSld>
+  <p:clrMapOvr>
+    <a:masterClrMapping/>
+  </p:clrMapOvr>
+</p:sld>
+</file>
+
+<file path=ppt/slides/slide4.xml><?xml version="1.0" encoding="utf-8"?>
 <p:sld xmlns:a="http://schemas.openxmlformats.org/drawingml/2006/main" xmlns:r="http://schemas.openxmlformats.org/officeDocument/2006/relationships" xmlns:p="http://schemas.openxmlformats.org/presentationml/2006/main">
   <p:cSld>
     <p:bg>
@@ -5895,7 +6859,7 @@
               <a:buSzPts val="1100"/>
             </a:pPr>
             <a:r>
-              <a:rPr lang="en-US" sz="1200" b="1" dirty="0">
+              <a:rPr lang="en-US" sz="1000" b="1" dirty="0">
                 <a:highlight>
                   <a:srgbClr val="FFFF00"/>
                 </a:highlight>
@@ -5903,12 +6867,6 @@
               </a:rPr>
               <a:t>A VPC peering connection is a one-to-one relationship between two VPCs. </a:t>
             </a:r>
-            <a:endParaRPr lang="en-US" sz="1200" b="1">
-              <a:highlight>
-                <a:srgbClr val="FFFF00"/>
-              </a:highlight>
-              <a:sym typeface="Arial"/>
-            </a:endParaRPr>
           </a:p>
           <a:p>
             <a:pPr marL="0">
@@ -5924,14 +6882,11 @@
               <a:buSzPts val="1100"/>
             </a:pPr>
             <a:r>
-              <a:rPr lang="en-US" sz="1200" dirty="0">
+              <a:rPr lang="en-US" sz="1000" dirty="0">
                 <a:sym typeface="Arial"/>
               </a:rPr>
               <a:t>You can create multiple VPC peering connections for each VPC that you own, but transitive peering relationships are not supported. </a:t>
             </a:r>
-            <a:endParaRPr lang="en-US" sz="1200">
-              <a:sym typeface="Arial"/>
-            </a:endParaRPr>
           </a:p>
           <a:p>
             <a:pPr marL="0">
@@ -5947,14 +6902,11 @@
               <a:buSzPts val="1100"/>
             </a:pPr>
             <a:r>
-              <a:rPr lang="en-US" sz="1200" b="1" dirty="0">
+              <a:rPr lang="en-US" sz="1000" b="1" dirty="0">
                 <a:sym typeface="Arial"/>
               </a:rPr>
               <a:t>You do not have any peering relationship with VPCs that your VPC is not directly peered with.</a:t>
             </a:r>
-            <a:endParaRPr lang="en-US" sz="1200" b="1">
-              <a:sym typeface="Arial"/>
-            </a:endParaRPr>
           </a:p>
           <a:p>
             <a:pPr marL="0">
@@ -5970,14 +6922,11 @@
               <a:buSzPts val="1100"/>
             </a:pPr>
             <a:r>
-              <a:rPr lang="en-US" sz="1200" dirty="0">
+              <a:rPr lang="en-US" sz="1000" dirty="0">
                 <a:sym typeface="Arial"/>
               </a:rPr>
               <a:t>The following diagram is an example of one VPC peered to two different VPCs. </a:t>
             </a:r>
-            <a:endParaRPr lang="en-US" sz="1200">
-              <a:sym typeface="Arial"/>
-            </a:endParaRPr>
           </a:p>
           <a:p>
             <a:pPr marL="0">
@@ -5993,14 +6942,11 @@
               <a:buSzPts val="1100"/>
             </a:pPr>
             <a:r>
-              <a:rPr lang="en-US" sz="1200" dirty="0">
+              <a:rPr lang="en-US" sz="1000" dirty="0">
                 <a:sym typeface="Arial"/>
               </a:rPr>
               <a:t>There are two VPC peering connections: VPC A is peered with both VPC B and VPC C. </a:t>
             </a:r>
-            <a:endParaRPr lang="en-US" sz="1200">
-              <a:sym typeface="Arial"/>
-            </a:endParaRPr>
           </a:p>
           <a:p>
             <a:pPr marL="0">
@@ -6016,14 +6962,11 @@
               <a:buSzPts val="1100"/>
             </a:pPr>
             <a:r>
-              <a:rPr lang="en-US" sz="1200" dirty="0">
+              <a:rPr lang="en-US" sz="1000" dirty="0">
                 <a:sym typeface="Arial"/>
               </a:rPr>
               <a:t>VPC B and VPC C are not peered, and you cannot use VPC A as a transit point for peering between VPC B and VPC C. </a:t>
             </a:r>
-            <a:endParaRPr lang="en-US" sz="1200">
-              <a:sym typeface="Arial"/>
-            </a:endParaRPr>
           </a:p>
           <a:p>
             <a:pPr marL="0">
@@ -6039,13 +6982,43 @@
               <a:buSzPts val="1100"/>
             </a:pPr>
             <a:r>
-              <a:rPr lang="en-US" sz="1200" dirty="0">
+              <a:rPr lang="en-US" sz="1000" dirty="0">
                 <a:sym typeface="Arial"/>
               </a:rPr>
               <a:t>If you want to enable routing of traffic between VPC B and VPC C, you must create a unique VPC peering connection between them.</a:t>
             </a:r>
-            <a:endParaRPr lang="en-US" sz="1200">
-              <a:sym typeface="Arial"/>
+          </a:p>
+          <a:p>
+            <a:pPr algn="l"/>
+            <a:r>
+              <a:rPr lang="en-GB" sz="1000" b="1" i="0" dirty="0">
+                <a:effectLst/>
+              </a:rPr>
+              <a:t>Cannot Create VPC Peering with VPCs in Your AWS Account Managed by Different Organizations</a:t>
+            </a:r>
+            <a:r>
+              <a:rPr lang="en-GB" sz="1000" b="0" i="0" dirty="0">
+                <a:effectLst/>
+              </a:rPr>
+              <a:t>:</a:t>
+            </a:r>
+          </a:p>
+          <a:p>
+            <a:pPr lvl="1"/>
+            <a:r>
+              <a:rPr lang="en-GB" sz="1000" b="0" i="0" dirty="0">
+                <a:effectLst/>
+              </a:rPr>
+              <a:t>VPC peering between VPCs in different AWS accounts is possible, but if the accounts are managed by different AWS Organizations, certain restrictions </a:t>
+            </a:r>
+            <a:r>
+              <a:rPr lang="en-GB" sz="1000" b="0" i="0">
+                <a:effectLst/>
+              </a:rPr>
+              <a:t>apply.</a:t>
+            </a:r>
+            <a:endParaRPr lang="en-GB" sz="1000" b="0" i="0" dirty="0">
+              <a:effectLst/>
             </a:endParaRPr>
           </a:p>
         </p:txBody>
@@ -6083,7 +7056,7 @@
 </p:sld>
 </file>
 
-<file path=ppt/slides/slide4.xml><?xml version="1.0" encoding="utf-8"?>
+<file path=ppt/slides/slide5.xml><?xml version="1.0" encoding="utf-8"?>
 <p:sld xmlns:a="http://schemas.openxmlformats.org/drawingml/2006/main" xmlns:r="http://schemas.openxmlformats.org/officeDocument/2006/relationships" xmlns:p="http://schemas.openxmlformats.org/presentationml/2006/main">
   <p:cSld>
     <p:bg>
@@ -6660,7 +7633,7 @@
 </p:sld>
 </file>
 
-<file path=ppt/slides/slide5.xml><?xml version="1.0" encoding="utf-8"?>
+<file path=ppt/slides/slide6.xml><?xml version="1.0" encoding="utf-8"?>
 <p:sld xmlns:a="http://schemas.openxmlformats.org/drawingml/2006/main" xmlns:r="http://schemas.openxmlformats.org/officeDocument/2006/relationships" xmlns:p="http://schemas.openxmlformats.org/presentationml/2006/main">
   <p:cSld>
     <p:bg>
@@ -7217,7 +8190,7 @@
 </p:sld>
 </file>
 
-<file path=ppt/slides/slide6.xml><?xml version="1.0" encoding="utf-8"?>
+<file path=ppt/slides/slide7.xml><?xml version="1.0" encoding="utf-8"?>
 <p:sld xmlns:a="http://schemas.openxmlformats.org/drawingml/2006/main" xmlns:r="http://schemas.openxmlformats.org/officeDocument/2006/relationships" xmlns:p="http://schemas.openxmlformats.org/presentationml/2006/main">
   <p:cSld>
     <p:spTree>

--- a/lecture-materials/Network&ContentDelivery/vpc/vpc-peering.pptx
+++ b/lecture-materials/Network&ContentDelivery/vpc/vpc-peering.pptx
@@ -10,10 +10,10 @@
   <p:sldIdLst>
     <p:sldId id="380" r:id="rId2"/>
     <p:sldId id="335" r:id="rId3"/>
-    <p:sldId id="381" r:id="rId4"/>
-    <p:sldId id="336" r:id="rId5"/>
-    <p:sldId id="337" r:id="rId6"/>
-    <p:sldId id="338" r:id="rId7"/>
+    <p:sldId id="336" r:id="rId4"/>
+    <p:sldId id="337" r:id="rId5"/>
+    <p:sldId id="338" r:id="rId6"/>
+    <p:sldId id="381" r:id="rId7"/>
     <p:sldId id="339" r:id="rId8"/>
   </p:sldIdLst>
   <p:sldSz cx="12192000" cy="6858000"/>
@@ -203,7 +203,7 @@
           <a:p>
             <a:fld id="{4E8427F9-26BE-9341-83C4-73833A21750C}" type="datetimeFigureOut">
               <a:rPr lang="en-CH" smtClean="0"/>
-              <a:t>09.01.2024</a:t>
+              <a:t>22.01.2024</a:t>
             </a:fld>
             <a:endParaRPr lang="en-CH"/>
           </a:p>
@@ -1140,7 +1140,7 @@
           <a:p>
             <a:fld id="{06AF9681-571F-4E46-8877-36E42BF4C4EB}" type="datetimeFigureOut">
               <a:rPr lang="en-CH" smtClean="0"/>
-              <a:t>09.01.2024</a:t>
+              <a:t>22.01.2024</a:t>
             </a:fld>
             <a:endParaRPr lang="en-CH"/>
           </a:p>
@@ -1340,7 +1340,7 @@
           <a:p>
             <a:fld id="{06AF9681-571F-4E46-8877-36E42BF4C4EB}" type="datetimeFigureOut">
               <a:rPr lang="en-CH" smtClean="0"/>
-              <a:t>09.01.2024</a:t>
+              <a:t>22.01.2024</a:t>
             </a:fld>
             <a:endParaRPr lang="en-CH"/>
           </a:p>
@@ -1550,7 +1550,7 @@
           <a:p>
             <a:fld id="{06AF9681-571F-4E46-8877-36E42BF4C4EB}" type="datetimeFigureOut">
               <a:rPr lang="en-CH" smtClean="0"/>
-              <a:t>09.01.2024</a:t>
+              <a:t>22.01.2024</a:t>
             </a:fld>
             <a:endParaRPr lang="en-CH"/>
           </a:p>
@@ -1750,7 +1750,7 @@
           <a:p>
             <a:fld id="{06AF9681-571F-4E46-8877-36E42BF4C4EB}" type="datetimeFigureOut">
               <a:rPr lang="en-CH" smtClean="0"/>
-              <a:t>09.01.2024</a:t>
+              <a:t>22.01.2024</a:t>
             </a:fld>
             <a:endParaRPr lang="en-CH"/>
           </a:p>
@@ -2026,7 +2026,7 @@
           <a:p>
             <a:fld id="{06AF9681-571F-4E46-8877-36E42BF4C4EB}" type="datetimeFigureOut">
               <a:rPr lang="en-CH" smtClean="0"/>
-              <a:t>09.01.2024</a:t>
+              <a:t>22.01.2024</a:t>
             </a:fld>
             <a:endParaRPr lang="en-CH"/>
           </a:p>
@@ -2294,7 +2294,7 @@
           <a:p>
             <a:fld id="{06AF9681-571F-4E46-8877-36E42BF4C4EB}" type="datetimeFigureOut">
               <a:rPr lang="en-CH" smtClean="0"/>
-              <a:t>09.01.2024</a:t>
+              <a:t>22.01.2024</a:t>
             </a:fld>
             <a:endParaRPr lang="en-CH"/>
           </a:p>
@@ -2709,7 +2709,7 @@
           <a:p>
             <a:fld id="{06AF9681-571F-4E46-8877-36E42BF4C4EB}" type="datetimeFigureOut">
               <a:rPr lang="en-CH" smtClean="0"/>
-              <a:t>09.01.2024</a:t>
+              <a:t>22.01.2024</a:t>
             </a:fld>
             <a:endParaRPr lang="en-CH"/>
           </a:p>
@@ -2851,7 +2851,7 @@
           <a:p>
             <a:fld id="{06AF9681-571F-4E46-8877-36E42BF4C4EB}" type="datetimeFigureOut">
               <a:rPr lang="en-CH" smtClean="0"/>
-              <a:t>09.01.2024</a:t>
+              <a:t>22.01.2024</a:t>
             </a:fld>
             <a:endParaRPr lang="en-CH"/>
           </a:p>
@@ -2964,7 +2964,7 @@
           <a:p>
             <a:fld id="{06AF9681-571F-4E46-8877-36E42BF4C4EB}" type="datetimeFigureOut">
               <a:rPr lang="en-CH" smtClean="0"/>
-              <a:t>09.01.2024</a:t>
+              <a:t>22.01.2024</a:t>
             </a:fld>
             <a:endParaRPr lang="en-CH"/>
           </a:p>
@@ -3277,7 +3277,7 @@
           <a:p>
             <a:fld id="{06AF9681-571F-4E46-8877-36E42BF4C4EB}" type="datetimeFigureOut">
               <a:rPr lang="en-CH" smtClean="0"/>
-              <a:t>09.01.2024</a:t>
+              <a:t>22.01.2024</a:t>
             </a:fld>
             <a:endParaRPr lang="en-CH"/>
           </a:p>
@@ -3566,7 +3566,7 @@
           <a:p>
             <a:fld id="{06AF9681-571F-4E46-8877-36E42BF4C4EB}" type="datetimeFigureOut">
               <a:rPr lang="en-CH" smtClean="0"/>
-              <a:t>09.01.2024</a:t>
+              <a:t>22.01.2024</a:t>
             </a:fld>
             <a:endParaRPr lang="en-CH"/>
           </a:p>
@@ -3809,7 +3809,7 @@
           <a:p>
             <a:fld id="{06AF9681-571F-4E46-8877-36E42BF4C4EB}" type="datetimeFigureOut">
               <a:rPr lang="en-CH" smtClean="0"/>
-              <a:t>09.01.2024</a:t>
+              <a:t>22.01.2024</a:t>
             </a:fld>
             <a:endParaRPr lang="en-CH"/>
           </a:p>
@@ -5487,6 +5487,1806 @@
     </p:bg>
     <p:spTree>
       <p:nvGrpSpPr>
+        <p:cNvPr id="1" name="Shape 669"/>
+        <p:cNvGrpSpPr/>
+        <p:nvPr/>
+      </p:nvGrpSpPr>
+      <p:grpSpPr>
+        <a:xfrm>
+          <a:off x="0" y="0"/>
+          <a:ext cx="0" cy="0"/>
+          <a:chOff x="0" y="0"/>
+          <a:chExt cx="0" cy="0"/>
+        </a:xfrm>
+      </p:grpSpPr>
+      <p:sp useBgFill="1">
+        <p:nvSpPr>
+          <p:cNvPr id="677" name="Rectangle 676">
+            <a:extLst>
+              <a:ext uri="{FF2B5EF4-FFF2-40B4-BE49-F238E27FC236}">
+                <a16:creationId xmlns:a16="http://schemas.microsoft.com/office/drawing/2014/main" id="{743AA782-23D1-4521-8CAD-47662984AA08}"/>
+              </a:ext>
+              <a:ext uri="{C183D7F6-B498-43B3-948B-1728B52AA6E4}">
+                <adec:decorative xmlns:adec="http://schemas.microsoft.com/office/drawing/2017/decorative" val="1"/>
+              </a:ext>
+            </a:extLst>
+          </p:cNvPr>
+          <p:cNvSpPr>
+            <a:spLocks noGrp="1" noRot="1" noChangeAspect="1" noMove="1" noResize="1" noEditPoints="1" noAdjustHandles="1" noChangeArrowheads="1" noChangeShapeType="1" noTextEdit="1"/>
+          </p:cNvSpPr>
+          <p:nvPr>
+            <p:extLst>
+              <p:ext uri="{386F3935-93C4-4BCD-93E2-E3B085C9AB24}">
+                <p16:designElem xmlns:p16="http://schemas.microsoft.com/office/powerpoint/2015/main" val="1"/>
+              </p:ext>
+            </p:extLst>
+          </p:nvPr>
+        </p:nvSpPr>
+        <p:spPr>
+          <a:xfrm>
+            <a:off x="0" y="0"/>
+            <a:ext cx="12192000" cy="6858000"/>
+          </a:xfrm>
+          <a:prstGeom prst="rect">
+            <a:avLst/>
+          </a:prstGeom>
+          <a:ln>
+            <a:noFill/>
+          </a:ln>
+        </p:spPr>
+        <p:style>
+          <a:lnRef idx="2">
+            <a:schemeClr val="accent1">
+              <a:shade val="50000"/>
+            </a:schemeClr>
+          </a:lnRef>
+          <a:fillRef idx="1">
+            <a:schemeClr val="accent1"/>
+          </a:fillRef>
+          <a:effectRef idx="0">
+            <a:schemeClr val="accent1"/>
+          </a:effectRef>
+          <a:fontRef idx="minor">
+            <a:schemeClr val="lt1"/>
+          </a:fontRef>
+        </p:style>
+        <p:txBody>
+          <a:bodyPr rtlCol="0" anchor="ctr"/>
+          <a:lstStyle/>
+          <a:p>
+            <a:pPr algn="ctr"/>
+            <a:endParaRPr lang="en-US"/>
+          </a:p>
+        </p:txBody>
+      </p:sp>
+      <p:sp>
+        <p:nvSpPr>
+          <p:cNvPr id="670" name="Google Shape;670;p108"/>
+          <p:cNvSpPr txBox="1">
+            <a:spLocks noGrp="1"/>
+          </p:cNvSpPr>
+          <p:nvPr>
+            <p:ph type="title"/>
+          </p:nvPr>
+        </p:nvSpPr>
+        <p:spPr>
+          <a:xfrm>
+            <a:off x="630936" y="640080"/>
+            <a:ext cx="4818888" cy="1481328"/>
+          </a:xfrm>
+          <a:prstGeom prst="rect">
+            <a:avLst/>
+          </a:prstGeom>
+        </p:spPr>
+        <p:txBody>
+          <a:bodyPr spcFirstLastPara="1" vert="horz" lIns="91440" tIns="45720" rIns="91440" bIns="45720" rtlCol="0" anchor="b" anchorCtr="0">
+            <a:normAutofit/>
+          </a:bodyPr>
+          <a:lstStyle/>
+          <a:p>
+            <a:pPr>
+              <a:buClr>
+                <a:schemeClr val="dk1"/>
+              </a:buClr>
+              <a:buSzPts val="2400"/>
+            </a:pPr>
+            <a:br>
+              <a:rPr lang="en-US" sz="2600" kern="1200">
+                <a:solidFill>
+                  <a:schemeClr val="tx1"/>
+                </a:solidFill>
+                <a:latin typeface="+mj-lt"/>
+                <a:ea typeface="+mj-ea"/>
+                <a:cs typeface="+mj-cs"/>
+              </a:rPr>
+            </a:br>
+            <a:r>
+              <a:rPr lang="en-US" sz="2600" kern="1200">
+                <a:solidFill>
+                  <a:schemeClr val="tx1"/>
+                </a:solidFill>
+                <a:latin typeface="+mj-lt"/>
+                <a:ea typeface="+mj-ea"/>
+                <a:cs typeface="+mj-cs"/>
+              </a:rPr>
+              <a:t>Multiple VPC peering connections</a:t>
+            </a:r>
+            <a:br>
+              <a:rPr lang="en-US" sz="2600" b="1" kern="1200">
+                <a:solidFill>
+                  <a:schemeClr val="tx1"/>
+                </a:solidFill>
+                <a:latin typeface="+mj-lt"/>
+                <a:ea typeface="+mj-ea"/>
+                <a:cs typeface="+mj-cs"/>
+              </a:rPr>
+            </a:br>
+            <a:endParaRPr lang="en-US" sz="2600" kern="1200">
+              <a:solidFill>
+                <a:schemeClr val="tx1"/>
+              </a:solidFill>
+              <a:latin typeface="+mj-lt"/>
+              <a:ea typeface="+mj-ea"/>
+              <a:cs typeface="+mj-cs"/>
+            </a:endParaRPr>
+          </a:p>
+        </p:txBody>
+      </p:sp>
+      <p:sp>
+        <p:nvSpPr>
+          <p:cNvPr id="679" name="sketch line">
+            <a:extLst>
+              <a:ext uri="{FF2B5EF4-FFF2-40B4-BE49-F238E27FC236}">
+                <a16:creationId xmlns:a16="http://schemas.microsoft.com/office/drawing/2014/main" id="{71877DBC-BB60-40F0-AC93-2ACDBAAE60CE}"/>
+              </a:ext>
+              <a:ext uri="{C183D7F6-B498-43B3-948B-1728B52AA6E4}">
+                <adec:decorative xmlns:adec="http://schemas.microsoft.com/office/drawing/2017/decorative" val="1"/>
+              </a:ext>
+            </a:extLst>
+          </p:cNvPr>
+          <p:cNvSpPr>
+            <a:spLocks noGrp="1" noRot="1" noChangeAspect="1" noMove="1" noResize="1" noEditPoints="1" noAdjustHandles="1" noChangeArrowheads="1" noChangeShapeType="1" noTextEdit="1"/>
+          </p:cNvSpPr>
+          <p:nvPr>
+            <p:extLst>
+              <p:ext uri="{386F3935-93C4-4BCD-93E2-E3B085C9AB24}">
+                <p16:designElem xmlns:p16="http://schemas.microsoft.com/office/powerpoint/2015/main" val="1"/>
+              </p:ext>
+            </p:extLst>
+          </p:nvPr>
+        </p:nvSpPr>
+        <p:spPr>
+          <a:xfrm>
+            <a:off x="643278" y="2372868"/>
+            <a:ext cx="3255095" cy="18288"/>
+          </a:xfrm>
+          <a:custGeom>
+            <a:avLst/>
+            <a:gdLst>
+              <a:gd name="connsiteX0" fmla="*/ 0 w 3255095"/>
+              <a:gd name="connsiteY0" fmla="*/ 0 h 18288"/>
+              <a:gd name="connsiteX1" fmla="*/ 618468 w 3255095"/>
+              <a:gd name="connsiteY1" fmla="*/ 0 h 18288"/>
+              <a:gd name="connsiteX2" fmla="*/ 1269487 w 3255095"/>
+              <a:gd name="connsiteY2" fmla="*/ 0 h 18288"/>
+              <a:gd name="connsiteX3" fmla="*/ 1953057 w 3255095"/>
+              <a:gd name="connsiteY3" fmla="*/ 0 h 18288"/>
+              <a:gd name="connsiteX4" fmla="*/ 2636627 w 3255095"/>
+              <a:gd name="connsiteY4" fmla="*/ 0 h 18288"/>
+              <a:gd name="connsiteX5" fmla="*/ 3255095 w 3255095"/>
+              <a:gd name="connsiteY5" fmla="*/ 0 h 18288"/>
+              <a:gd name="connsiteX6" fmla="*/ 3255095 w 3255095"/>
+              <a:gd name="connsiteY6" fmla="*/ 18288 h 18288"/>
+              <a:gd name="connsiteX7" fmla="*/ 2538974 w 3255095"/>
+              <a:gd name="connsiteY7" fmla="*/ 18288 h 18288"/>
+              <a:gd name="connsiteX8" fmla="*/ 1822853 w 3255095"/>
+              <a:gd name="connsiteY8" fmla="*/ 18288 h 18288"/>
+              <a:gd name="connsiteX9" fmla="*/ 1171834 w 3255095"/>
+              <a:gd name="connsiteY9" fmla="*/ 18288 h 18288"/>
+              <a:gd name="connsiteX10" fmla="*/ 0 w 3255095"/>
+              <a:gd name="connsiteY10" fmla="*/ 18288 h 18288"/>
+              <a:gd name="connsiteX11" fmla="*/ 0 w 3255095"/>
+              <a:gd name="connsiteY11" fmla="*/ 0 h 18288"/>
+            </a:gdLst>
+            <a:ahLst/>
+            <a:cxnLst>
+              <a:cxn ang="0">
+                <a:pos x="connsiteX0" y="connsiteY0"/>
+              </a:cxn>
+              <a:cxn ang="0">
+                <a:pos x="connsiteX1" y="connsiteY1"/>
+              </a:cxn>
+              <a:cxn ang="0">
+                <a:pos x="connsiteX2" y="connsiteY2"/>
+              </a:cxn>
+              <a:cxn ang="0">
+                <a:pos x="connsiteX3" y="connsiteY3"/>
+              </a:cxn>
+              <a:cxn ang="0">
+                <a:pos x="connsiteX4" y="connsiteY4"/>
+              </a:cxn>
+              <a:cxn ang="0">
+                <a:pos x="connsiteX5" y="connsiteY5"/>
+              </a:cxn>
+              <a:cxn ang="0">
+                <a:pos x="connsiteX6" y="connsiteY6"/>
+              </a:cxn>
+              <a:cxn ang="0">
+                <a:pos x="connsiteX7" y="connsiteY7"/>
+              </a:cxn>
+              <a:cxn ang="0">
+                <a:pos x="connsiteX8" y="connsiteY8"/>
+              </a:cxn>
+              <a:cxn ang="0">
+                <a:pos x="connsiteX9" y="connsiteY9"/>
+              </a:cxn>
+              <a:cxn ang="0">
+                <a:pos x="connsiteX10" y="connsiteY10"/>
+              </a:cxn>
+              <a:cxn ang="0">
+                <a:pos x="connsiteX11" y="connsiteY11"/>
+              </a:cxn>
+            </a:cxnLst>
+            <a:rect l="l" t="t" r="r" b="b"/>
+            <a:pathLst>
+              <a:path w="3255095" h="18288" fill="none" extrusionOk="0">
+                <a:moveTo>
+                  <a:pt x="0" y="0"/>
+                </a:moveTo>
+                <a:cubicBezTo>
+                  <a:pt x="240201" y="-22123"/>
+                  <a:pt x="462021" y="-19623"/>
+                  <a:pt x="618468" y="0"/>
+                </a:cubicBezTo>
+                <a:cubicBezTo>
+                  <a:pt x="774915" y="19623"/>
+                  <a:pt x="974734" y="2035"/>
+                  <a:pt x="1269487" y="0"/>
+                </a:cubicBezTo>
+                <a:cubicBezTo>
+                  <a:pt x="1564240" y="-2035"/>
+                  <a:pt x="1733579" y="10639"/>
+                  <a:pt x="1953057" y="0"/>
+                </a:cubicBezTo>
+                <a:cubicBezTo>
+                  <a:pt x="2172535" y="-10639"/>
+                  <a:pt x="2453962" y="14018"/>
+                  <a:pt x="2636627" y="0"/>
+                </a:cubicBezTo>
+                <a:cubicBezTo>
+                  <a:pt x="2819292" y="-14018"/>
+                  <a:pt x="3121375" y="5399"/>
+                  <a:pt x="3255095" y="0"/>
+                </a:cubicBezTo>
+                <a:cubicBezTo>
+                  <a:pt x="3254386" y="8157"/>
+                  <a:pt x="3254682" y="12125"/>
+                  <a:pt x="3255095" y="18288"/>
+                </a:cubicBezTo>
+                <a:cubicBezTo>
+                  <a:pt x="3088545" y="23203"/>
+                  <a:pt x="2687475" y="7419"/>
+                  <a:pt x="2538974" y="18288"/>
+                </a:cubicBezTo>
+                <a:cubicBezTo>
+                  <a:pt x="2390473" y="29157"/>
+                  <a:pt x="2137381" y="-8959"/>
+                  <a:pt x="1822853" y="18288"/>
+                </a:cubicBezTo>
+                <a:cubicBezTo>
+                  <a:pt x="1508325" y="45535"/>
+                  <a:pt x="1466437" y="20385"/>
+                  <a:pt x="1171834" y="18288"/>
+                </a:cubicBezTo>
+                <a:cubicBezTo>
+                  <a:pt x="877231" y="16191"/>
+                  <a:pt x="561097" y="37643"/>
+                  <a:pt x="0" y="18288"/>
+                </a:cubicBezTo>
+                <a:cubicBezTo>
+                  <a:pt x="-46" y="12483"/>
+                  <a:pt x="-203" y="6491"/>
+                  <a:pt x="0" y="0"/>
+                </a:cubicBezTo>
+                <a:close/>
+              </a:path>
+              <a:path w="3255095" h="18288" stroke="0" extrusionOk="0">
+                <a:moveTo>
+                  <a:pt x="0" y="0"/>
+                </a:moveTo>
+                <a:cubicBezTo>
+                  <a:pt x="291965" y="19429"/>
+                  <a:pt x="363155" y="8568"/>
+                  <a:pt x="618468" y="0"/>
+                </a:cubicBezTo>
+                <a:cubicBezTo>
+                  <a:pt x="873781" y="-8568"/>
+                  <a:pt x="904459" y="-19505"/>
+                  <a:pt x="1171834" y="0"/>
+                </a:cubicBezTo>
+                <a:cubicBezTo>
+                  <a:pt x="1439209" y="19505"/>
+                  <a:pt x="1744369" y="9790"/>
+                  <a:pt x="1887955" y="0"/>
+                </a:cubicBezTo>
+                <a:cubicBezTo>
+                  <a:pt x="2031541" y="-9790"/>
+                  <a:pt x="2346378" y="21240"/>
+                  <a:pt x="2506423" y="0"/>
+                </a:cubicBezTo>
+                <a:cubicBezTo>
+                  <a:pt x="2666468" y="-21240"/>
+                  <a:pt x="2990257" y="30414"/>
+                  <a:pt x="3255095" y="0"/>
+                </a:cubicBezTo>
+                <a:cubicBezTo>
+                  <a:pt x="3254831" y="4493"/>
+                  <a:pt x="3255479" y="9472"/>
+                  <a:pt x="3255095" y="18288"/>
+                </a:cubicBezTo>
+                <a:cubicBezTo>
+                  <a:pt x="3120743" y="16690"/>
+                  <a:pt x="2759628" y="42462"/>
+                  <a:pt x="2604076" y="18288"/>
+                </a:cubicBezTo>
+                <a:cubicBezTo>
+                  <a:pt x="2448524" y="-5886"/>
+                  <a:pt x="2184336" y="19599"/>
+                  <a:pt x="1887955" y="18288"/>
+                </a:cubicBezTo>
+                <a:cubicBezTo>
+                  <a:pt x="1591574" y="16977"/>
+                  <a:pt x="1548845" y="6870"/>
+                  <a:pt x="1334589" y="18288"/>
+                </a:cubicBezTo>
+                <a:cubicBezTo>
+                  <a:pt x="1120333" y="29706"/>
+                  <a:pt x="996014" y="9662"/>
+                  <a:pt x="683570" y="18288"/>
+                </a:cubicBezTo>
+                <a:cubicBezTo>
+                  <a:pt x="371126" y="26914"/>
+                  <a:pt x="198687" y="16167"/>
+                  <a:pt x="0" y="18288"/>
+                </a:cubicBezTo>
+                <a:cubicBezTo>
+                  <a:pt x="843" y="9577"/>
+                  <a:pt x="371" y="6900"/>
+                  <a:pt x="0" y="0"/>
+                </a:cubicBezTo>
+                <a:close/>
+              </a:path>
+            </a:pathLst>
+          </a:custGeom>
+          <a:solidFill>
+            <a:schemeClr val="accent2"/>
+          </a:solidFill>
+          <a:ln w="38100" cap="rnd">
+            <a:solidFill>
+              <a:schemeClr val="accent2"/>
+            </a:solidFill>
+            <a:round/>
+            <a:extLst>
+              <a:ext uri="{C807C97D-BFC1-408E-A445-0C87EB9F89A2}">
+                <ask:lineSketchStyleProps xmlns:ask="http://schemas.microsoft.com/office/drawing/2018/sketchyshapes" sd="1219033472">
+                  <a:prstGeom prst="rect">
+                    <a:avLst/>
+                  </a:prstGeom>
+                  <ask:type>
+                    <ask:lineSketchFreehand/>
+                  </ask:type>
+                </ask:lineSketchStyleProps>
+              </a:ext>
+            </a:extLst>
+          </a:ln>
+        </p:spPr>
+        <p:style>
+          <a:lnRef idx="2">
+            <a:schemeClr val="accent1">
+              <a:shade val="50000"/>
+            </a:schemeClr>
+          </a:lnRef>
+          <a:fillRef idx="1">
+            <a:schemeClr val="accent1"/>
+          </a:fillRef>
+          <a:effectRef idx="0">
+            <a:schemeClr val="accent1"/>
+          </a:effectRef>
+          <a:fontRef idx="minor">
+            <a:schemeClr val="lt1"/>
+          </a:fontRef>
+        </p:style>
+        <p:txBody>
+          <a:bodyPr rtlCol="0" anchor="ctr"/>
+          <a:lstStyle/>
+          <a:p>
+            <a:pPr algn="ctr"/>
+            <a:endParaRPr lang="en-US"/>
+          </a:p>
+        </p:txBody>
+      </p:sp>
+      <p:sp>
+        <p:nvSpPr>
+          <p:cNvPr id="671" name="Google Shape;671;p108"/>
+          <p:cNvSpPr txBox="1">
+            <a:spLocks noGrp="1"/>
+          </p:cNvSpPr>
+          <p:nvPr>
+            <p:ph sz="half" idx="1"/>
+          </p:nvPr>
+        </p:nvSpPr>
+        <p:spPr>
+          <a:xfrm>
+            <a:off x="630936" y="2660904"/>
+            <a:ext cx="4818888" cy="3547872"/>
+          </a:xfrm>
+          <a:prstGeom prst="rect">
+            <a:avLst/>
+          </a:prstGeom>
+        </p:spPr>
+        <p:txBody>
+          <a:bodyPr spcFirstLastPara="1" vert="horz" lIns="91440" tIns="45720" rIns="91440" bIns="45720" rtlCol="0" anchor="t" anchorCtr="0">
+            <a:normAutofit/>
+          </a:bodyPr>
+          <a:lstStyle/>
+          <a:p>
+            <a:pPr marL="0">
+              <a:spcBef>
+                <a:spcPts val="533"/>
+              </a:spcBef>
+              <a:spcAft>
+                <a:spcPts val="533"/>
+              </a:spcAft>
+              <a:buClr>
+                <a:schemeClr val="dk1"/>
+              </a:buClr>
+              <a:buSzPts val="1100"/>
+            </a:pPr>
+            <a:r>
+              <a:rPr lang="en-US" sz="1000" b="1" dirty="0">
+                <a:highlight>
+                  <a:srgbClr val="FFFF00"/>
+                </a:highlight>
+                <a:sym typeface="Arial"/>
+              </a:rPr>
+              <a:t>A VPC peering connection is a one-to-one relationship between two VPCs. </a:t>
+            </a:r>
+          </a:p>
+          <a:p>
+            <a:pPr marL="0">
+              <a:spcBef>
+                <a:spcPts val="533"/>
+              </a:spcBef>
+              <a:spcAft>
+                <a:spcPts val="533"/>
+              </a:spcAft>
+              <a:buClr>
+                <a:schemeClr val="dk1"/>
+              </a:buClr>
+              <a:buSzPts val="1100"/>
+            </a:pPr>
+            <a:r>
+              <a:rPr lang="en-US" sz="1000" dirty="0">
+                <a:sym typeface="Arial"/>
+              </a:rPr>
+              <a:t>You can create multiple VPC peering connections for each VPC that you own, but transitive peering relationships are not supported. </a:t>
+            </a:r>
+          </a:p>
+          <a:p>
+            <a:pPr marL="0">
+              <a:spcBef>
+                <a:spcPts val="533"/>
+              </a:spcBef>
+              <a:spcAft>
+                <a:spcPts val="533"/>
+              </a:spcAft>
+              <a:buClr>
+                <a:schemeClr val="dk1"/>
+              </a:buClr>
+              <a:buSzPts val="1100"/>
+            </a:pPr>
+            <a:r>
+              <a:rPr lang="en-US" sz="1000" b="1" dirty="0">
+                <a:sym typeface="Arial"/>
+              </a:rPr>
+              <a:t>You do not have any peering relationship with VPCs that your VPC is not directly peered with.</a:t>
+            </a:r>
+          </a:p>
+          <a:p>
+            <a:pPr marL="0">
+              <a:spcBef>
+                <a:spcPts val="533"/>
+              </a:spcBef>
+              <a:spcAft>
+                <a:spcPts val="533"/>
+              </a:spcAft>
+              <a:buClr>
+                <a:schemeClr val="dk1"/>
+              </a:buClr>
+              <a:buSzPts val="1100"/>
+            </a:pPr>
+            <a:r>
+              <a:rPr lang="en-US" sz="1000" dirty="0">
+                <a:sym typeface="Arial"/>
+              </a:rPr>
+              <a:t>The following diagram is an example of one VPC peered to two different VPCs. </a:t>
+            </a:r>
+          </a:p>
+          <a:p>
+            <a:pPr marL="0">
+              <a:spcBef>
+                <a:spcPts val="533"/>
+              </a:spcBef>
+              <a:spcAft>
+                <a:spcPts val="533"/>
+              </a:spcAft>
+              <a:buClr>
+                <a:schemeClr val="dk1"/>
+              </a:buClr>
+              <a:buSzPts val="1100"/>
+            </a:pPr>
+            <a:r>
+              <a:rPr lang="en-US" sz="1000" dirty="0">
+                <a:sym typeface="Arial"/>
+              </a:rPr>
+              <a:t>There are two VPC peering connections: VPC A is peered with both VPC B and VPC C. </a:t>
+            </a:r>
+          </a:p>
+          <a:p>
+            <a:pPr marL="0">
+              <a:spcBef>
+                <a:spcPts val="533"/>
+              </a:spcBef>
+              <a:spcAft>
+                <a:spcPts val="533"/>
+              </a:spcAft>
+              <a:buClr>
+                <a:schemeClr val="dk1"/>
+              </a:buClr>
+              <a:buSzPts val="1100"/>
+            </a:pPr>
+            <a:r>
+              <a:rPr lang="en-US" sz="1000" dirty="0">
+                <a:sym typeface="Arial"/>
+              </a:rPr>
+              <a:t>VPC B and VPC C are not peered, and you cannot use VPC A as a transit point for peering between VPC B and VPC C. </a:t>
+            </a:r>
+          </a:p>
+          <a:p>
+            <a:pPr marL="0">
+              <a:spcBef>
+                <a:spcPts val="533"/>
+              </a:spcBef>
+              <a:spcAft>
+                <a:spcPts val="533"/>
+              </a:spcAft>
+              <a:buClr>
+                <a:schemeClr val="dk1"/>
+              </a:buClr>
+              <a:buSzPts val="1100"/>
+            </a:pPr>
+            <a:r>
+              <a:rPr lang="en-US" sz="1000" dirty="0">
+                <a:sym typeface="Arial"/>
+              </a:rPr>
+              <a:t>If you want to enable routing of traffic between VPC B and VPC C, you must create a unique VPC peering connection between them.</a:t>
+            </a:r>
+          </a:p>
+          <a:p>
+            <a:pPr algn="l"/>
+            <a:r>
+              <a:rPr lang="en-GB" sz="1000" b="1" i="0" dirty="0">
+                <a:effectLst/>
+              </a:rPr>
+              <a:t>Cannot Create VPC Peering with VPCs in Your AWS Account Managed by Different Organizations</a:t>
+            </a:r>
+            <a:r>
+              <a:rPr lang="en-GB" sz="1000" b="0" i="0" dirty="0">
+                <a:effectLst/>
+              </a:rPr>
+              <a:t>:</a:t>
+            </a:r>
+          </a:p>
+          <a:p>
+            <a:pPr lvl="1"/>
+            <a:r>
+              <a:rPr lang="en-GB" sz="1000" b="0" i="0" dirty="0">
+                <a:effectLst/>
+              </a:rPr>
+              <a:t>VPC peering between VPCs in different AWS accounts is possible, but if the accounts are managed by different AWS Organizations, certain restrictions </a:t>
+            </a:r>
+            <a:r>
+              <a:rPr lang="en-GB" sz="1000" b="0" i="0">
+                <a:effectLst/>
+              </a:rPr>
+              <a:t>apply.</a:t>
+            </a:r>
+            <a:endParaRPr lang="en-GB" sz="1000" b="0" i="0" dirty="0">
+              <a:effectLst/>
+            </a:endParaRPr>
+          </a:p>
+        </p:txBody>
+      </p:sp>
+      <p:pic>
+        <p:nvPicPr>
+          <p:cNvPr id="672" name="Google Shape;672;p108"/>
+          <p:cNvPicPr preferRelativeResize="0">
+            <a:picLocks noGrp="1"/>
+          </p:cNvPicPr>
+          <p:nvPr>
+            <p:ph sz="half" idx="2"/>
+          </p:nvPr>
+        </p:nvPicPr>
+        <p:blipFill rotWithShape="1">
+          <a:blip r:embed="rId3"/>
+          <a:stretch/>
+        </p:blipFill>
+        <p:spPr>
+          <a:xfrm>
+            <a:off x="6099048" y="2446386"/>
+            <a:ext cx="5458968" cy="1965228"/>
+          </a:xfrm>
+          <a:prstGeom prst="rect">
+            <a:avLst/>
+          </a:prstGeom>
+          <a:noFill/>
+        </p:spPr>
+      </p:pic>
+    </p:spTree>
+  </p:cSld>
+  <p:clrMapOvr>
+    <a:masterClrMapping/>
+  </p:clrMapOvr>
+</p:sld>
+</file>
+
+<file path=ppt/slides/slide4.xml><?xml version="1.0" encoding="utf-8"?>
+<p:sld xmlns:a="http://schemas.openxmlformats.org/drawingml/2006/main" xmlns:r="http://schemas.openxmlformats.org/officeDocument/2006/relationships" xmlns:p="http://schemas.openxmlformats.org/presentationml/2006/main">
+  <p:cSld>
+    <p:bg>
+      <p:bgPr>
+        <a:solidFill>
+          <a:schemeClr val="bg1"/>
+        </a:solidFill>
+        <a:effectLst/>
+      </p:bgPr>
+    </p:bg>
+    <p:spTree>
+      <p:nvGrpSpPr>
+        <p:cNvPr id="1" name="Shape 676"/>
+        <p:cNvGrpSpPr/>
+        <p:nvPr/>
+      </p:nvGrpSpPr>
+      <p:grpSpPr>
+        <a:xfrm>
+          <a:off x="0" y="0"/>
+          <a:ext cx="0" cy="0"/>
+          <a:chOff x="0" y="0"/>
+          <a:chExt cx="0" cy="0"/>
+        </a:xfrm>
+      </p:grpSpPr>
+      <p:sp useBgFill="1">
+        <p:nvSpPr>
+          <p:cNvPr id="684" name="Rectangle 683">
+            <a:extLst>
+              <a:ext uri="{FF2B5EF4-FFF2-40B4-BE49-F238E27FC236}">
+                <a16:creationId xmlns:a16="http://schemas.microsoft.com/office/drawing/2014/main" id="{743AA782-23D1-4521-8CAD-47662984AA08}"/>
+              </a:ext>
+              <a:ext uri="{C183D7F6-B498-43B3-948B-1728B52AA6E4}">
+                <adec:decorative xmlns:adec="http://schemas.microsoft.com/office/drawing/2017/decorative" val="1"/>
+              </a:ext>
+            </a:extLst>
+          </p:cNvPr>
+          <p:cNvSpPr>
+            <a:spLocks noGrp="1" noRot="1" noChangeAspect="1" noMove="1" noResize="1" noEditPoints="1" noAdjustHandles="1" noChangeArrowheads="1" noChangeShapeType="1" noTextEdit="1"/>
+          </p:cNvSpPr>
+          <p:nvPr>
+            <p:extLst>
+              <p:ext uri="{386F3935-93C4-4BCD-93E2-E3B085C9AB24}">
+                <p16:designElem xmlns:p16="http://schemas.microsoft.com/office/powerpoint/2015/main" val="1"/>
+              </p:ext>
+            </p:extLst>
+          </p:nvPr>
+        </p:nvSpPr>
+        <p:spPr>
+          <a:xfrm>
+            <a:off x="0" y="0"/>
+            <a:ext cx="12192000" cy="6858000"/>
+          </a:xfrm>
+          <a:prstGeom prst="rect">
+            <a:avLst/>
+          </a:prstGeom>
+          <a:ln>
+            <a:noFill/>
+          </a:ln>
+        </p:spPr>
+        <p:style>
+          <a:lnRef idx="2">
+            <a:schemeClr val="accent1">
+              <a:shade val="50000"/>
+            </a:schemeClr>
+          </a:lnRef>
+          <a:fillRef idx="1">
+            <a:schemeClr val="accent1"/>
+          </a:fillRef>
+          <a:effectRef idx="0">
+            <a:schemeClr val="accent1"/>
+          </a:effectRef>
+          <a:fontRef idx="minor">
+            <a:schemeClr val="lt1"/>
+          </a:fontRef>
+        </p:style>
+        <p:txBody>
+          <a:bodyPr rtlCol="0" anchor="ctr"/>
+          <a:lstStyle/>
+          <a:p>
+            <a:pPr algn="ctr"/>
+            <a:endParaRPr lang="en-US"/>
+          </a:p>
+        </p:txBody>
+      </p:sp>
+      <p:sp>
+        <p:nvSpPr>
+          <p:cNvPr id="677" name="Google Shape;677;p109"/>
+          <p:cNvSpPr txBox="1">
+            <a:spLocks noGrp="1"/>
+          </p:cNvSpPr>
+          <p:nvPr>
+            <p:ph type="title"/>
+          </p:nvPr>
+        </p:nvSpPr>
+        <p:spPr>
+          <a:xfrm>
+            <a:off x="630936" y="640080"/>
+            <a:ext cx="4818888" cy="1481328"/>
+          </a:xfrm>
+          <a:prstGeom prst="rect">
+            <a:avLst/>
+          </a:prstGeom>
+        </p:spPr>
+        <p:txBody>
+          <a:bodyPr spcFirstLastPara="1" vert="horz" lIns="91440" tIns="45720" rIns="91440" bIns="45720" rtlCol="0" anchor="b" anchorCtr="0">
+            <a:normAutofit fontScale="90000"/>
+          </a:bodyPr>
+          <a:lstStyle/>
+          <a:p>
+            <a:pPr>
+              <a:buClr>
+                <a:schemeClr val="dk1"/>
+              </a:buClr>
+              <a:buSzPts val="2400"/>
+            </a:pPr>
+            <a:r>
+              <a:rPr lang="en-US" sz="4600" kern="1200" dirty="0">
+                <a:solidFill>
+                  <a:schemeClr val="tx1"/>
+                </a:solidFill>
+                <a:latin typeface="+mj-lt"/>
+                <a:ea typeface="+mj-ea"/>
+                <a:cs typeface="+mj-cs"/>
+              </a:rPr>
+              <a:t>VPC peering connection lifecycle 1</a:t>
+            </a:r>
+          </a:p>
+        </p:txBody>
+      </p:sp>
+      <p:sp>
+        <p:nvSpPr>
+          <p:cNvPr id="686" name="sketch line">
+            <a:extLst>
+              <a:ext uri="{FF2B5EF4-FFF2-40B4-BE49-F238E27FC236}">
+                <a16:creationId xmlns:a16="http://schemas.microsoft.com/office/drawing/2014/main" id="{71877DBC-BB60-40F0-AC93-2ACDBAAE60CE}"/>
+              </a:ext>
+              <a:ext uri="{C183D7F6-B498-43B3-948B-1728B52AA6E4}">
+                <adec:decorative xmlns:adec="http://schemas.microsoft.com/office/drawing/2017/decorative" val="1"/>
+              </a:ext>
+            </a:extLst>
+          </p:cNvPr>
+          <p:cNvSpPr>
+            <a:spLocks noGrp="1" noRot="1" noChangeAspect="1" noMove="1" noResize="1" noEditPoints="1" noAdjustHandles="1" noChangeArrowheads="1" noChangeShapeType="1" noTextEdit="1"/>
+          </p:cNvSpPr>
+          <p:nvPr>
+            <p:extLst>
+              <p:ext uri="{386F3935-93C4-4BCD-93E2-E3B085C9AB24}">
+                <p16:designElem xmlns:p16="http://schemas.microsoft.com/office/powerpoint/2015/main" val="1"/>
+              </p:ext>
+            </p:extLst>
+          </p:nvPr>
+        </p:nvSpPr>
+        <p:spPr>
+          <a:xfrm>
+            <a:off x="643278" y="2372868"/>
+            <a:ext cx="3255095" cy="18288"/>
+          </a:xfrm>
+          <a:custGeom>
+            <a:avLst/>
+            <a:gdLst>
+              <a:gd name="connsiteX0" fmla="*/ 0 w 3255095"/>
+              <a:gd name="connsiteY0" fmla="*/ 0 h 18288"/>
+              <a:gd name="connsiteX1" fmla="*/ 618468 w 3255095"/>
+              <a:gd name="connsiteY1" fmla="*/ 0 h 18288"/>
+              <a:gd name="connsiteX2" fmla="*/ 1269487 w 3255095"/>
+              <a:gd name="connsiteY2" fmla="*/ 0 h 18288"/>
+              <a:gd name="connsiteX3" fmla="*/ 1953057 w 3255095"/>
+              <a:gd name="connsiteY3" fmla="*/ 0 h 18288"/>
+              <a:gd name="connsiteX4" fmla="*/ 2636627 w 3255095"/>
+              <a:gd name="connsiteY4" fmla="*/ 0 h 18288"/>
+              <a:gd name="connsiteX5" fmla="*/ 3255095 w 3255095"/>
+              <a:gd name="connsiteY5" fmla="*/ 0 h 18288"/>
+              <a:gd name="connsiteX6" fmla="*/ 3255095 w 3255095"/>
+              <a:gd name="connsiteY6" fmla="*/ 18288 h 18288"/>
+              <a:gd name="connsiteX7" fmla="*/ 2538974 w 3255095"/>
+              <a:gd name="connsiteY7" fmla="*/ 18288 h 18288"/>
+              <a:gd name="connsiteX8" fmla="*/ 1822853 w 3255095"/>
+              <a:gd name="connsiteY8" fmla="*/ 18288 h 18288"/>
+              <a:gd name="connsiteX9" fmla="*/ 1171834 w 3255095"/>
+              <a:gd name="connsiteY9" fmla="*/ 18288 h 18288"/>
+              <a:gd name="connsiteX10" fmla="*/ 0 w 3255095"/>
+              <a:gd name="connsiteY10" fmla="*/ 18288 h 18288"/>
+              <a:gd name="connsiteX11" fmla="*/ 0 w 3255095"/>
+              <a:gd name="connsiteY11" fmla="*/ 0 h 18288"/>
+            </a:gdLst>
+            <a:ahLst/>
+            <a:cxnLst>
+              <a:cxn ang="0">
+                <a:pos x="connsiteX0" y="connsiteY0"/>
+              </a:cxn>
+              <a:cxn ang="0">
+                <a:pos x="connsiteX1" y="connsiteY1"/>
+              </a:cxn>
+              <a:cxn ang="0">
+                <a:pos x="connsiteX2" y="connsiteY2"/>
+              </a:cxn>
+              <a:cxn ang="0">
+                <a:pos x="connsiteX3" y="connsiteY3"/>
+              </a:cxn>
+              <a:cxn ang="0">
+                <a:pos x="connsiteX4" y="connsiteY4"/>
+              </a:cxn>
+              <a:cxn ang="0">
+                <a:pos x="connsiteX5" y="connsiteY5"/>
+              </a:cxn>
+              <a:cxn ang="0">
+                <a:pos x="connsiteX6" y="connsiteY6"/>
+              </a:cxn>
+              <a:cxn ang="0">
+                <a:pos x="connsiteX7" y="connsiteY7"/>
+              </a:cxn>
+              <a:cxn ang="0">
+                <a:pos x="connsiteX8" y="connsiteY8"/>
+              </a:cxn>
+              <a:cxn ang="0">
+                <a:pos x="connsiteX9" y="connsiteY9"/>
+              </a:cxn>
+              <a:cxn ang="0">
+                <a:pos x="connsiteX10" y="connsiteY10"/>
+              </a:cxn>
+              <a:cxn ang="0">
+                <a:pos x="connsiteX11" y="connsiteY11"/>
+              </a:cxn>
+            </a:cxnLst>
+            <a:rect l="l" t="t" r="r" b="b"/>
+            <a:pathLst>
+              <a:path w="3255095" h="18288" fill="none" extrusionOk="0">
+                <a:moveTo>
+                  <a:pt x="0" y="0"/>
+                </a:moveTo>
+                <a:cubicBezTo>
+                  <a:pt x="240201" y="-22123"/>
+                  <a:pt x="462021" y="-19623"/>
+                  <a:pt x="618468" y="0"/>
+                </a:cubicBezTo>
+                <a:cubicBezTo>
+                  <a:pt x="774915" y="19623"/>
+                  <a:pt x="974734" y="2035"/>
+                  <a:pt x="1269487" y="0"/>
+                </a:cubicBezTo>
+                <a:cubicBezTo>
+                  <a:pt x="1564240" y="-2035"/>
+                  <a:pt x="1733579" y="10639"/>
+                  <a:pt x="1953057" y="0"/>
+                </a:cubicBezTo>
+                <a:cubicBezTo>
+                  <a:pt x="2172535" y="-10639"/>
+                  <a:pt x="2453962" y="14018"/>
+                  <a:pt x="2636627" y="0"/>
+                </a:cubicBezTo>
+                <a:cubicBezTo>
+                  <a:pt x="2819292" y="-14018"/>
+                  <a:pt x="3121375" y="5399"/>
+                  <a:pt x="3255095" y="0"/>
+                </a:cubicBezTo>
+                <a:cubicBezTo>
+                  <a:pt x="3254386" y="8157"/>
+                  <a:pt x="3254682" y="12125"/>
+                  <a:pt x="3255095" y="18288"/>
+                </a:cubicBezTo>
+                <a:cubicBezTo>
+                  <a:pt x="3088545" y="23203"/>
+                  <a:pt x="2687475" y="7419"/>
+                  <a:pt x="2538974" y="18288"/>
+                </a:cubicBezTo>
+                <a:cubicBezTo>
+                  <a:pt x="2390473" y="29157"/>
+                  <a:pt x="2137381" y="-8959"/>
+                  <a:pt x="1822853" y="18288"/>
+                </a:cubicBezTo>
+                <a:cubicBezTo>
+                  <a:pt x="1508325" y="45535"/>
+                  <a:pt x="1466437" y="20385"/>
+                  <a:pt x="1171834" y="18288"/>
+                </a:cubicBezTo>
+                <a:cubicBezTo>
+                  <a:pt x="877231" y="16191"/>
+                  <a:pt x="561097" y="37643"/>
+                  <a:pt x="0" y="18288"/>
+                </a:cubicBezTo>
+                <a:cubicBezTo>
+                  <a:pt x="-46" y="12483"/>
+                  <a:pt x="-203" y="6491"/>
+                  <a:pt x="0" y="0"/>
+                </a:cubicBezTo>
+                <a:close/>
+              </a:path>
+              <a:path w="3255095" h="18288" stroke="0" extrusionOk="0">
+                <a:moveTo>
+                  <a:pt x="0" y="0"/>
+                </a:moveTo>
+                <a:cubicBezTo>
+                  <a:pt x="291965" y="19429"/>
+                  <a:pt x="363155" y="8568"/>
+                  <a:pt x="618468" y="0"/>
+                </a:cubicBezTo>
+                <a:cubicBezTo>
+                  <a:pt x="873781" y="-8568"/>
+                  <a:pt x="904459" y="-19505"/>
+                  <a:pt x="1171834" y="0"/>
+                </a:cubicBezTo>
+                <a:cubicBezTo>
+                  <a:pt x="1439209" y="19505"/>
+                  <a:pt x="1744369" y="9790"/>
+                  <a:pt x="1887955" y="0"/>
+                </a:cubicBezTo>
+                <a:cubicBezTo>
+                  <a:pt x="2031541" y="-9790"/>
+                  <a:pt x="2346378" y="21240"/>
+                  <a:pt x="2506423" y="0"/>
+                </a:cubicBezTo>
+                <a:cubicBezTo>
+                  <a:pt x="2666468" y="-21240"/>
+                  <a:pt x="2990257" y="30414"/>
+                  <a:pt x="3255095" y="0"/>
+                </a:cubicBezTo>
+                <a:cubicBezTo>
+                  <a:pt x="3254831" y="4493"/>
+                  <a:pt x="3255479" y="9472"/>
+                  <a:pt x="3255095" y="18288"/>
+                </a:cubicBezTo>
+                <a:cubicBezTo>
+                  <a:pt x="3120743" y="16690"/>
+                  <a:pt x="2759628" y="42462"/>
+                  <a:pt x="2604076" y="18288"/>
+                </a:cubicBezTo>
+                <a:cubicBezTo>
+                  <a:pt x="2448524" y="-5886"/>
+                  <a:pt x="2184336" y="19599"/>
+                  <a:pt x="1887955" y="18288"/>
+                </a:cubicBezTo>
+                <a:cubicBezTo>
+                  <a:pt x="1591574" y="16977"/>
+                  <a:pt x="1548845" y="6870"/>
+                  <a:pt x="1334589" y="18288"/>
+                </a:cubicBezTo>
+                <a:cubicBezTo>
+                  <a:pt x="1120333" y="29706"/>
+                  <a:pt x="996014" y="9662"/>
+                  <a:pt x="683570" y="18288"/>
+                </a:cubicBezTo>
+                <a:cubicBezTo>
+                  <a:pt x="371126" y="26914"/>
+                  <a:pt x="198687" y="16167"/>
+                  <a:pt x="0" y="18288"/>
+                </a:cubicBezTo>
+                <a:cubicBezTo>
+                  <a:pt x="843" y="9577"/>
+                  <a:pt x="371" y="6900"/>
+                  <a:pt x="0" y="0"/>
+                </a:cubicBezTo>
+                <a:close/>
+              </a:path>
+            </a:pathLst>
+          </a:custGeom>
+          <a:solidFill>
+            <a:schemeClr val="accent2"/>
+          </a:solidFill>
+          <a:ln w="38100" cap="rnd">
+            <a:solidFill>
+              <a:schemeClr val="accent2"/>
+            </a:solidFill>
+            <a:round/>
+            <a:extLst>
+              <a:ext uri="{C807C97D-BFC1-408E-A445-0C87EB9F89A2}">
+                <ask:lineSketchStyleProps xmlns:ask="http://schemas.microsoft.com/office/drawing/2018/sketchyshapes" sd="1219033472">
+                  <a:prstGeom prst="rect">
+                    <a:avLst/>
+                  </a:prstGeom>
+                  <ask:type>
+                    <ask:lineSketchFreehand/>
+                  </ask:type>
+                </ask:lineSketchStyleProps>
+              </a:ext>
+            </a:extLst>
+          </a:ln>
+        </p:spPr>
+        <p:style>
+          <a:lnRef idx="2">
+            <a:schemeClr val="accent1">
+              <a:shade val="50000"/>
+            </a:schemeClr>
+          </a:lnRef>
+          <a:fillRef idx="1">
+            <a:schemeClr val="accent1"/>
+          </a:fillRef>
+          <a:effectRef idx="0">
+            <a:schemeClr val="accent1"/>
+          </a:effectRef>
+          <a:fontRef idx="minor">
+            <a:schemeClr val="lt1"/>
+          </a:fontRef>
+        </p:style>
+        <p:txBody>
+          <a:bodyPr rtlCol="0" anchor="ctr"/>
+          <a:lstStyle/>
+          <a:p>
+            <a:pPr algn="ctr"/>
+            <a:endParaRPr lang="en-US"/>
+          </a:p>
+        </p:txBody>
+      </p:sp>
+      <p:sp>
+        <p:nvSpPr>
+          <p:cNvPr id="678" name="Google Shape;678;p109"/>
+          <p:cNvSpPr txBox="1">
+            <a:spLocks noGrp="1"/>
+          </p:cNvSpPr>
+          <p:nvPr>
+            <p:ph sz="half" idx="1"/>
+          </p:nvPr>
+        </p:nvSpPr>
+        <p:spPr>
+          <a:xfrm>
+            <a:off x="630936" y="2660904"/>
+            <a:ext cx="4818888" cy="3547872"/>
+          </a:xfrm>
+          <a:prstGeom prst="rect">
+            <a:avLst/>
+          </a:prstGeom>
+        </p:spPr>
+        <p:txBody>
+          <a:bodyPr spcFirstLastPara="1" vert="horz" lIns="91440" tIns="45720" rIns="91440" bIns="45720" rtlCol="0" anchor="t" anchorCtr="0">
+            <a:normAutofit/>
+          </a:bodyPr>
+          <a:lstStyle/>
+          <a:p>
+            <a:pPr marL="0">
+              <a:spcBef>
+                <a:spcPts val="0"/>
+              </a:spcBef>
+              <a:buClr>
+                <a:schemeClr val="dk1"/>
+              </a:buClr>
+              <a:buSzPts val="1100"/>
+            </a:pPr>
+            <a:r>
+              <a:rPr lang="en-US" sz="1000" b="1">
+                <a:sym typeface="Arial"/>
+              </a:rPr>
+              <a:t>Initiating-request:</a:t>
+            </a:r>
+            <a:r>
+              <a:rPr lang="en-US" sz="1000">
+                <a:sym typeface="Arial"/>
+              </a:rPr>
+              <a:t> A request for a VPC peering connection has been initiated. At this stage, the peering connection can fail, or can go to pending-acceptance.</a:t>
+            </a:r>
+          </a:p>
+          <a:p>
+            <a:pPr marL="0">
+              <a:spcBef>
+                <a:spcPts val="1067"/>
+              </a:spcBef>
+              <a:buClr>
+                <a:schemeClr val="dk1"/>
+              </a:buClr>
+              <a:buSzPts val="1100"/>
+            </a:pPr>
+            <a:r>
+              <a:rPr lang="en-US" sz="1000" b="1">
+                <a:sym typeface="Arial"/>
+              </a:rPr>
+              <a:t>Failed</a:t>
+            </a:r>
+            <a:r>
+              <a:rPr lang="en-US" sz="1000">
+                <a:sym typeface="Arial"/>
+              </a:rPr>
+              <a:t>: The request for the VPC peering connection has failed. While in this state, it cannot be accepted, rejected, or deleted. The failed VPC peering connection remains visible to the requester for 2 hours.</a:t>
+            </a:r>
+          </a:p>
+          <a:p>
+            <a:pPr marL="0">
+              <a:spcBef>
+                <a:spcPts val="1067"/>
+              </a:spcBef>
+              <a:buClr>
+                <a:schemeClr val="dk1"/>
+              </a:buClr>
+              <a:buSzPts val="1100"/>
+            </a:pPr>
+            <a:r>
+              <a:rPr lang="en-US" sz="1000" b="1">
+                <a:sym typeface="Arial"/>
+              </a:rPr>
+              <a:t>Pending-acceptance</a:t>
+            </a:r>
+            <a:r>
+              <a:rPr lang="en-US" sz="1000">
+                <a:sym typeface="Arial"/>
+              </a:rPr>
+              <a:t>: The VPC peering connection request is awaiting acceptance from the owner of the accepter VPC. During this state, the owner of the requester VPC can delete the request, and the owner of the accepter VPC can accept or reject the request. If no action is taken on the request, it expires after 7 days.</a:t>
+            </a:r>
+          </a:p>
+          <a:p>
+            <a:pPr marL="0">
+              <a:spcBef>
+                <a:spcPts val="1067"/>
+              </a:spcBef>
+              <a:buClr>
+                <a:schemeClr val="dk1"/>
+              </a:buClr>
+              <a:buSzPts val="1100"/>
+            </a:pPr>
+            <a:r>
+              <a:rPr lang="en-US" sz="1000" b="1">
+                <a:sym typeface="Arial"/>
+              </a:rPr>
+              <a:t>Expired</a:t>
+            </a:r>
+            <a:r>
+              <a:rPr lang="en-US" sz="1000">
+                <a:sym typeface="Arial"/>
+              </a:rPr>
+              <a:t>: The VPC peering connection request has expired, and no action can be taken on it by either VPC owner. The expired VPC peering connection remains visible to both VPC owners for 2 days.</a:t>
+            </a:r>
+          </a:p>
+          <a:p>
+            <a:pPr marL="0">
+              <a:spcBef>
+                <a:spcPts val="1067"/>
+              </a:spcBef>
+              <a:buClr>
+                <a:schemeClr val="dk1"/>
+              </a:buClr>
+              <a:buSzPts val="1100"/>
+            </a:pPr>
+            <a:r>
+              <a:rPr lang="en-US" sz="1000" b="1">
+                <a:sym typeface="Arial"/>
+              </a:rPr>
+              <a:t>Rejected:</a:t>
+            </a:r>
+            <a:r>
+              <a:rPr lang="en-US" sz="1000">
+                <a:sym typeface="Arial"/>
+              </a:rPr>
+              <a:t> The owner of the accepter VPC has rejected a pending-acceptance VPC peering connection request. While in this state, the request cannot be accepted. The rejected VPC peering connection remains visible to the owner of the requester VPC for 2 days, and visible to the owner of the accepter VPC for 2 hours. If the request was created within the same AWS account, the rejected request remains visible for 2 hours.</a:t>
+            </a:r>
+          </a:p>
+        </p:txBody>
+      </p:sp>
+      <p:pic>
+        <p:nvPicPr>
+          <p:cNvPr id="679" name="Google Shape;679;p109"/>
+          <p:cNvPicPr preferRelativeResize="0">
+            <a:picLocks noGrp="1"/>
+          </p:cNvPicPr>
+          <p:nvPr>
+            <p:ph sz="half" idx="2"/>
+          </p:nvPr>
+        </p:nvPicPr>
+        <p:blipFill rotWithShape="1">
+          <a:blip r:embed="rId3"/>
+          <a:stretch/>
+        </p:blipFill>
+        <p:spPr>
+          <a:xfrm>
+            <a:off x="6099048" y="2009669"/>
+            <a:ext cx="5458968" cy="2838663"/>
+          </a:xfrm>
+          <a:prstGeom prst="rect">
+            <a:avLst/>
+          </a:prstGeom>
+          <a:noFill/>
+        </p:spPr>
+      </p:pic>
+    </p:spTree>
+  </p:cSld>
+  <p:clrMapOvr>
+    <a:masterClrMapping/>
+  </p:clrMapOvr>
+</p:sld>
+</file>
+
+<file path=ppt/slides/slide5.xml><?xml version="1.0" encoding="utf-8"?>
+<p:sld xmlns:a="http://schemas.openxmlformats.org/drawingml/2006/main" xmlns:r="http://schemas.openxmlformats.org/officeDocument/2006/relationships" xmlns:p="http://schemas.openxmlformats.org/presentationml/2006/main">
+  <p:cSld>
+    <p:bg>
+      <p:bgPr>
+        <a:solidFill>
+          <a:schemeClr val="bg1"/>
+        </a:solidFill>
+        <a:effectLst/>
+      </p:bgPr>
+    </p:bg>
+    <p:spTree>
+      <p:nvGrpSpPr>
+        <p:cNvPr id="1" name="Shape 683"/>
+        <p:cNvGrpSpPr/>
+        <p:nvPr/>
+      </p:nvGrpSpPr>
+      <p:grpSpPr>
+        <a:xfrm>
+          <a:off x="0" y="0"/>
+          <a:ext cx="0" cy="0"/>
+          <a:chOff x="0" y="0"/>
+          <a:chExt cx="0" cy="0"/>
+        </a:xfrm>
+      </p:grpSpPr>
+      <p:sp useBgFill="1">
+        <p:nvSpPr>
+          <p:cNvPr id="691" name="Rectangle 690">
+            <a:extLst>
+              <a:ext uri="{FF2B5EF4-FFF2-40B4-BE49-F238E27FC236}">
+                <a16:creationId xmlns:a16="http://schemas.microsoft.com/office/drawing/2014/main" id="{743AA782-23D1-4521-8CAD-47662984AA08}"/>
+              </a:ext>
+              <a:ext uri="{C183D7F6-B498-43B3-948B-1728B52AA6E4}">
+                <adec:decorative xmlns:adec="http://schemas.microsoft.com/office/drawing/2017/decorative" val="1"/>
+              </a:ext>
+            </a:extLst>
+          </p:cNvPr>
+          <p:cNvSpPr>
+            <a:spLocks noGrp="1" noRot="1" noChangeAspect="1" noMove="1" noResize="1" noEditPoints="1" noAdjustHandles="1" noChangeArrowheads="1" noChangeShapeType="1" noTextEdit="1"/>
+          </p:cNvSpPr>
+          <p:nvPr>
+            <p:extLst>
+              <p:ext uri="{386F3935-93C4-4BCD-93E2-E3B085C9AB24}">
+                <p16:designElem xmlns:p16="http://schemas.microsoft.com/office/powerpoint/2015/main" val="1"/>
+              </p:ext>
+            </p:extLst>
+          </p:nvPr>
+        </p:nvSpPr>
+        <p:spPr>
+          <a:xfrm>
+            <a:off x="0" y="0"/>
+            <a:ext cx="12192000" cy="6858000"/>
+          </a:xfrm>
+          <a:prstGeom prst="rect">
+            <a:avLst/>
+          </a:prstGeom>
+          <a:ln>
+            <a:noFill/>
+          </a:ln>
+        </p:spPr>
+        <p:style>
+          <a:lnRef idx="2">
+            <a:schemeClr val="accent1">
+              <a:shade val="50000"/>
+            </a:schemeClr>
+          </a:lnRef>
+          <a:fillRef idx="1">
+            <a:schemeClr val="accent1"/>
+          </a:fillRef>
+          <a:effectRef idx="0">
+            <a:schemeClr val="accent1"/>
+          </a:effectRef>
+          <a:fontRef idx="minor">
+            <a:schemeClr val="lt1"/>
+          </a:fontRef>
+        </p:style>
+        <p:txBody>
+          <a:bodyPr rtlCol="0" anchor="ctr"/>
+          <a:lstStyle/>
+          <a:p>
+            <a:pPr algn="ctr"/>
+            <a:endParaRPr lang="en-US"/>
+          </a:p>
+        </p:txBody>
+      </p:sp>
+      <p:sp>
+        <p:nvSpPr>
+          <p:cNvPr id="684" name="Google Shape;684;p110"/>
+          <p:cNvSpPr txBox="1">
+            <a:spLocks noGrp="1"/>
+          </p:cNvSpPr>
+          <p:nvPr>
+            <p:ph type="title"/>
+          </p:nvPr>
+        </p:nvSpPr>
+        <p:spPr>
+          <a:xfrm>
+            <a:off x="630936" y="640080"/>
+            <a:ext cx="4818888" cy="1481328"/>
+          </a:xfrm>
+          <a:prstGeom prst="rect">
+            <a:avLst/>
+          </a:prstGeom>
+        </p:spPr>
+        <p:txBody>
+          <a:bodyPr spcFirstLastPara="1" vert="horz" lIns="91440" tIns="45720" rIns="91440" bIns="45720" rtlCol="0" anchor="b" anchorCtr="0">
+            <a:normAutofit fontScale="90000"/>
+          </a:bodyPr>
+          <a:lstStyle/>
+          <a:p>
+            <a:pPr>
+              <a:buClr>
+                <a:schemeClr val="dk1"/>
+              </a:buClr>
+              <a:buSzPts val="2400"/>
+            </a:pPr>
+            <a:r>
+              <a:rPr lang="en-US" sz="4600" kern="1200" dirty="0">
+                <a:solidFill>
+                  <a:schemeClr val="tx1"/>
+                </a:solidFill>
+                <a:latin typeface="+mj-lt"/>
+                <a:ea typeface="+mj-ea"/>
+                <a:cs typeface="+mj-cs"/>
+              </a:rPr>
+              <a:t>VPC peering connection lifecycle 2</a:t>
+            </a:r>
+          </a:p>
+        </p:txBody>
+      </p:sp>
+      <p:sp>
+        <p:nvSpPr>
+          <p:cNvPr id="693" name="sketch line">
+            <a:extLst>
+              <a:ext uri="{FF2B5EF4-FFF2-40B4-BE49-F238E27FC236}">
+                <a16:creationId xmlns:a16="http://schemas.microsoft.com/office/drawing/2014/main" id="{71877DBC-BB60-40F0-AC93-2ACDBAAE60CE}"/>
+              </a:ext>
+              <a:ext uri="{C183D7F6-B498-43B3-948B-1728B52AA6E4}">
+                <adec:decorative xmlns:adec="http://schemas.microsoft.com/office/drawing/2017/decorative" val="1"/>
+              </a:ext>
+            </a:extLst>
+          </p:cNvPr>
+          <p:cNvSpPr>
+            <a:spLocks noGrp="1" noRot="1" noChangeAspect="1" noMove="1" noResize="1" noEditPoints="1" noAdjustHandles="1" noChangeArrowheads="1" noChangeShapeType="1" noTextEdit="1"/>
+          </p:cNvSpPr>
+          <p:nvPr>
+            <p:extLst>
+              <p:ext uri="{386F3935-93C4-4BCD-93E2-E3B085C9AB24}">
+                <p16:designElem xmlns:p16="http://schemas.microsoft.com/office/powerpoint/2015/main" val="1"/>
+              </p:ext>
+            </p:extLst>
+          </p:nvPr>
+        </p:nvSpPr>
+        <p:spPr>
+          <a:xfrm>
+            <a:off x="643278" y="2372868"/>
+            <a:ext cx="3255095" cy="18288"/>
+          </a:xfrm>
+          <a:custGeom>
+            <a:avLst/>
+            <a:gdLst>
+              <a:gd name="connsiteX0" fmla="*/ 0 w 3255095"/>
+              <a:gd name="connsiteY0" fmla="*/ 0 h 18288"/>
+              <a:gd name="connsiteX1" fmla="*/ 618468 w 3255095"/>
+              <a:gd name="connsiteY1" fmla="*/ 0 h 18288"/>
+              <a:gd name="connsiteX2" fmla="*/ 1269487 w 3255095"/>
+              <a:gd name="connsiteY2" fmla="*/ 0 h 18288"/>
+              <a:gd name="connsiteX3" fmla="*/ 1953057 w 3255095"/>
+              <a:gd name="connsiteY3" fmla="*/ 0 h 18288"/>
+              <a:gd name="connsiteX4" fmla="*/ 2636627 w 3255095"/>
+              <a:gd name="connsiteY4" fmla="*/ 0 h 18288"/>
+              <a:gd name="connsiteX5" fmla="*/ 3255095 w 3255095"/>
+              <a:gd name="connsiteY5" fmla="*/ 0 h 18288"/>
+              <a:gd name="connsiteX6" fmla="*/ 3255095 w 3255095"/>
+              <a:gd name="connsiteY6" fmla="*/ 18288 h 18288"/>
+              <a:gd name="connsiteX7" fmla="*/ 2538974 w 3255095"/>
+              <a:gd name="connsiteY7" fmla="*/ 18288 h 18288"/>
+              <a:gd name="connsiteX8" fmla="*/ 1822853 w 3255095"/>
+              <a:gd name="connsiteY8" fmla="*/ 18288 h 18288"/>
+              <a:gd name="connsiteX9" fmla="*/ 1171834 w 3255095"/>
+              <a:gd name="connsiteY9" fmla="*/ 18288 h 18288"/>
+              <a:gd name="connsiteX10" fmla="*/ 0 w 3255095"/>
+              <a:gd name="connsiteY10" fmla="*/ 18288 h 18288"/>
+              <a:gd name="connsiteX11" fmla="*/ 0 w 3255095"/>
+              <a:gd name="connsiteY11" fmla="*/ 0 h 18288"/>
+            </a:gdLst>
+            <a:ahLst/>
+            <a:cxnLst>
+              <a:cxn ang="0">
+                <a:pos x="connsiteX0" y="connsiteY0"/>
+              </a:cxn>
+              <a:cxn ang="0">
+                <a:pos x="connsiteX1" y="connsiteY1"/>
+              </a:cxn>
+              <a:cxn ang="0">
+                <a:pos x="connsiteX2" y="connsiteY2"/>
+              </a:cxn>
+              <a:cxn ang="0">
+                <a:pos x="connsiteX3" y="connsiteY3"/>
+              </a:cxn>
+              <a:cxn ang="0">
+                <a:pos x="connsiteX4" y="connsiteY4"/>
+              </a:cxn>
+              <a:cxn ang="0">
+                <a:pos x="connsiteX5" y="connsiteY5"/>
+              </a:cxn>
+              <a:cxn ang="0">
+                <a:pos x="connsiteX6" y="connsiteY6"/>
+              </a:cxn>
+              <a:cxn ang="0">
+                <a:pos x="connsiteX7" y="connsiteY7"/>
+              </a:cxn>
+              <a:cxn ang="0">
+                <a:pos x="connsiteX8" y="connsiteY8"/>
+              </a:cxn>
+              <a:cxn ang="0">
+                <a:pos x="connsiteX9" y="connsiteY9"/>
+              </a:cxn>
+              <a:cxn ang="0">
+                <a:pos x="connsiteX10" y="connsiteY10"/>
+              </a:cxn>
+              <a:cxn ang="0">
+                <a:pos x="connsiteX11" y="connsiteY11"/>
+              </a:cxn>
+            </a:cxnLst>
+            <a:rect l="l" t="t" r="r" b="b"/>
+            <a:pathLst>
+              <a:path w="3255095" h="18288" fill="none" extrusionOk="0">
+                <a:moveTo>
+                  <a:pt x="0" y="0"/>
+                </a:moveTo>
+                <a:cubicBezTo>
+                  <a:pt x="240201" y="-22123"/>
+                  <a:pt x="462021" y="-19623"/>
+                  <a:pt x="618468" y="0"/>
+                </a:cubicBezTo>
+                <a:cubicBezTo>
+                  <a:pt x="774915" y="19623"/>
+                  <a:pt x="974734" y="2035"/>
+                  <a:pt x="1269487" y="0"/>
+                </a:cubicBezTo>
+                <a:cubicBezTo>
+                  <a:pt x="1564240" y="-2035"/>
+                  <a:pt x="1733579" y="10639"/>
+                  <a:pt x="1953057" y="0"/>
+                </a:cubicBezTo>
+                <a:cubicBezTo>
+                  <a:pt x="2172535" y="-10639"/>
+                  <a:pt x="2453962" y="14018"/>
+                  <a:pt x="2636627" y="0"/>
+                </a:cubicBezTo>
+                <a:cubicBezTo>
+                  <a:pt x="2819292" y="-14018"/>
+                  <a:pt x="3121375" y="5399"/>
+                  <a:pt x="3255095" y="0"/>
+                </a:cubicBezTo>
+                <a:cubicBezTo>
+                  <a:pt x="3254386" y="8157"/>
+                  <a:pt x="3254682" y="12125"/>
+                  <a:pt x="3255095" y="18288"/>
+                </a:cubicBezTo>
+                <a:cubicBezTo>
+                  <a:pt x="3088545" y="23203"/>
+                  <a:pt x="2687475" y="7419"/>
+                  <a:pt x="2538974" y="18288"/>
+                </a:cubicBezTo>
+                <a:cubicBezTo>
+                  <a:pt x="2390473" y="29157"/>
+                  <a:pt x="2137381" y="-8959"/>
+                  <a:pt x="1822853" y="18288"/>
+                </a:cubicBezTo>
+                <a:cubicBezTo>
+                  <a:pt x="1508325" y="45535"/>
+                  <a:pt x="1466437" y="20385"/>
+                  <a:pt x="1171834" y="18288"/>
+                </a:cubicBezTo>
+                <a:cubicBezTo>
+                  <a:pt x="877231" y="16191"/>
+                  <a:pt x="561097" y="37643"/>
+                  <a:pt x="0" y="18288"/>
+                </a:cubicBezTo>
+                <a:cubicBezTo>
+                  <a:pt x="-46" y="12483"/>
+                  <a:pt x="-203" y="6491"/>
+                  <a:pt x="0" y="0"/>
+                </a:cubicBezTo>
+                <a:close/>
+              </a:path>
+              <a:path w="3255095" h="18288" stroke="0" extrusionOk="0">
+                <a:moveTo>
+                  <a:pt x="0" y="0"/>
+                </a:moveTo>
+                <a:cubicBezTo>
+                  <a:pt x="291965" y="19429"/>
+                  <a:pt x="363155" y="8568"/>
+                  <a:pt x="618468" y="0"/>
+                </a:cubicBezTo>
+                <a:cubicBezTo>
+                  <a:pt x="873781" y="-8568"/>
+                  <a:pt x="904459" y="-19505"/>
+                  <a:pt x="1171834" y="0"/>
+                </a:cubicBezTo>
+                <a:cubicBezTo>
+                  <a:pt x="1439209" y="19505"/>
+                  <a:pt x="1744369" y="9790"/>
+                  <a:pt x="1887955" y="0"/>
+                </a:cubicBezTo>
+                <a:cubicBezTo>
+                  <a:pt x="2031541" y="-9790"/>
+                  <a:pt x="2346378" y="21240"/>
+                  <a:pt x="2506423" y="0"/>
+                </a:cubicBezTo>
+                <a:cubicBezTo>
+                  <a:pt x="2666468" y="-21240"/>
+                  <a:pt x="2990257" y="30414"/>
+                  <a:pt x="3255095" y="0"/>
+                </a:cubicBezTo>
+                <a:cubicBezTo>
+                  <a:pt x="3254831" y="4493"/>
+                  <a:pt x="3255479" y="9472"/>
+                  <a:pt x="3255095" y="18288"/>
+                </a:cubicBezTo>
+                <a:cubicBezTo>
+                  <a:pt x="3120743" y="16690"/>
+                  <a:pt x="2759628" y="42462"/>
+                  <a:pt x="2604076" y="18288"/>
+                </a:cubicBezTo>
+                <a:cubicBezTo>
+                  <a:pt x="2448524" y="-5886"/>
+                  <a:pt x="2184336" y="19599"/>
+                  <a:pt x="1887955" y="18288"/>
+                </a:cubicBezTo>
+                <a:cubicBezTo>
+                  <a:pt x="1591574" y="16977"/>
+                  <a:pt x="1548845" y="6870"/>
+                  <a:pt x="1334589" y="18288"/>
+                </a:cubicBezTo>
+                <a:cubicBezTo>
+                  <a:pt x="1120333" y="29706"/>
+                  <a:pt x="996014" y="9662"/>
+                  <a:pt x="683570" y="18288"/>
+                </a:cubicBezTo>
+                <a:cubicBezTo>
+                  <a:pt x="371126" y="26914"/>
+                  <a:pt x="198687" y="16167"/>
+                  <a:pt x="0" y="18288"/>
+                </a:cubicBezTo>
+                <a:cubicBezTo>
+                  <a:pt x="843" y="9577"/>
+                  <a:pt x="371" y="6900"/>
+                  <a:pt x="0" y="0"/>
+                </a:cubicBezTo>
+                <a:close/>
+              </a:path>
+            </a:pathLst>
+          </a:custGeom>
+          <a:solidFill>
+            <a:schemeClr val="accent2"/>
+          </a:solidFill>
+          <a:ln w="38100" cap="rnd">
+            <a:solidFill>
+              <a:schemeClr val="accent2"/>
+            </a:solidFill>
+            <a:round/>
+            <a:extLst>
+              <a:ext uri="{C807C97D-BFC1-408E-A445-0C87EB9F89A2}">
+                <ask:lineSketchStyleProps xmlns:ask="http://schemas.microsoft.com/office/drawing/2018/sketchyshapes" sd="1219033472">
+                  <a:prstGeom prst="rect">
+                    <a:avLst/>
+                  </a:prstGeom>
+                  <ask:type>
+                    <ask:lineSketchFreehand/>
+                  </ask:type>
+                </ask:lineSketchStyleProps>
+              </a:ext>
+            </a:extLst>
+          </a:ln>
+        </p:spPr>
+        <p:style>
+          <a:lnRef idx="2">
+            <a:schemeClr val="accent1">
+              <a:shade val="50000"/>
+            </a:schemeClr>
+          </a:lnRef>
+          <a:fillRef idx="1">
+            <a:schemeClr val="accent1"/>
+          </a:fillRef>
+          <a:effectRef idx="0">
+            <a:schemeClr val="accent1"/>
+          </a:effectRef>
+          <a:fontRef idx="minor">
+            <a:schemeClr val="lt1"/>
+          </a:fontRef>
+        </p:style>
+        <p:txBody>
+          <a:bodyPr rtlCol="0" anchor="ctr"/>
+          <a:lstStyle/>
+          <a:p>
+            <a:pPr algn="ctr"/>
+            <a:endParaRPr lang="en-US"/>
+          </a:p>
+        </p:txBody>
+      </p:sp>
+      <p:sp>
+        <p:nvSpPr>
+          <p:cNvPr id="685" name="Google Shape;685;p110"/>
+          <p:cNvSpPr txBox="1">
+            <a:spLocks noGrp="1"/>
+          </p:cNvSpPr>
+          <p:nvPr>
+            <p:ph sz="half" idx="1"/>
+          </p:nvPr>
+        </p:nvSpPr>
+        <p:spPr>
+          <a:xfrm>
+            <a:off x="630936" y="2660904"/>
+            <a:ext cx="4818888" cy="3547872"/>
+          </a:xfrm>
+          <a:prstGeom prst="rect">
+            <a:avLst/>
+          </a:prstGeom>
+        </p:spPr>
+        <p:txBody>
+          <a:bodyPr spcFirstLastPara="1" vert="horz" lIns="91440" tIns="45720" rIns="91440" bIns="45720" rtlCol="0" anchor="t" anchorCtr="0">
+            <a:normAutofit/>
+          </a:bodyPr>
+          <a:lstStyle/>
+          <a:p>
+            <a:pPr marL="0">
+              <a:spcBef>
+                <a:spcPts val="1067"/>
+              </a:spcBef>
+              <a:buClr>
+                <a:schemeClr val="dk1"/>
+              </a:buClr>
+              <a:buSzPts val="1100"/>
+            </a:pPr>
+            <a:r>
+              <a:rPr lang="en-US" sz="1000" b="1" u="sng">
+                <a:sym typeface="Arial"/>
+              </a:rPr>
+              <a:t>Provisioning</a:t>
+            </a:r>
+            <a:r>
+              <a:rPr lang="en-US" sz="1000">
+                <a:sym typeface="Arial"/>
+              </a:rPr>
+              <a:t>: The VPC peering connection request has been accepted and will soon be in the active state.</a:t>
+            </a:r>
+          </a:p>
+          <a:p>
+            <a:pPr marL="0">
+              <a:spcBef>
+                <a:spcPts val="1600"/>
+              </a:spcBef>
+              <a:buClr>
+                <a:schemeClr val="dk1"/>
+              </a:buClr>
+              <a:buSzPts val="1100"/>
+            </a:pPr>
+            <a:r>
+              <a:rPr lang="en-US" sz="1000" b="1" u="sng">
+                <a:sym typeface="Arial"/>
+              </a:rPr>
+              <a:t>Active</a:t>
+            </a:r>
+            <a:r>
+              <a:rPr lang="en-US" sz="1000">
+                <a:sym typeface="Arial"/>
+              </a:rPr>
+              <a:t>: The VPC peering connection is active, and traffic can flow between the VPCs (provided that your security groups and route tables allow the flow of traffic). While in this state, either of the VPC owners can delete the VPC peering connection but cannot reject it.</a:t>
+            </a:r>
+          </a:p>
+          <a:p>
+            <a:pPr marL="0">
+              <a:spcBef>
+                <a:spcPts val="1600"/>
+              </a:spcBef>
+              <a:buClr>
+                <a:schemeClr val="dk1"/>
+              </a:buClr>
+              <a:buSzPts val="1100"/>
+            </a:pPr>
+            <a:r>
+              <a:rPr lang="en-US" sz="1000" b="1" u="sng">
+                <a:sym typeface="Arial"/>
+              </a:rPr>
+              <a:t>Deleting</a:t>
+            </a:r>
+            <a:r>
+              <a:rPr lang="en-US" sz="1000">
+                <a:sym typeface="Arial"/>
+              </a:rPr>
+              <a:t>: Applies to an inter-Region VPC peering connection that is in the process of being deleted. The owner of either VPC has submitted a request to delete an active VPC peering connection, or the owner of the requester VPC has submitted a request to delete a pending-acceptance VPC peering connection request.</a:t>
+            </a:r>
+          </a:p>
+          <a:p>
+            <a:pPr marL="0">
+              <a:spcBef>
+                <a:spcPts val="1600"/>
+              </a:spcBef>
+              <a:spcAft>
+                <a:spcPts val="1600"/>
+              </a:spcAft>
+              <a:buClr>
+                <a:schemeClr val="dk1"/>
+              </a:buClr>
+              <a:buSzPts val="1100"/>
+            </a:pPr>
+            <a:r>
+              <a:rPr lang="en-US" sz="1000" b="1" u="sng">
+                <a:sym typeface="Arial"/>
+              </a:rPr>
+              <a:t>Deleted</a:t>
+            </a:r>
+            <a:r>
+              <a:rPr lang="en-US" sz="1000">
+                <a:sym typeface="Arial"/>
+              </a:rPr>
+              <a:t>: An active VPC peering connection has been deleted by either of the VPC owners, or a pending-acceptance VPC peering connection request has been deleted by the owner of the requester VPC. While in this state, the VPC peering connection cannot be accepted or rejected. The VPC peering connection remains visible to the party that deleted it for 2 hours, and visible to the other party for 2 days. If the VPC peering connection was created within the same AWS account, the deleted request remains visible for 2 hours.</a:t>
+            </a:r>
+          </a:p>
+        </p:txBody>
+      </p:sp>
+      <p:pic>
+        <p:nvPicPr>
+          <p:cNvPr id="686" name="Google Shape;686;p110"/>
+          <p:cNvPicPr preferRelativeResize="0">
+            <a:picLocks noGrp="1"/>
+          </p:cNvPicPr>
+          <p:nvPr>
+            <p:ph sz="half" idx="2"/>
+          </p:nvPr>
+        </p:nvPicPr>
+        <p:blipFill rotWithShape="1">
+          <a:blip r:embed="rId3"/>
+          <a:stretch/>
+        </p:blipFill>
+        <p:spPr>
+          <a:xfrm>
+            <a:off x="6099048" y="2009669"/>
+            <a:ext cx="5458968" cy="2838663"/>
+          </a:xfrm>
+          <a:prstGeom prst="rect">
+            <a:avLst/>
+          </a:prstGeom>
+          <a:noFill/>
+        </p:spPr>
+      </p:pic>
+    </p:spTree>
+  </p:cSld>
+  <p:clrMapOvr>
+    <a:masterClrMapping/>
+  </p:clrMapOvr>
+</p:sld>
+</file>
+
+<file path=ppt/slides/slide6.xml><?xml version="1.0" encoding="utf-8"?>
+<p:sld xmlns:a="http://schemas.openxmlformats.org/drawingml/2006/main" xmlns:r="http://schemas.openxmlformats.org/officeDocument/2006/relationships" xmlns:p="http://schemas.openxmlformats.org/presentationml/2006/main">
+  <p:cSld>
+    <p:bg>
+      <p:bgPr>
+        <a:solidFill>
+          <a:schemeClr val="bg1"/>
+        </a:solidFill>
+        <a:effectLst/>
+      </p:bgPr>
+    </p:bg>
+    <p:spTree>
+      <p:nvGrpSpPr>
         <p:cNvPr id="1" name=""/>
         <p:cNvGrpSpPr/>
         <p:nvPr/>
@@ -6383,1806 +8183,6 @@
         <p14:creationId xmlns:p14="http://schemas.microsoft.com/office/powerpoint/2010/main" val="1571124661"/>
       </p:ext>
     </p:extLst>
-  </p:cSld>
-  <p:clrMapOvr>
-    <a:masterClrMapping/>
-  </p:clrMapOvr>
-</p:sld>
-</file>
-
-<file path=ppt/slides/slide4.xml><?xml version="1.0" encoding="utf-8"?>
-<p:sld xmlns:a="http://schemas.openxmlformats.org/drawingml/2006/main" xmlns:r="http://schemas.openxmlformats.org/officeDocument/2006/relationships" xmlns:p="http://schemas.openxmlformats.org/presentationml/2006/main">
-  <p:cSld>
-    <p:bg>
-      <p:bgPr>
-        <a:solidFill>
-          <a:schemeClr val="bg1"/>
-        </a:solidFill>
-        <a:effectLst/>
-      </p:bgPr>
-    </p:bg>
-    <p:spTree>
-      <p:nvGrpSpPr>
-        <p:cNvPr id="1" name="Shape 669"/>
-        <p:cNvGrpSpPr/>
-        <p:nvPr/>
-      </p:nvGrpSpPr>
-      <p:grpSpPr>
-        <a:xfrm>
-          <a:off x="0" y="0"/>
-          <a:ext cx="0" cy="0"/>
-          <a:chOff x="0" y="0"/>
-          <a:chExt cx="0" cy="0"/>
-        </a:xfrm>
-      </p:grpSpPr>
-      <p:sp useBgFill="1">
-        <p:nvSpPr>
-          <p:cNvPr id="677" name="Rectangle 676">
-            <a:extLst>
-              <a:ext uri="{FF2B5EF4-FFF2-40B4-BE49-F238E27FC236}">
-                <a16:creationId xmlns:a16="http://schemas.microsoft.com/office/drawing/2014/main" id="{743AA782-23D1-4521-8CAD-47662984AA08}"/>
-              </a:ext>
-              <a:ext uri="{C183D7F6-B498-43B3-948B-1728B52AA6E4}">
-                <adec:decorative xmlns:adec="http://schemas.microsoft.com/office/drawing/2017/decorative" val="1"/>
-              </a:ext>
-            </a:extLst>
-          </p:cNvPr>
-          <p:cNvSpPr>
-            <a:spLocks noGrp="1" noRot="1" noChangeAspect="1" noMove="1" noResize="1" noEditPoints="1" noAdjustHandles="1" noChangeArrowheads="1" noChangeShapeType="1" noTextEdit="1"/>
-          </p:cNvSpPr>
-          <p:nvPr>
-            <p:extLst>
-              <p:ext uri="{386F3935-93C4-4BCD-93E2-E3B085C9AB24}">
-                <p16:designElem xmlns:p16="http://schemas.microsoft.com/office/powerpoint/2015/main" val="1"/>
-              </p:ext>
-            </p:extLst>
-          </p:nvPr>
-        </p:nvSpPr>
-        <p:spPr>
-          <a:xfrm>
-            <a:off x="0" y="0"/>
-            <a:ext cx="12192000" cy="6858000"/>
-          </a:xfrm>
-          <a:prstGeom prst="rect">
-            <a:avLst/>
-          </a:prstGeom>
-          <a:ln>
-            <a:noFill/>
-          </a:ln>
-        </p:spPr>
-        <p:style>
-          <a:lnRef idx="2">
-            <a:schemeClr val="accent1">
-              <a:shade val="50000"/>
-            </a:schemeClr>
-          </a:lnRef>
-          <a:fillRef idx="1">
-            <a:schemeClr val="accent1"/>
-          </a:fillRef>
-          <a:effectRef idx="0">
-            <a:schemeClr val="accent1"/>
-          </a:effectRef>
-          <a:fontRef idx="minor">
-            <a:schemeClr val="lt1"/>
-          </a:fontRef>
-        </p:style>
-        <p:txBody>
-          <a:bodyPr rtlCol="0" anchor="ctr"/>
-          <a:lstStyle/>
-          <a:p>
-            <a:pPr algn="ctr"/>
-            <a:endParaRPr lang="en-US"/>
-          </a:p>
-        </p:txBody>
-      </p:sp>
-      <p:sp>
-        <p:nvSpPr>
-          <p:cNvPr id="670" name="Google Shape;670;p108"/>
-          <p:cNvSpPr txBox="1">
-            <a:spLocks noGrp="1"/>
-          </p:cNvSpPr>
-          <p:nvPr>
-            <p:ph type="title"/>
-          </p:nvPr>
-        </p:nvSpPr>
-        <p:spPr>
-          <a:xfrm>
-            <a:off x="630936" y="640080"/>
-            <a:ext cx="4818888" cy="1481328"/>
-          </a:xfrm>
-          <a:prstGeom prst="rect">
-            <a:avLst/>
-          </a:prstGeom>
-        </p:spPr>
-        <p:txBody>
-          <a:bodyPr spcFirstLastPara="1" vert="horz" lIns="91440" tIns="45720" rIns="91440" bIns="45720" rtlCol="0" anchor="b" anchorCtr="0">
-            <a:normAutofit/>
-          </a:bodyPr>
-          <a:lstStyle/>
-          <a:p>
-            <a:pPr>
-              <a:buClr>
-                <a:schemeClr val="dk1"/>
-              </a:buClr>
-              <a:buSzPts val="2400"/>
-            </a:pPr>
-            <a:br>
-              <a:rPr lang="en-US" sz="2600" kern="1200">
-                <a:solidFill>
-                  <a:schemeClr val="tx1"/>
-                </a:solidFill>
-                <a:latin typeface="+mj-lt"/>
-                <a:ea typeface="+mj-ea"/>
-                <a:cs typeface="+mj-cs"/>
-              </a:rPr>
-            </a:br>
-            <a:r>
-              <a:rPr lang="en-US" sz="2600" kern="1200">
-                <a:solidFill>
-                  <a:schemeClr val="tx1"/>
-                </a:solidFill>
-                <a:latin typeface="+mj-lt"/>
-                <a:ea typeface="+mj-ea"/>
-                <a:cs typeface="+mj-cs"/>
-              </a:rPr>
-              <a:t>Multiple VPC peering connections</a:t>
-            </a:r>
-            <a:br>
-              <a:rPr lang="en-US" sz="2600" b="1" kern="1200">
-                <a:solidFill>
-                  <a:schemeClr val="tx1"/>
-                </a:solidFill>
-                <a:latin typeface="+mj-lt"/>
-                <a:ea typeface="+mj-ea"/>
-                <a:cs typeface="+mj-cs"/>
-              </a:rPr>
-            </a:br>
-            <a:endParaRPr lang="en-US" sz="2600" kern="1200">
-              <a:solidFill>
-                <a:schemeClr val="tx1"/>
-              </a:solidFill>
-              <a:latin typeface="+mj-lt"/>
-              <a:ea typeface="+mj-ea"/>
-              <a:cs typeface="+mj-cs"/>
-            </a:endParaRPr>
-          </a:p>
-        </p:txBody>
-      </p:sp>
-      <p:sp>
-        <p:nvSpPr>
-          <p:cNvPr id="679" name="sketch line">
-            <a:extLst>
-              <a:ext uri="{FF2B5EF4-FFF2-40B4-BE49-F238E27FC236}">
-                <a16:creationId xmlns:a16="http://schemas.microsoft.com/office/drawing/2014/main" id="{71877DBC-BB60-40F0-AC93-2ACDBAAE60CE}"/>
-              </a:ext>
-              <a:ext uri="{C183D7F6-B498-43B3-948B-1728B52AA6E4}">
-                <adec:decorative xmlns:adec="http://schemas.microsoft.com/office/drawing/2017/decorative" val="1"/>
-              </a:ext>
-            </a:extLst>
-          </p:cNvPr>
-          <p:cNvSpPr>
-            <a:spLocks noGrp="1" noRot="1" noChangeAspect="1" noMove="1" noResize="1" noEditPoints="1" noAdjustHandles="1" noChangeArrowheads="1" noChangeShapeType="1" noTextEdit="1"/>
-          </p:cNvSpPr>
-          <p:nvPr>
-            <p:extLst>
-              <p:ext uri="{386F3935-93C4-4BCD-93E2-E3B085C9AB24}">
-                <p16:designElem xmlns:p16="http://schemas.microsoft.com/office/powerpoint/2015/main" val="1"/>
-              </p:ext>
-            </p:extLst>
-          </p:nvPr>
-        </p:nvSpPr>
-        <p:spPr>
-          <a:xfrm>
-            <a:off x="643278" y="2372868"/>
-            <a:ext cx="3255095" cy="18288"/>
-          </a:xfrm>
-          <a:custGeom>
-            <a:avLst/>
-            <a:gdLst>
-              <a:gd name="connsiteX0" fmla="*/ 0 w 3255095"/>
-              <a:gd name="connsiteY0" fmla="*/ 0 h 18288"/>
-              <a:gd name="connsiteX1" fmla="*/ 618468 w 3255095"/>
-              <a:gd name="connsiteY1" fmla="*/ 0 h 18288"/>
-              <a:gd name="connsiteX2" fmla="*/ 1269487 w 3255095"/>
-              <a:gd name="connsiteY2" fmla="*/ 0 h 18288"/>
-              <a:gd name="connsiteX3" fmla="*/ 1953057 w 3255095"/>
-              <a:gd name="connsiteY3" fmla="*/ 0 h 18288"/>
-              <a:gd name="connsiteX4" fmla="*/ 2636627 w 3255095"/>
-              <a:gd name="connsiteY4" fmla="*/ 0 h 18288"/>
-              <a:gd name="connsiteX5" fmla="*/ 3255095 w 3255095"/>
-              <a:gd name="connsiteY5" fmla="*/ 0 h 18288"/>
-              <a:gd name="connsiteX6" fmla="*/ 3255095 w 3255095"/>
-              <a:gd name="connsiteY6" fmla="*/ 18288 h 18288"/>
-              <a:gd name="connsiteX7" fmla="*/ 2538974 w 3255095"/>
-              <a:gd name="connsiteY7" fmla="*/ 18288 h 18288"/>
-              <a:gd name="connsiteX8" fmla="*/ 1822853 w 3255095"/>
-              <a:gd name="connsiteY8" fmla="*/ 18288 h 18288"/>
-              <a:gd name="connsiteX9" fmla="*/ 1171834 w 3255095"/>
-              <a:gd name="connsiteY9" fmla="*/ 18288 h 18288"/>
-              <a:gd name="connsiteX10" fmla="*/ 0 w 3255095"/>
-              <a:gd name="connsiteY10" fmla="*/ 18288 h 18288"/>
-              <a:gd name="connsiteX11" fmla="*/ 0 w 3255095"/>
-              <a:gd name="connsiteY11" fmla="*/ 0 h 18288"/>
-            </a:gdLst>
-            <a:ahLst/>
-            <a:cxnLst>
-              <a:cxn ang="0">
-                <a:pos x="connsiteX0" y="connsiteY0"/>
-              </a:cxn>
-              <a:cxn ang="0">
-                <a:pos x="connsiteX1" y="connsiteY1"/>
-              </a:cxn>
-              <a:cxn ang="0">
-                <a:pos x="connsiteX2" y="connsiteY2"/>
-              </a:cxn>
-              <a:cxn ang="0">
-                <a:pos x="connsiteX3" y="connsiteY3"/>
-              </a:cxn>
-              <a:cxn ang="0">
-                <a:pos x="connsiteX4" y="connsiteY4"/>
-              </a:cxn>
-              <a:cxn ang="0">
-                <a:pos x="connsiteX5" y="connsiteY5"/>
-              </a:cxn>
-              <a:cxn ang="0">
-                <a:pos x="connsiteX6" y="connsiteY6"/>
-              </a:cxn>
-              <a:cxn ang="0">
-                <a:pos x="connsiteX7" y="connsiteY7"/>
-              </a:cxn>
-              <a:cxn ang="0">
-                <a:pos x="connsiteX8" y="connsiteY8"/>
-              </a:cxn>
-              <a:cxn ang="0">
-                <a:pos x="connsiteX9" y="connsiteY9"/>
-              </a:cxn>
-              <a:cxn ang="0">
-                <a:pos x="connsiteX10" y="connsiteY10"/>
-              </a:cxn>
-              <a:cxn ang="0">
-                <a:pos x="connsiteX11" y="connsiteY11"/>
-              </a:cxn>
-            </a:cxnLst>
-            <a:rect l="l" t="t" r="r" b="b"/>
-            <a:pathLst>
-              <a:path w="3255095" h="18288" fill="none" extrusionOk="0">
-                <a:moveTo>
-                  <a:pt x="0" y="0"/>
-                </a:moveTo>
-                <a:cubicBezTo>
-                  <a:pt x="240201" y="-22123"/>
-                  <a:pt x="462021" y="-19623"/>
-                  <a:pt x="618468" y="0"/>
-                </a:cubicBezTo>
-                <a:cubicBezTo>
-                  <a:pt x="774915" y="19623"/>
-                  <a:pt x="974734" y="2035"/>
-                  <a:pt x="1269487" y="0"/>
-                </a:cubicBezTo>
-                <a:cubicBezTo>
-                  <a:pt x="1564240" y="-2035"/>
-                  <a:pt x="1733579" y="10639"/>
-                  <a:pt x="1953057" y="0"/>
-                </a:cubicBezTo>
-                <a:cubicBezTo>
-                  <a:pt x="2172535" y="-10639"/>
-                  <a:pt x="2453962" y="14018"/>
-                  <a:pt x="2636627" y="0"/>
-                </a:cubicBezTo>
-                <a:cubicBezTo>
-                  <a:pt x="2819292" y="-14018"/>
-                  <a:pt x="3121375" y="5399"/>
-                  <a:pt x="3255095" y="0"/>
-                </a:cubicBezTo>
-                <a:cubicBezTo>
-                  <a:pt x="3254386" y="8157"/>
-                  <a:pt x="3254682" y="12125"/>
-                  <a:pt x="3255095" y="18288"/>
-                </a:cubicBezTo>
-                <a:cubicBezTo>
-                  <a:pt x="3088545" y="23203"/>
-                  <a:pt x="2687475" y="7419"/>
-                  <a:pt x="2538974" y="18288"/>
-                </a:cubicBezTo>
-                <a:cubicBezTo>
-                  <a:pt x="2390473" y="29157"/>
-                  <a:pt x="2137381" y="-8959"/>
-                  <a:pt x="1822853" y="18288"/>
-                </a:cubicBezTo>
-                <a:cubicBezTo>
-                  <a:pt x="1508325" y="45535"/>
-                  <a:pt x="1466437" y="20385"/>
-                  <a:pt x="1171834" y="18288"/>
-                </a:cubicBezTo>
-                <a:cubicBezTo>
-                  <a:pt x="877231" y="16191"/>
-                  <a:pt x="561097" y="37643"/>
-                  <a:pt x="0" y="18288"/>
-                </a:cubicBezTo>
-                <a:cubicBezTo>
-                  <a:pt x="-46" y="12483"/>
-                  <a:pt x="-203" y="6491"/>
-                  <a:pt x="0" y="0"/>
-                </a:cubicBezTo>
-                <a:close/>
-              </a:path>
-              <a:path w="3255095" h="18288" stroke="0" extrusionOk="0">
-                <a:moveTo>
-                  <a:pt x="0" y="0"/>
-                </a:moveTo>
-                <a:cubicBezTo>
-                  <a:pt x="291965" y="19429"/>
-                  <a:pt x="363155" y="8568"/>
-                  <a:pt x="618468" y="0"/>
-                </a:cubicBezTo>
-                <a:cubicBezTo>
-                  <a:pt x="873781" y="-8568"/>
-                  <a:pt x="904459" y="-19505"/>
-                  <a:pt x="1171834" y="0"/>
-                </a:cubicBezTo>
-                <a:cubicBezTo>
-                  <a:pt x="1439209" y="19505"/>
-                  <a:pt x="1744369" y="9790"/>
-                  <a:pt x="1887955" y="0"/>
-                </a:cubicBezTo>
-                <a:cubicBezTo>
-                  <a:pt x="2031541" y="-9790"/>
-                  <a:pt x="2346378" y="21240"/>
-                  <a:pt x="2506423" y="0"/>
-                </a:cubicBezTo>
-                <a:cubicBezTo>
-                  <a:pt x="2666468" y="-21240"/>
-                  <a:pt x="2990257" y="30414"/>
-                  <a:pt x="3255095" y="0"/>
-                </a:cubicBezTo>
-                <a:cubicBezTo>
-                  <a:pt x="3254831" y="4493"/>
-                  <a:pt x="3255479" y="9472"/>
-                  <a:pt x="3255095" y="18288"/>
-                </a:cubicBezTo>
-                <a:cubicBezTo>
-                  <a:pt x="3120743" y="16690"/>
-                  <a:pt x="2759628" y="42462"/>
-                  <a:pt x="2604076" y="18288"/>
-                </a:cubicBezTo>
-                <a:cubicBezTo>
-                  <a:pt x="2448524" y="-5886"/>
-                  <a:pt x="2184336" y="19599"/>
-                  <a:pt x="1887955" y="18288"/>
-                </a:cubicBezTo>
-                <a:cubicBezTo>
-                  <a:pt x="1591574" y="16977"/>
-                  <a:pt x="1548845" y="6870"/>
-                  <a:pt x="1334589" y="18288"/>
-                </a:cubicBezTo>
-                <a:cubicBezTo>
-                  <a:pt x="1120333" y="29706"/>
-                  <a:pt x="996014" y="9662"/>
-                  <a:pt x="683570" y="18288"/>
-                </a:cubicBezTo>
-                <a:cubicBezTo>
-                  <a:pt x="371126" y="26914"/>
-                  <a:pt x="198687" y="16167"/>
-                  <a:pt x="0" y="18288"/>
-                </a:cubicBezTo>
-                <a:cubicBezTo>
-                  <a:pt x="843" y="9577"/>
-                  <a:pt x="371" y="6900"/>
-                  <a:pt x="0" y="0"/>
-                </a:cubicBezTo>
-                <a:close/>
-              </a:path>
-            </a:pathLst>
-          </a:custGeom>
-          <a:solidFill>
-            <a:schemeClr val="accent2"/>
-          </a:solidFill>
-          <a:ln w="38100" cap="rnd">
-            <a:solidFill>
-              <a:schemeClr val="accent2"/>
-            </a:solidFill>
-            <a:round/>
-            <a:extLst>
-              <a:ext uri="{C807C97D-BFC1-408E-A445-0C87EB9F89A2}">
-                <ask:lineSketchStyleProps xmlns:ask="http://schemas.microsoft.com/office/drawing/2018/sketchyshapes" sd="1219033472">
-                  <a:prstGeom prst="rect">
-                    <a:avLst/>
-                  </a:prstGeom>
-                  <ask:type>
-                    <ask:lineSketchFreehand/>
-                  </ask:type>
-                </ask:lineSketchStyleProps>
-              </a:ext>
-            </a:extLst>
-          </a:ln>
-        </p:spPr>
-        <p:style>
-          <a:lnRef idx="2">
-            <a:schemeClr val="accent1">
-              <a:shade val="50000"/>
-            </a:schemeClr>
-          </a:lnRef>
-          <a:fillRef idx="1">
-            <a:schemeClr val="accent1"/>
-          </a:fillRef>
-          <a:effectRef idx="0">
-            <a:schemeClr val="accent1"/>
-          </a:effectRef>
-          <a:fontRef idx="minor">
-            <a:schemeClr val="lt1"/>
-          </a:fontRef>
-        </p:style>
-        <p:txBody>
-          <a:bodyPr rtlCol="0" anchor="ctr"/>
-          <a:lstStyle/>
-          <a:p>
-            <a:pPr algn="ctr"/>
-            <a:endParaRPr lang="en-US"/>
-          </a:p>
-        </p:txBody>
-      </p:sp>
-      <p:sp>
-        <p:nvSpPr>
-          <p:cNvPr id="671" name="Google Shape;671;p108"/>
-          <p:cNvSpPr txBox="1">
-            <a:spLocks noGrp="1"/>
-          </p:cNvSpPr>
-          <p:nvPr>
-            <p:ph sz="half" idx="1"/>
-          </p:nvPr>
-        </p:nvSpPr>
-        <p:spPr>
-          <a:xfrm>
-            <a:off x="630936" y="2660904"/>
-            <a:ext cx="4818888" cy="3547872"/>
-          </a:xfrm>
-          <a:prstGeom prst="rect">
-            <a:avLst/>
-          </a:prstGeom>
-        </p:spPr>
-        <p:txBody>
-          <a:bodyPr spcFirstLastPara="1" vert="horz" lIns="91440" tIns="45720" rIns="91440" bIns="45720" rtlCol="0" anchor="t" anchorCtr="0">
-            <a:normAutofit/>
-          </a:bodyPr>
-          <a:lstStyle/>
-          <a:p>
-            <a:pPr marL="0">
-              <a:spcBef>
-                <a:spcPts val="533"/>
-              </a:spcBef>
-              <a:spcAft>
-                <a:spcPts val="533"/>
-              </a:spcAft>
-              <a:buClr>
-                <a:schemeClr val="dk1"/>
-              </a:buClr>
-              <a:buSzPts val="1100"/>
-            </a:pPr>
-            <a:r>
-              <a:rPr lang="en-US" sz="1000" b="1" dirty="0">
-                <a:highlight>
-                  <a:srgbClr val="FFFF00"/>
-                </a:highlight>
-                <a:sym typeface="Arial"/>
-              </a:rPr>
-              <a:t>A VPC peering connection is a one-to-one relationship between two VPCs. </a:t>
-            </a:r>
-          </a:p>
-          <a:p>
-            <a:pPr marL="0">
-              <a:spcBef>
-                <a:spcPts val="533"/>
-              </a:spcBef>
-              <a:spcAft>
-                <a:spcPts val="533"/>
-              </a:spcAft>
-              <a:buClr>
-                <a:schemeClr val="dk1"/>
-              </a:buClr>
-              <a:buSzPts val="1100"/>
-            </a:pPr>
-            <a:r>
-              <a:rPr lang="en-US" sz="1000" dirty="0">
-                <a:sym typeface="Arial"/>
-              </a:rPr>
-              <a:t>You can create multiple VPC peering connections for each VPC that you own, but transitive peering relationships are not supported. </a:t>
-            </a:r>
-          </a:p>
-          <a:p>
-            <a:pPr marL="0">
-              <a:spcBef>
-                <a:spcPts val="533"/>
-              </a:spcBef>
-              <a:spcAft>
-                <a:spcPts val="533"/>
-              </a:spcAft>
-              <a:buClr>
-                <a:schemeClr val="dk1"/>
-              </a:buClr>
-              <a:buSzPts val="1100"/>
-            </a:pPr>
-            <a:r>
-              <a:rPr lang="en-US" sz="1000" b="1" dirty="0">
-                <a:sym typeface="Arial"/>
-              </a:rPr>
-              <a:t>You do not have any peering relationship with VPCs that your VPC is not directly peered with.</a:t>
-            </a:r>
-          </a:p>
-          <a:p>
-            <a:pPr marL="0">
-              <a:spcBef>
-                <a:spcPts val="533"/>
-              </a:spcBef>
-              <a:spcAft>
-                <a:spcPts val="533"/>
-              </a:spcAft>
-              <a:buClr>
-                <a:schemeClr val="dk1"/>
-              </a:buClr>
-              <a:buSzPts val="1100"/>
-            </a:pPr>
-            <a:r>
-              <a:rPr lang="en-US" sz="1000" dirty="0">
-                <a:sym typeface="Arial"/>
-              </a:rPr>
-              <a:t>The following diagram is an example of one VPC peered to two different VPCs. </a:t>
-            </a:r>
-          </a:p>
-          <a:p>
-            <a:pPr marL="0">
-              <a:spcBef>
-                <a:spcPts val="533"/>
-              </a:spcBef>
-              <a:spcAft>
-                <a:spcPts val="533"/>
-              </a:spcAft>
-              <a:buClr>
-                <a:schemeClr val="dk1"/>
-              </a:buClr>
-              <a:buSzPts val="1100"/>
-            </a:pPr>
-            <a:r>
-              <a:rPr lang="en-US" sz="1000" dirty="0">
-                <a:sym typeface="Arial"/>
-              </a:rPr>
-              <a:t>There are two VPC peering connections: VPC A is peered with both VPC B and VPC C. </a:t>
-            </a:r>
-          </a:p>
-          <a:p>
-            <a:pPr marL="0">
-              <a:spcBef>
-                <a:spcPts val="533"/>
-              </a:spcBef>
-              <a:spcAft>
-                <a:spcPts val="533"/>
-              </a:spcAft>
-              <a:buClr>
-                <a:schemeClr val="dk1"/>
-              </a:buClr>
-              <a:buSzPts val="1100"/>
-            </a:pPr>
-            <a:r>
-              <a:rPr lang="en-US" sz="1000" dirty="0">
-                <a:sym typeface="Arial"/>
-              </a:rPr>
-              <a:t>VPC B and VPC C are not peered, and you cannot use VPC A as a transit point for peering between VPC B and VPC C. </a:t>
-            </a:r>
-          </a:p>
-          <a:p>
-            <a:pPr marL="0">
-              <a:spcBef>
-                <a:spcPts val="533"/>
-              </a:spcBef>
-              <a:spcAft>
-                <a:spcPts val="533"/>
-              </a:spcAft>
-              <a:buClr>
-                <a:schemeClr val="dk1"/>
-              </a:buClr>
-              <a:buSzPts val="1100"/>
-            </a:pPr>
-            <a:r>
-              <a:rPr lang="en-US" sz="1000" dirty="0">
-                <a:sym typeface="Arial"/>
-              </a:rPr>
-              <a:t>If you want to enable routing of traffic between VPC B and VPC C, you must create a unique VPC peering connection between them.</a:t>
-            </a:r>
-          </a:p>
-          <a:p>
-            <a:pPr algn="l"/>
-            <a:r>
-              <a:rPr lang="en-GB" sz="1000" b="1" i="0" dirty="0">
-                <a:effectLst/>
-              </a:rPr>
-              <a:t>Cannot Create VPC Peering with VPCs in Your AWS Account Managed by Different Organizations</a:t>
-            </a:r>
-            <a:r>
-              <a:rPr lang="en-GB" sz="1000" b="0" i="0" dirty="0">
-                <a:effectLst/>
-              </a:rPr>
-              <a:t>:</a:t>
-            </a:r>
-          </a:p>
-          <a:p>
-            <a:pPr lvl="1"/>
-            <a:r>
-              <a:rPr lang="en-GB" sz="1000" b="0" i="0" dirty="0">
-                <a:effectLst/>
-              </a:rPr>
-              <a:t>VPC peering between VPCs in different AWS accounts is possible, but if the accounts are managed by different AWS Organizations, certain restrictions </a:t>
-            </a:r>
-            <a:r>
-              <a:rPr lang="en-GB" sz="1000" b="0" i="0">
-                <a:effectLst/>
-              </a:rPr>
-              <a:t>apply.</a:t>
-            </a:r>
-            <a:endParaRPr lang="en-GB" sz="1000" b="0" i="0" dirty="0">
-              <a:effectLst/>
-            </a:endParaRPr>
-          </a:p>
-        </p:txBody>
-      </p:sp>
-      <p:pic>
-        <p:nvPicPr>
-          <p:cNvPr id="672" name="Google Shape;672;p108"/>
-          <p:cNvPicPr preferRelativeResize="0">
-            <a:picLocks noGrp="1"/>
-          </p:cNvPicPr>
-          <p:nvPr>
-            <p:ph sz="half" idx="2"/>
-          </p:nvPr>
-        </p:nvPicPr>
-        <p:blipFill rotWithShape="1">
-          <a:blip r:embed="rId3"/>
-          <a:stretch/>
-        </p:blipFill>
-        <p:spPr>
-          <a:xfrm>
-            <a:off x="6099048" y="2446386"/>
-            <a:ext cx="5458968" cy="1965228"/>
-          </a:xfrm>
-          <a:prstGeom prst="rect">
-            <a:avLst/>
-          </a:prstGeom>
-          <a:noFill/>
-        </p:spPr>
-      </p:pic>
-    </p:spTree>
-  </p:cSld>
-  <p:clrMapOvr>
-    <a:masterClrMapping/>
-  </p:clrMapOvr>
-</p:sld>
-</file>
-
-<file path=ppt/slides/slide5.xml><?xml version="1.0" encoding="utf-8"?>
-<p:sld xmlns:a="http://schemas.openxmlformats.org/drawingml/2006/main" xmlns:r="http://schemas.openxmlformats.org/officeDocument/2006/relationships" xmlns:p="http://schemas.openxmlformats.org/presentationml/2006/main">
-  <p:cSld>
-    <p:bg>
-      <p:bgPr>
-        <a:solidFill>
-          <a:schemeClr val="bg1"/>
-        </a:solidFill>
-        <a:effectLst/>
-      </p:bgPr>
-    </p:bg>
-    <p:spTree>
-      <p:nvGrpSpPr>
-        <p:cNvPr id="1" name="Shape 676"/>
-        <p:cNvGrpSpPr/>
-        <p:nvPr/>
-      </p:nvGrpSpPr>
-      <p:grpSpPr>
-        <a:xfrm>
-          <a:off x="0" y="0"/>
-          <a:ext cx="0" cy="0"/>
-          <a:chOff x="0" y="0"/>
-          <a:chExt cx="0" cy="0"/>
-        </a:xfrm>
-      </p:grpSpPr>
-      <p:sp useBgFill="1">
-        <p:nvSpPr>
-          <p:cNvPr id="684" name="Rectangle 683">
-            <a:extLst>
-              <a:ext uri="{FF2B5EF4-FFF2-40B4-BE49-F238E27FC236}">
-                <a16:creationId xmlns:a16="http://schemas.microsoft.com/office/drawing/2014/main" id="{743AA782-23D1-4521-8CAD-47662984AA08}"/>
-              </a:ext>
-              <a:ext uri="{C183D7F6-B498-43B3-948B-1728B52AA6E4}">
-                <adec:decorative xmlns:adec="http://schemas.microsoft.com/office/drawing/2017/decorative" val="1"/>
-              </a:ext>
-            </a:extLst>
-          </p:cNvPr>
-          <p:cNvSpPr>
-            <a:spLocks noGrp="1" noRot="1" noChangeAspect="1" noMove="1" noResize="1" noEditPoints="1" noAdjustHandles="1" noChangeArrowheads="1" noChangeShapeType="1" noTextEdit="1"/>
-          </p:cNvSpPr>
-          <p:nvPr>
-            <p:extLst>
-              <p:ext uri="{386F3935-93C4-4BCD-93E2-E3B085C9AB24}">
-                <p16:designElem xmlns:p16="http://schemas.microsoft.com/office/powerpoint/2015/main" val="1"/>
-              </p:ext>
-            </p:extLst>
-          </p:nvPr>
-        </p:nvSpPr>
-        <p:spPr>
-          <a:xfrm>
-            <a:off x="0" y="0"/>
-            <a:ext cx="12192000" cy="6858000"/>
-          </a:xfrm>
-          <a:prstGeom prst="rect">
-            <a:avLst/>
-          </a:prstGeom>
-          <a:ln>
-            <a:noFill/>
-          </a:ln>
-        </p:spPr>
-        <p:style>
-          <a:lnRef idx="2">
-            <a:schemeClr val="accent1">
-              <a:shade val="50000"/>
-            </a:schemeClr>
-          </a:lnRef>
-          <a:fillRef idx="1">
-            <a:schemeClr val="accent1"/>
-          </a:fillRef>
-          <a:effectRef idx="0">
-            <a:schemeClr val="accent1"/>
-          </a:effectRef>
-          <a:fontRef idx="minor">
-            <a:schemeClr val="lt1"/>
-          </a:fontRef>
-        </p:style>
-        <p:txBody>
-          <a:bodyPr rtlCol="0" anchor="ctr"/>
-          <a:lstStyle/>
-          <a:p>
-            <a:pPr algn="ctr"/>
-            <a:endParaRPr lang="en-US"/>
-          </a:p>
-        </p:txBody>
-      </p:sp>
-      <p:sp>
-        <p:nvSpPr>
-          <p:cNvPr id="677" name="Google Shape;677;p109"/>
-          <p:cNvSpPr txBox="1">
-            <a:spLocks noGrp="1"/>
-          </p:cNvSpPr>
-          <p:nvPr>
-            <p:ph type="title"/>
-          </p:nvPr>
-        </p:nvSpPr>
-        <p:spPr>
-          <a:xfrm>
-            <a:off x="630936" y="640080"/>
-            <a:ext cx="4818888" cy="1481328"/>
-          </a:xfrm>
-          <a:prstGeom prst="rect">
-            <a:avLst/>
-          </a:prstGeom>
-        </p:spPr>
-        <p:txBody>
-          <a:bodyPr spcFirstLastPara="1" vert="horz" lIns="91440" tIns="45720" rIns="91440" bIns="45720" rtlCol="0" anchor="b" anchorCtr="0">
-            <a:normAutofit fontScale="90000"/>
-          </a:bodyPr>
-          <a:lstStyle/>
-          <a:p>
-            <a:pPr>
-              <a:buClr>
-                <a:schemeClr val="dk1"/>
-              </a:buClr>
-              <a:buSzPts val="2400"/>
-            </a:pPr>
-            <a:r>
-              <a:rPr lang="en-US" sz="4600" kern="1200" dirty="0">
-                <a:solidFill>
-                  <a:schemeClr val="tx1"/>
-                </a:solidFill>
-                <a:latin typeface="+mj-lt"/>
-                <a:ea typeface="+mj-ea"/>
-                <a:cs typeface="+mj-cs"/>
-              </a:rPr>
-              <a:t>VPC peering connection lifecycle 1</a:t>
-            </a:r>
-          </a:p>
-        </p:txBody>
-      </p:sp>
-      <p:sp>
-        <p:nvSpPr>
-          <p:cNvPr id="686" name="sketch line">
-            <a:extLst>
-              <a:ext uri="{FF2B5EF4-FFF2-40B4-BE49-F238E27FC236}">
-                <a16:creationId xmlns:a16="http://schemas.microsoft.com/office/drawing/2014/main" id="{71877DBC-BB60-40F0-AC93-2ACDBAAE60CE}"/>
-              </a:ext>
-              <a:ext uri="{C183D7F6-B498-43B3-948B-1728B52AA6E4}">
-                <adec:decorative xmlns:adec="http://schemas.microsoft.com/office/drawing/2017/decorative" val="1"/>
-              </a:ext>
-            </a:extLst>
-          </p:cNvPr>
-          <p:cNvSpPr>
-            <a:spLocks noGrp="1" noRot="1" noChangeAspect="1" noMove="1" noResize="1" noEditPoints="1" noAdjustHandles="1" noChangeArrowheads="1" noChangeShapeType="1" noTextEdit="1"/>
-          </p:cNvSpPr>
-          <p:nvPr>
-            <p:extLst>
-              <p:ext uri="{386F3935-93C4-4BCD-93E2-E3B085C9AB24}">
-                <p16:designElem xmlns:p16="http://schemas.microsoft.com/office/powerpoint/2015/main" val="1"/>
-              </p:ext>
-            </p:extLst>
-          </p:nvPr>
-        </p:nvSpPr>
-        <p:spPr>
-          <a:xfrm>
-            <a:off x="643278" y="2372868"/>
-            <a:ext cx="3255095" cy="18288"/>
-          </a:xfrm>
-          <a:custGeom>
-            <a:avLst/>
-            <a:gdLst>
-              <a:gd name="connsiteX0" fmla="*/ 0 w 3255095"/>
-              <a:gd name="connsiteY0" fmla="*/ 0 h 18288"/>
-              <a:gd name="connsiteX1" fmla="*/ 618468 w 3255095"/>
-              <a:gd name="connsiteY1" fmla="*/ 0 h 18288"/>
-              <a:gd name="connsiteX2" fmla="*/ 1269487 w 3255095"/>
-              <a:gd name="connsiteY2" fmla="*/ 0 h 18288"/>
-              <a:gd name="connsiteX3" fmla="*/ 1953057 w 3255095"/>
-              <a:gd name="connsiteY3" fmla="*/ 0 h 18288"/>
-              <a:gd name="connsiteX4" fmla="*/ 2636627 w 3255095"/>
-              <a:gd name="connsiteY4" fmla="*/ 0 h 18288"/>
-              <a:gd name="connsiteX5" fmla="*/ 3255095 w 3255095"/>
-              <a:gd name="connsiteY5" fmla="*/ 0 h 18288"/>
-              <a:gd name="connsiteX6" fmla="*/ 3255095 w 3255095"/>
-              <a:gd name="connsiteY6" fmla="*/ 18288 h 18288"/>
-              <a:gd name="connsiteX7" fmla="*/ 2538974 w 3255095"/>
-              <a:gd name="connsiteY7" fmla="*/ 18288 h 18288"/>
-              <a:gd name="connsiteX8" fmla="*/ 1822853 w 3255095"/>
-              <a:gd name="connsiteY8" fmla="*/ 18288 h 18288"/>
-              <a:gd name="connsiteX9" fmla="*/ 1171834 w 3255095"/>
-              <a:gd name="connsiteY9" fmla="*/ 18288 h 18288"/>
-              <a:gd name="connsiteX10" fmla="*/ 0 w 3255095"/>
-              <a:gd name="connsiteY10" fmla="*/ 18288 h 18288"/>
-              <a:gd name="connsiteX11" fmla="*/ 0 w 3255095"/>
-              <a:gd name="connsiteY11" fmla="*/ 0 h 18288"/>
-            </a:gdLst>
-            <a:ahLst/>
-            <a:cxnLst>
-              <a:cxn ang="0">
-                <a:pos x="connsiteX0" y="connsiteY0"/>
-              </a:cxn>
-              <a:cxn ang="0">
-                <a:pos x="connsiteX1" y="connsiteY1"/>
-              </a:cxn>
-              <a:cxn ang="0">
-                <a:pos x="connsiteX2" y="connsiteY2"/>
-              </a:cxn>
-              <a:cxn ang="0">
-                <a:pos x="connsiteX3" y="connsiteY3"/>
-              </a:cxn>
-              <a:cxn ang="0">
-                <a:pos x="connsiteX4" y="connsiteY4"/>
-              </a:cxn>
-              <a:cxn ang="0">
-                <a:pos x="connsiteX5" y="connsiteY5"/>
-              </a:cxn>
-              <a:cxn ang="0">
-                <a:pos x="connsiteX6" y="connsiteY6"/>
-              </a:cxn>
-              <a:cxn ang="0">
-                <a:pos x="connsiteX7" y="connsiteY7"/>
-              </a:cxn>
-              <a:cxn ang="0">
-                <a:pos x="connsiteX8" y="connsiteY8"/>
-              </a:cxn>
-              <a:cxn ang="0">
-                <a:pos x="connsiteX9" y="connsiteY9"/>
-              </a:cxn>
-              <a:cxn ang="0">
-                <a:pos x="connsiteX10" y="connsiteY10"/>
-              </a:cxn>
-              <a:cxn ang="0">
-                <a:pos x="connsiteX11" y="connsiteY11"/>
-              </a:cxn>
-            </a:cxnLst>
-            <a:rect l="l" t="t" r="r" b="b"/>
-            <a:pathLst>
-              <a:path w="3255095" h="18288" fill="none" extrusionOk="0">
-                <a:moveTo>
-                  <a:pt x="0" y="0"/>
-                </a:moveTo>
-                <a:cubicBezTo>
-                  <a:pt x="240201" y="-22123"/>
-                  <a:pt x="462021" y="-19623"/>
-                  <a:pt x="618468" y="0"/>
-                </a:cubicBezTo>
-                <a:cubicBezTo>
-                  <a:pt x="774915" y="19623"/>
-                  <a:pt x="974734" y="2035"/>
-                  <a:pt x="1269487" y="0"/>
-                </a:cubicBezTo>
-                <a:cubicBezTo>
-                  <a:pt x="1564240" y="-2035"/>
-                  <a:pt x="1733579" y="10639"/>
-                  <a:pt x="1953057" y="0"/>
-                </a:cubicBezTo>
-                <a:cubicBezTo>
-                  <a:pt x="2172535" y="-10639"/>
-                  <a:pt x="2453962" y="14018"/>
-                  <a:pt x="2636627" y="0"/>
-                </a:cubicBezTo>
-                <a:cubicBezTo>
-                  <a:pt x="2819292" y="-14018"/>
-                  <a:pt x="3121375" y="5399"/>
-                  <a:pt x="3255095" y="0"/>
-                </a:cubicBezTo>
-                <a:cubicBezTo>
-                  <a:pt x="3254386" y="8157"/>
-                  <a:pt x="3254682" y="12125"/>
-                  <a:pt x="3255095" y="18288"/>
-                </a:cubicBezTo>
-                <a:cubicBezTo>
-                  <a:pt x="3088545" y="23203"/>
-                  <a:pt x="2687475" y="7419"/>
-                  <a:pt x="2538974" y="18288"/>
-                </a:cubicBezTo>
-                <a:cubicBezTo>
-                  <a:pt x="2390473" y="29157"/>
-                  <a:pt x="2137381" y="-8959"/>
-                  <a:pt x="1822853" y="18288"/>
-                </a:cubicBezTo>
-                <a:cubicBezTo>
-                  <a:pt x="1508325" y="45535"/>
-                  <a:pt x="1466437" y="20385"/>
-                  <a:pt x="1171834" y="18288"/>
-                </a:cubicBezTo>
-                <a:cubicBezTo>
-                  <a:pt x="877231" y="16191"/>
-                  <a:pt x="561097" y="37643"/>
-                  <a:pt x="0" y="18288"/>
-                </a:cubicBezTo>
-                <a:cubicBezTo>
-                  <a:pt x="-46" y="12483"/>
-                  <a:pt x="-203" y="6491"/>
-                  <a:pt x="0" y="0"/>
-                </a:cubicBezTo>
-                <a:close/>
-              </a:path>
-              <a:path w="3255095" h="18288" stroke="0" extrusionOk="0">
-                <a:moveTo>
-                  <a:pt x="0" y="0"/>
-                </a:moveTo>
-                <a:cubicBezTo>
-                  <a:pt x="291965" y="19429"/>
-                  <a:pt x="363155" y="8568"/>
-                  <a:pt x="618468" y="0"/>
-                </a:cubicBezTo>
-                <a:cubicBezTo>
-                  <a:pt x="873781" y="-8568"/>
-                  <a:pt x="904459" y="-19505"/>
-                  <a:pt x="1171834" y="0"/>
-                </a:cubicBezTo>
-                <a:cubicBezTo>
-                  <a:pt x="1439209" y="19505"/>
-                  <a:pt x="1744369" y="9790"/>
-                  <a:pt x="1887955" y="0"/>
-                </a:cubicBezTo>
-                <a:cubicBezTo>
-                  <a:pt x="2031541" y="-9790"/>
-                  <a:pt x="2346378" y="21240"/>
-                  <a:pt x="2506423" y="0"/>
-                </a:cubicBezTo>
-                <a:cubicBezTo>
-                  <a:pt x="2666468" y="-21240"/>
-                  <a:pt x="2990257" y="30414"/>
-                  <a:pt x="3255095" y="0"/>
-                </a:cubicBezTo>
-                <a:cubicBezTo>
-                  <a:pt x="3254831" y="4493"/>
-                  <a:pt x="3255479" y="9472"/>
-                  <a:pt x="3255095" y="18288"/>
-                </a:cubicBezTo>
-                <a:cubicBezTo>
-                  <a:pt x="3120743" y="16690"/>
-                  <a:pt x="2759628" y="42462"/>
-                  <a:pt x="2604076" y="18288"/>
-                </a:cubicBezTo>
-                <a:cubicBezTo>
-                  <a:pt x="2448524" y="-5886"/>
-                  <a:pt x="2184336" y="19599"/>
-                  <a:pt x="1887955" y="18288"/>
-                </a:cubicBezTo>
-                <a:cubicBezTo>
-                  <a:pt x="1591574" y="16977"/>
-                  <a:pt x="1548845" y="6870"/>
-                  <a:pt x="1334589" y="18288"/>
-                </a:cubicBezTo>
-                <a:cubicBezTo>
-                  <a:pt x="1120333" y="29706"/>
-                  <a:pt x="996014" y="9662"/>
-                  <a:pt x="683570" y="18288"/>
-                </a:cubicBezTo>
-                <a:cubicBezTo>
-                  <a:pt x="371126" y="26914"/>
-                  <a:pt x="198687" y="16167"/>
-                  <a:pt x="0" y="18288"/>
-                </a:cubicBezTo>
-                <a:cubicBezTo>
-                  <a:pt x="843" y="9577"/>
-                  <a:pt x="371" y="6900"/>
-                  <a:pt x="0" y="0"/>
-                </a:cubicBezTo>
-                <a:close/>
-              </a:path>
-            </a:pathLst>
-          </a:custGeom>
-          <a:solidFill>
-            <a:schemeClr val="accent2"/>
-          </a:solidFill>
-          <a:ln w="38100" cap="rnd">
-            <a:solidFill>
-              <a:schemeClr val="accent2"/>
-            </a:solidFill>
-            <a:round/>
-            <a:extLst>
-              <a:ext uri="{C807C97D-BFC1-408E-A445-0C87EB9F89A2}">
-                <ask:lineSketchStyleProps xmlns:ask="http://schemas.microsoft.com/office/drawing/2018/sketchyshapes" sd="1219033472">
-                  <a:prstGeom prst="rect">
-                    <a:avLst/>
-                  </a:prstGeom>
-                  <ask:type>
-                    <ask:lineSketchFreehand/>
-                  </ask:type>
-                </ask:lineSketchStyleProps>
-              </a:ext>
-            </a:extLst>
-          </a:ln>
-        </p:spPr>
-        <p:style>
-          <a:lnRef idx="2">
-            <a:schemeClr val="accent1">
-              <a:shade val="50000"/>
-            </a:schemeClr>
-          </a:lnRef>
-          <a:fillRef idx="1">
-            <a:schemeClr val="accent1"/>
-          </a:fillRef>
-          <a:effectRef idx="0">
-            <a:schemeClr val="accent1"/>
-          </a:effectRef>
-          <a:fontRef idx="minor">
-            <a:schemeClr val="lt1"/>
-          </a:fontRef>
-        </p:style>
-        <p:txBody>
-          <a:bodyPr rtlCol="0" anchor="ctr"/>
-          <a:lstStyle/>
-          <a:p>
-            <a:pPr algn="ctr"/>
-            <a:endParaRPr lang="en-US"/>
-          </a:p>
-        </p:txBody>
-      </p:sp>
-      <p:sp>
-        <p:nvSpPr>
-          <p:cNvPr id="678" name="Google Shape;678;p109"/>
-          <p:cNvSpPr txBox="1">
-            <a:spLocks noGrp="1"/>
-          </p:cNvSpPr>
-          <p:nvPr>
-            <p:ph sz="half" idx="1"/>
-          </p:nvPr>
-        </p:nvSpPr>
-        <p:spPr>
-          <a:xfrm>
-            <a:off x="630936" y="2660904"/>
-            <a:ext cx="4818888" cy="3547872"/>
-          </a:xfrm>
-          <a:prstGeom prst="rect">
-            <a:avLst/>
-          </a:prstGeom>
-        </p:spPr>
-        <p:txBody>
-          <a:bodyPr spcFirstLastPara="1" vert="horz" lIns="91440" tIns="45720" rIns="91440" bIns="45720" rtlCol="0" anchor="t" anchorCtr="0">
-            <a:normAutofit/>
-          </a:bodyPr>
-          <a:lstStyle/>
-          <a:p>
-            <a:pPr marL="0">
-              <a:spcBef>
-                <a:spcPts val="0"/>
-              </a:spcBef>
-              <a:buClr>
-                <a:schemeClr val="dk1"/>
-              </a:buClr>
-              <a:buSzPts val="1100"/>
-            </a:pPr>
-            <a:r>
-              <a:rPr lang="en-US" sz="1000" b="1">
-                <a:sym typeface="Arial"/>
-              </a:rPr>
-              <a:t>Initiating-request:</a:t>
-            </a:r>
-            <a:r>
-              <a:rPr lang="en-US" sz="1000">
-                <a:sym typeface="Arial"/>
-              </a:rPr>
-              <a:t> A request for a VPC peering connection has been initiated. At this stage, the peering connection can fail, or can go to pending-acceptance.</a:t>
-            </a:r>
-          </a:p>
-          <a:p>
-            <a:pPr marL="0">
-              <a:spcBef>
-                <a:spcPts val="1067"/>
-              </a:spcBef>
-              <a:buClr>
-                <a:schemeClr val="dk1"/>
-              </a:buClr>
-              <a:buSzPts val="1100"/>
-            </a:pPr>
-            <a:r>
-              <a:rPr lang="en-US" sz="1000" b="1">
-                <a:sym typeface="Arial"/>
-              </a:rPr>
-              <a:t>Failed</a:t>
-            </a:r>
-            <a:r>
-              <a:rPr lang="en-US" sz="1000">
-                <a:sym typeface="Arial"/>
-              </a:rPr>
-              <a:t>: The request for the VPC peering connection has failed. While in this state, it cannot be accepted, rejected, or deleted. The failed VPC peering connection remains visible to the requester for 2 hours.</a:t>
-            </a:r>
-          </a:p>
-          <a:p>
-            <a:pPr marL="0">
-              <a:spcBef>
-                <a:spcPts val="1067"/>
-              </a:spcBef>
-              <a:buClr>
-                <a:schemeClr val="dk1"/>
-              </a:buClr>
-              <a:buSzPts val="1100"/>
-            </a:pPr>
-            <a:r>
-              <a:rPr lang="en-US" sz="1000" b="1">
-                <a:sym typeface="Arial"/>
-              </a:rPr>
-              <a:t>Pending-acceptance</a:t>
-            </a:r>
-            <a:r>
-              <a:rPr lang="en-US" sz="1000">
-                <a:sym typeface="Arial"/>
-              </a:rPr>
-              <a:t>: The VPC peering connection request is awaiting acceptance from the owner of the accepter VPC. During this state, the owner of the requester VPC can delete the request, and the owner of the accepter VPC can accept or reject the request. If no action is taken on the request, it expires after 7 days.</a:t>
-            </a:r>
-          </a:p>
-          <a:p>
-            <a:pPr marL="0">
-              <a:spcBef>
-                <a:spcPts val="1067"/>
-              </a:spcBef>
-              <a:buClr>
-                <a:schemeClr val="dk1"/>
-              </a:buClr>
-              <a:buSzPts val="1100"/>
-            </a:pPr>
-            <a:r>
-              <a:rPr lang="en-US" sz="1000" b="1">
-                <a:sym typeface="Arial"/>
-              </a:rPr>
-              <a:t>Expired</a:t>
-            </a:r>
-            <a:r>
-              <a:rPr lang="en-US" sz="1000">
-                <a:sym typeface="Arial"/>
-              </a:rPr>
-              <a:t>: The VPC peering connection request has expired, and no action can be taken on it by either VPC owner. The expired VPC peering connection remains visible to both VPC owners for 2 days.</a:t>
-            </a:r>
-          </a:p>
-          <a:p>
-            <a:pPr marL="0">
-              <a:spcBef>
-                <a:spcPts val="1067"/>
-              </a:spcBef>
-              <a:buClr>
-                <a:schemeClr val="dk1"/>
-              </a:buClr>
-              <a:buSzPts val="1100"/>
-            </a:pPr>
-            <a:r>
-              <a:rPr lang="en-US" sz="1000" b="1">
-                <a:sym typeface="Arial"/>
-              </a:rPr>
-              <a:t>Rejected:</a:t>
-            </a:r>
-            <a:r>
-              <a:rPr lang="en-US" sz="1000">
-                <a:sym typeface="Arial"/>
-              </a:rPr>
-              <a:t> The owner of the accepter VPC has rejected a pending-acceptance VPC peering connection request. While in this state, the request cannot be accepted. The rejected VPC peering connection remains visible to the owner of the requester VPC for 2 days, and visible to the owner of the accepter VPC for 2 hours. If the request was created within the same AWS account, the rejected request remains visible for 2 hours.</a:t>
-            </a:r>
-          </a:p>
-        </p:txBody>
-      </p:sp>
-      <p:pic>
-        <p:nvPicPr>
-          <p:cNvPr id="679" name="Google Shape;679;p109"/>
-          <p:cNvPicPr preferRelativeResize="0">
-            <a:picLocks noGrp="1"/>
-          </p:cNvPicPr>
-          <p:nvPr>
-            <p:ph sz="half" idx="2"/>
-          </p:nvPr>
-        </p:nvPicPr>
-        <p:blipFill rotWithShape="1">
-          <a:blip r:embed="rId3"/>
-          <a:stretch/>
-        </p:blipFill>
-        <p:spPr>
-          <a:xfrm>
-            <a:off x="6099048" y="2009669"/>
-            <a:ext cx="5458968" cy="2838663"/>
-          </a:xfrm>
-          <a:prstGeom prst="rect">
-            <a:avLst/>
-          </a:prstGeom>
-          <a:noFill/>
-        </p:spPr>
-      </p:pic>
-    </p:spTree>
-  </p:cSld>
-  <p:clrMapOvr>
-    <a:masterClrMapping/>
-  </p:clrMapOvr>
-</p:sld>
-</file>
-
-<file path=ppt/slides/slide6.xml><?xml version="1.0" encoding="utf-8"?>
-<p:sld xmlns:a="http://schemas.openxmlformats.org/drawingml/2006/main" xmlns:r="http://schemas.openxmlformats.org/officeDocument/2006/relationships" xmlns:p="http://schemas.openxmlformats.org/presentationml/2006/main">
-  <p:cSld>
-    <p:bg>
-      <p:bgPr>
-        <a:solidFill>
-          <a:schemeClr val="bg1"/>
-        </a:solidFill>
-        <a:effectLst/>
-      </p:bgPr>
-    </p:bg>
-    <p:spTree>
-      <p:nvGrpSpPr>
-        <p:cNvPr id="1" name="Shape 683"/>
-        <p:cNvGrpSpPr/>
-        <p:nvPr/>
-      </p:nvGrpSpPr>
-      <p:grpSpPr>
-        <a:xfrm>
-          <a:off x="0" y="0"/>
-          <a:ext cx="0" cy="0"/>
-          <a:chOff x="0" y="0"/>
-          <a:chExt cx="0" cy="0"/>
-        </a:xfrm>
-      </p:grpSpPr>
-      <p:sp useBgFill="1">
-        <p:nvSpPr>
-          <p:cNvPr id="691" name="Rectangle 690">
-            <a:extLst>
-              <a:ext uri="{FF2B5EF4-FFF2-40B4-BE49-F238E27FC236}">
-                <a16:creationId xmlns:a16="http://schemas.microsoft.com/office/drawing/2014/main" id="{743AA782-23D1-4521-8CAD-47662984AA08}"/>
-              </a:ext>
-              <a:ext uri="{C183D7F6-B498-43B3-948B-1728B52AA6E4}">
-                <adec:decorative xmlns:adec="http://schemas.microsoft.com/office/drawing/2017/decorative" val="1"/>
-              </a:ext>
-            </a:extLst>
-          </p:cNvPr>
-          <p:cNvSpPr>
-            <a:spLocks noGrp="1" noRot="1" noChangeAspect="1" noMove="1" noResize="1" noEditPoints="1" noAdjustHandles="1" noChangeArrowheads="1" noChangeShapeType="1" noTextEdit="1"/>
-          </p:cNvSpPr>
-          <p:nvPr>
-            <p:extLst>
-              <p:ext uri="{386F3935-93C4-4BCD-93E2-E3B085C9AB24}">
-                <p16:designElem xmlns:p16="http://schemas.microsoft.com/office/powerpoint/2015/main" val="1"/>
-              </p:ext>
-            </p:extLst>
-          </p:nvPr>
-        </p:nvSpPr>
-        <p:spPr>
-          <a:xfrm>
-            <a:off x="0" y="0"/>
-            <a:ext cx="12192000" cy="6858000"/>
-          </a:xfrm>
-          <a:prstGeom prst="rect">
-            <a:avLst/>
-          </a:prstGeom>
-          <a:ln>
-            <a:noFill/>
-          </a:ln>
-        </p:spPr>
-        <p:style>
-          <a:lnRef idx="2">
-            <a:schemeClr val="accent1">
-              <a:shade val="50000"/>
-            </a:schemeClr>
-          </a:lnRef>
-          <a:fillRef idx="1">
-            <a:schemeClr val="accent1"/>
-          </a:fillRef>
-          <a:effectRef idx="0">
-            <a:schemeClr val="accent1"/>
-          </a:effectRef>
-          <a:fontRef idx="minor">
-            <a:schemeClr val="lt1"/>
-          </a:fontRef>
-        </p:style>
-        <p:txBody>
-          <a:bodyPr rtlCol="0" anchor="ctr"/>
-          <a:lstStyle/>
-          <a:p>
-            <a:pPr algn="ctr"/>
-            <a:endParaRPr lang="en-US"/>
-          </a:p>
-        </p:txBody>
-      </p:sp>
-      <p:sp>
-        <p:nvSpPr>
-          <p:cNvPr id="684" name="Google Shape;684;p110"/>
-          <p:cNvSpPr txBox="1">
-            <a:spLocks noGrp="1"/>
-          </p:cNvSpPr>
-          <p:nvPr>
-            <p:ph type="title"/>
-          </p:nvPr>
-        </p:nvSpPr>
-        <p:spPr>
-          <a:xfrm>
-            <a:off x="630936" y="640080"/>
-            <a:ext cx="4818888" cy="1481328"/>
-          </a:xfrm>
-          <a:prstGeom prst="rect">
-            <a:avLst/>
-          </a:prstGeom>
-        </p:spPr>
-        <p:txBody>
-          <a:bodyPr spcFirstLastPara="1" vert="horz" lIns="91440" tIns="45720" rIns="91440" bIns="45720" rtlCol="0" anchor="b" anchorCtr="0">
-            <a:normAutofit fontScale="90000"/>
-          </a:bodyPr>
-          <a:lstStyle/>
-          <a:p>
-            <a:pPr>
-              <a:buClr>
-                <a:schemeClr val="dk1"/>
-              </a:buClr>
-              <a:buSzPts val="2400"/>
-            </a:pPr>
-            <a:r>
-              <a:rPr lang="en-US" sz="4600" kern="1200" dirty="0">
-                <a:solidFill>
-                  <a:schemeClr val="tx1"/>
-                </a:solidFill>
-                <a:latin typeface="+mj-lt"/>
-                <a:ea typeface="+mj-ea"/>
-                <a:cs typeface="+mj-cs"/>
-              </a:rPr>
-              <a:t>VPC peering connection lifecycle 2</a:t>
-            </a:r>
-          </a:p>
-        </p:txBody>
-      </p:sp>
-      <p:sp>
-        <p:nvSpPr>
-          <p:cNvPr id="693" name="sketch line">
-            <a:extLst>
-              <a:ext uri="{FF2B5EF4-FFF2-40B4-BE49-F238E27FC236}">
-                <a16:creationId xmlns:a16="http://schemas.microsoft.com/office/drawing/2014/main" id="{71877DBC-BB60-40F0-AC93-2ACDBAAE60CE}"/>
-              </a:ext>
-              <a:ext uri="{C183D7F6-B498-43B3-948B-1728B52AA6E4}">
-                <adec:decorative xmlns:adec="http://schemas.microsoft.com/office/drawing/2017/decorative" val="1"/>
-              </a:ext>
-            </a:extLst>
-          </p:cNvPr>
-          <p:cNvSpPr>
-            <a:spLocks noGrp="1" noRot="1" noChangeAspect="1" noMove="1" noResize="1" noEditPoints="1" noAdjustHandles="1" noChangeArrowheads="1" noChangeShapeType="1" noTextEdit="1"/>
-          </p:cNvSpPr>
-          <p:nvPr>
-            <p:extLst>
-              <p:ext uri="{386F3935-93C4-4BCD-93E2-E3B085C9AB24}">
-                <p16:designElem xmlns:p16="http://schemas.microsoft.com/office/powerpoint/2015/main" val="1"/>
-              </p:ext>
-            </p:extLst>
-          </p:nvPr>
-        </p:nvSpPr>
-        <p:spPr>
-          <a:xfrm>
-            <a:off x="643278" y="2372868"/>
-            <a:ext cx="3255095" cy="18288"/>
-          </a:xfrm>
-          <a:custGeom>
-            <a:avLst/>
-            <a:gdLst>
-              <a:gd name="connsiteX0" fmla="*/ 0 w 3255095"/>
-              <a:gd name="connsiteY0" fmla="*/ 0 h 18288"/>
-              <a:gd name="connsiteX1" fmla="*/ 618468 w 3255095"/>
-              <a:gd name="connsiteY1" fmla="*/ 0 h 18288"/>
-              <a:gd name="connsiteX2" fmla="*/ 1269487 w 3255095"/>
-              <a:gd name="connsiteY2" fmla="*/ 0 h 18288"/>
-              <a:gd name="connsiteX3" fmla="*/ 1953057 w 3255095"/>
-              <a:gd name="connsiteY3" fmla="*/ 0 h 18288"/>
-              <a:gd name="connsiteX4" fmla="*/ 2636627 w 3255095"/>
-              <a:gd name="connsiteY4" fmla="*/ 0 h 18288"/>
-              <a:gd name="connsiteX5" fmla="*/ 3255095 w 3255095"/>
-              <a:gd name="connsiteY5" fmla="*/ 0 h 18288"/>
-              <a:gd name="connsiteX6" fmla="*/ 3255095 w 3255095"/>
-              <a:gd name="connsiteY6" fmla="*/ 18288 h 18288"/>
-              <a:gd name="connsiteX7" fmla="*/ 2538974 w 3255095"/>
-              <a:gd name="connsiteY7" fmla="*/ 18288 h 18288"/>
-              <a:gd name="connsiteX8" fmla="*/ 1822853 w 3255095"/>
-              <a:gd name="connsiteY8" fmla="*/ 18288 h 18288"/>
-              <a:gd name="connsiteX9" fmla="*/ 1171834 w 3255095"/>
-              <a:gd name="connsiteY9" fmla="*/ 18288 h 18288"/>
-              <a:gd name="connsiteX10" fmla="*/ 0 w 3255095"/>
-              <a:gd name="connsiteY10" fmla="*/ 18288 h 18288"/>
-              <a:gd name="connsiteX11" fmla="*/ 0 w 3255095"/>
-              <a:gd name="connsiteY11" fmla="*/ 0 h 18288"/>
-            </a:gdLst>
-            <a:ahLst/>
-            <a:cxnLst>
-              <a:cxn ang="0">
-                <a:pos x="connsiteX0" y="connsiteY0"/>
-              </a:cxn>
-              <a:cxn ang="0">
-                <a:pos x="connsiteX1" y="connsiteY1"/>
-              </a:cxn>
-              <a:cxn ang="0">
-                <a:pos x="connsiteX2" y="connsiteY2"/>
-              </a:cxn>
-              <a:cxn ang="0">
-                <a:pos x="connsiteX3" y="connsiteY3"/>
-              </a:cxn>
-              <a:cxn ang="0">
-                <a:pos x="connsiteX4" y="connsiteY4"/>
-              </a:cxn>
-              <a:cxn ang="0">
-                <a:pos x="connsiteX5" y="connsiteY5"/>
-              </a:cxn>
-              <a:cxn ang="0">
-                <a:pos x="connsiteX6" y="connsiteY6"/>
-              </a:cxn>
-              <a:cxn ang="0">
-                <a:pos x="connsiteX7" y="connsiteY7"/>
-              </a:cxn>
-              <a:cxn ang="0">
-                <a:pos x="connsiteX8" y="connsiteY8"/>
-              </a:cxn>
-              <a:cxn ang="0">
-                <a:pos x="connsiteX9" y="connsiteY9"/>
-              </a:cxn>
-              <a:cxn ang="0">
-                <a:pos x="connsiteX10" y="connsiteY10"/>
-              </a:cxn>
-              <a:cxn ang="0">
-                <a:pos x="connsiteX11" y="connsiteY11"/>
-              </a:cxn>
-            </a:cxnLst>
-            <a:rect l="l" t="t" r="r" b="b"/>
-            <a:pathLst>
-              <a:path w="3255095" h="18288" fill="none" extrusionOk="0">
-                <a:moveTo>
-                  <a:pt x="0" y="0"/>
-                </a:moveTo>
-                <a:cubicBezTo>
-                  <a:pt x="240201" y="-22123"/>
-                  <a:pt x="462021" y="-19623"/>
-                  <a:pt x="618468" y="0"/>
-                </a:cubicBezTo>
-                <a:cubicBezTo>
-                  <a:pt x="774915" y="19623"/>
-                  <a:pt x="974734" y="2035"/>
-                  <a:pt x="1269487" y="0"/>
-                </a:cubicBezTo>
-                <a:cubicBezTo>
-                  <a:pt x="1564240" y="-2035"/>
-                  <a:pt x="1733579" y="10639"/>
-                  <a:pt x="1953057" y="0"/>
-                </a:cubicBezTo>
-                <a:cubicBezTo>
-                  <a:pt x="2172535" y="-10639"/>
-                  <a:pt x="2453962" y="14018"/>
-                  <a:pt x="2636627" y="0"/>
-                </a:cubicBezTo>
-                <a:cubicBezTo>
-                  <a:pt x="2819292" y="-14018"/>
-                  <a:pt x="3121375" y="5399"/>
-                  <a:pt x="3255095" y="0"/>
-                </a:cubicBezTo>
-                <a:cubicBezTo>
-                  <a:pt x="3254386" y="8157"/>
-                  <a:pt x="3254682" y="12125"/>
-                  <a:pt x="3255095" y="18288"/>
-                </a:cubicBezTo>
-                <a:cubicBezTo>
-                  <a:pt x="3088545" y="23203"/>
-                  <a:pt x="2687475" y="7419"/>
-                  <a:pt x="2538974" y="18288"/>
-                </a:cubicBezTo>
-                <a:cubicBezTo>
-                  <a:pt x="2390473" y="29157"/>
-                  <a:pt x="2137381" y="-8959"/>
-                  <a:pt x="1822853" y="18288"/>
-                </a:cubicBezTo>
-                <a:cubicBezTo>
-                  <a:pt x="1508325" y="45535"/>
-                  <a:pt x="1466437" y="20385"/>
-                  <a:pt x="1171834" y="18288"/>
-                </a:cubicBezTo>
-                <a:cubicBezTo>
-                  <a:pt x="877231" y="16191"/>
-                  <a:pt x="561097" y="37643"/>
-                  <a:pt x="0" y="18288"/>
-                </a:cubicBezTo>
-                <a:cubicBezTo>
-                  <a:pt x="-46" y="12483"/>
-                  <a:pt x="-203" y="6491"/>
-                  <a:pt x="0" y="0"/>
-                </a:cubicBezTo>
-                <a:close/>
-              </a:path>
-              <a:path w="3255095" h="18288" stroke="0" extrusionOk="0">
-                <a:moveTo>
-                  <a:pt x="0" y="0"/>
-                </a:moveTo>
-                <a:cubicBezTo>
-                  <a:pt x="291965" y="19429"/>
-                  <a:pt x="363155" y="8568"/>
-                  <a:pt x="618468" y="0"/>
-                </a:cubicBezTo>
-                <a:cubicBezTo>
-                  <a:pt x="873781" y="-8568"/>
-                  <a:pt x="904459" y="-19505"/>
-                  <a:pt x="1171834" y="0"/>
-                </a:cubicBezTo>
-                <a:cubicBezTo>
-                  <a:pt x="1439209" y="19505"/>
-                  <a:pt x="1744369" y="9790"/>
-                  <a:pt x="1887955" y="0"/>
-                </a:cubicBezTo>
-                <a:cubicBezTo>
-                  <a:pt x="2031541" y="-9790"/>
-                  <a:pt x="2346378" y="21240"/>
-                  <a:pt x="2506423" y="0"/>
-                </a:cubicBezTo>
-                <a:cubicBezTo>
-                  <a:pt x="2666468" y="-21240"/>
-                  <a:pt x="2990257" y="30414"/>
-                  <a:pt x="3255095" y="0"/>
-                </a:cubicBezTo>
-                <a:cubicBezTo>
-                  <a:pt x="3254831" y="4493"/>
-                  <a:pt x="3255479" y="9472"/>
-                  <a:pt x="3255095" y="18288"/>
-                </a:cubicBezTo>
-                <a:cubicBezTo>
-                  <a:pt x="3120743" y="16690"/>
-                  <a:pt x="2759628" y="42462"/>
-                  <a:pt x="2604076" y="18288"/>
-                </a:cubicBezTo>
-                <a:cubicBezTo>
-                  <a:pt x="2448524" y="-5886"/>
-                  <a:pt x="2184336" y="19599"/>
-                  <a:pt x="1887955" y="18288"/>
-                </a:cubicBezTo>
-                <a:cubicBezTo>
-                  <a:pt x="1591574" y="16977"/>
-                  <a:pt x="1548845" y="6870"/>
-                  <a:pt x="1334589" y="18288"/>
-                </a:cubicBezTo>
-                <a:cubicBezTo>
-                  <a:pt x="1120333" y="29706"/>
-                  <a:pt x="996014" y="9662"/>
-                  <a:pt x="683570" y="18288"/>
-                </a:cubicBezTo>
-                <a:cubicBezTo>
-                  <a:pt x="371126" y="26914"/>
-                  <a:pt x="198687" y="16167"/>
-                  <a:pt x="0" y="18288"/>
-                </a:cubicBezTo>
-                <a:cubicBezTo>
-                  <a:pt x="843" y="9577"/>
-                  <a:pt x="371" y="6900"/>
-                  <a:pt x="0" y="0"/>
-                </a:cubicBezTo>
-                <a:close/>
-              </a:path>
-            </a:pathLst>
-          </a:custGeom>
-          <a:solidFill>
-            <a:schemeClr val="accent2"/>
-          </a:solidFill>
-          <a:ln w="38100" cap="rnd">
-            <a:solidFill>
-              <a:schemeClr val="accent2"/>
-            </a:solidFill>
-            <a:round/>
-            <a:extLst>
-              <a:ext uri="{C807C97D-BFC1-408E-A445-0C87EB9F89A2}">
-                <ask:lineSketchStyleProps xmlns:ask="http://schemas.microsoft.com/office/drawing/2018/sketchyshapes" sd="1219033472">
-                  <a:prstGeom prst="rect">
-                    <a:avLst/>
-                  </a:prstGeom>
-                  <ask:type>
-                    <ask:lineSketchFreehand/>
-                  </ask:type>
-                </ask:lineSketchStyleProps>
-              </a:ext>
-            </a:extLst>
-          </a:ln>
-        </p:spPr>
-        <p:style>
-          <a:lnRef idx="2">
-            <a:schemeClr val="accent1">
-              <a:shade val="50000"/>
-            </a:schemeClr>
-          </a:lnRef>
-          <a:fillRef idx="1">
-            <a:schemeClr val="accent1"/>
-          </a:fillRef>
-          <a:effectRef idx="0">
-            <a:schemeClr val="accent1"/>
-          </a:effectRef>
-          <a:fontRef idx="minor">
-            <a:schemeClr val="lt1"/>
-          </a:fontRef>
-        </p:style>
-        <p:txBody>
-          <a:bodyPr rtlCol="0" anchor="ctr"/>
-          <a:lstStyle/>
-          <a:p>
-            <a:pPr algn="ctr"/>
-            <a:endParaRPr lang="en-US"/>
-          </a:p>
-        </p:txBody>
-      </p:sp>
-      <p:sp>
-        <p:nvSpPr>
-          <p:cNvPr id="685" name="Google Shape;685;p110"/>
-          <p:cNvSpPr txBox="1">
-            <a:spLocks noGrp="1"/>
-          </p:cNvSpPr>
-          <p:nvPr>
-            <p:ph sz="half" idx="1"/>
-          </p:nvPr>
-        </p:nvSpPr>
-        <p:spPr>
-          <a:xfrm>
-            <a:off x="630936" y="2660904"/>
-            <a:ext cx="4818888" cy="3547872"/>
-          </a:xfrm>
-          <a:prstGeom prst="rect">
-            <a:avLst/>
-          </a:prstGeom>
-        </p:spPr>
-        <p:txBody>
-          <a:bodyPr spcFirstLastPara="1" vert="horz" lIns="91440" tIns="45720" rIns="91440" bIns="45720" rtlCol="0" anchor="t" anchorCtr="0">
-            <a:normAutofit/>
-          </a:bodyPr>
-          <a:lstStyle/>
-          <a:p>
-            <a:pPr marL="0">
-              <a:spcBef>
-                <a:spcPts val="1067"/>
-              </a:spcBef>
-              <a:buClr>
-                <a:schemeClr val="dk1"/>
-              </a:buClr>
-              <a:buSzPts val="1100"/>
-            </a:pPr>
-            <a:r>
-              <a:rPr lang="en-US" sz="1000" b="1" u="sng">
-                <a:sym typeface="Arial"/>
-              </a:rPr>
-              <a:t>Provisioning</a:t>
-            </a:r>
-            <a:r>
-              <a:rPr lang="en-US" sz="1000">
-                <a:sym typeface="Arial"/>
-              </a:rPr>
-              <a:t>: The VPC peering connection request has been accepted and will soon be in the active state.</a:t>
-            </a:r>
-          </a:p>
-          <a:p>
-            <a:pPr marL="0">
-              <a:spcBef>
-                <a:spcPts val="1600"/>
-              </a:spcBef>
-              <a:buClr>
-                <a:schemeClr val="dk1"/>
-              </a:buClr>
-              <a:buSzPts val="1100"/>
-            </a:pPr>
-            <a:r>
-              <a:rPr lang="en-US" sz="1000" b="1" u="sng">
-                <a:sym typeface="Arial"/>
-              </a:rPr>
-              <a:t>Active</a:t>
-            </a:r>
-            <a:r>
-              <a:rPr lang="en-US" sz="1000">
-                <a:sym typeface="Arial"/>
-              </a:rPr>
-              <a:t>: The VPC peering connection is active, and traffic can flow between the VPCs (provided that your security groups and route tables allow the flow of traffic). While in this state, either of the VPC owners can delete the VPC peering connection but cannot reject it.</a:t>
-            </a:r>
-          </a:p>
-          <a:p>
-            <a:pPr marL="0">
-              <a:spcBef>
-                <a:spcPts val="1600"/>
-              </a:spcBef>
-              <a:buClr>
-                <a:schemeClr val="dk1"/>
-              </a:buClr>
-              <a:buSzPts val="1100"/>
-            </a:pPr>
-            <a:r>
-              <a:rPr lang="en-US" sz="1000" b="1" u="sng">
-                <a:sym typeface="Arial"/>
-              </a:rPr>
-              <a:t>Deleting</a:t>
-            </a:r>
-            <a:r>
-              <a:rPr lang="en-US" sz="1000">
-                <a:sym typeface="Arial"/>
-              </a:rPr>
-              <a:t>: Applies to an inter-Region VPC peering connection that is in the process of being deleted. The owner of either VPC has submitted a request to delete an active VPC peering connection, or the owner of the requester VPC has submitted a request to delete a pending-acceptance VPC peering connection request.</a:t>
-            </a:r>
-          </a:p>
-          <a:p>
-            <a:pPr marL="0">
-              <a:spcBef>
-                <a:spcPts val="1600"/>
-              </a:spcBef>
-              <a:spcAft>
-                <a:spcPts val="1600"/>
-              </a:spcAft>
-              <a:buClr>
-                <a:schemeClr val="dk1"/>
-              </a:buClr>
-              <a:buSzPts val="1100"/>
-            </a:pPr>
-            <a:r>
-              <a:rPr lang="en-US" sz="1000" b="1" u="sng">
-                <a:sym typeface="Arial"/>
-              </a:rPr>
-              <a:t>Deleted</a:t>
-            </a:r>
-            <a:r>
-              <a:rPr lang="en-US" sz="1000">
-                <a:sym typeface="Arial"/>
-              </a:rPr>
-              <a:t>: An active VPC peering connection has been deleted by either of the VPC owners, or a pending-acceptance VPC peering connection request has been deleted by the owner of the requester VPC. While in this state, the VPC peering connection cannot be accepted or rejected. The VPC peering connection remains visible to the party that deleted it for 2 hours, and visible to the other party for 2 days. If the VPC peering connection was created within the same AWS account, the deleted request remains visible for 2 hours.</a:t>
-            </a:r>
-          </a:p>
-        </p:txBody>
-      </p:sp>
-      <p:pic>
-        <p:nvPicPr>
-          <p:cNvPr id="686" name="Google Shape;686;p110"/>
-          <p:cNvPicPr preferRelativeResize="0">
-            <a:picLocks noGrp="1"/>
-          </p:cNvPicPr>
-          <p:nvPr>
-            <p:ph sz="half" idx="2"/>
-          </p:nvPr>
-        </p:nvPicPr>
-        <p:blipFill rotWithShape="1">
-          <a:blip r:embed="rId3"/>
-          <a:stretch/>
-        </p:blipFill>
-        <p:spPr>
-          <a:xfrm>
-            <a:off x="6099048" y="2009669"/>
-            <a:ext cx="5458968" cy="2838663"/>
-          </a:xfrm>
-          <a:prstGeom prst="rect">
-            <a:avLst/>
-          </a:prstGeom>
-          <a:noFill/>
-        </p:spPr>
-      </p:pic>
-    </p:spTree>
   </p:cSld>
   <p:clrMapOvr>
     <a:masterClrMapping/>
